--- a/tutorial/EGI-2011/01_introduction.pptx
+++ b/tutorial/EGI-2011/01_introduction.pptx
@@ -1,38 +1,27 @@
 
 <file path=ppt/presentation.xml><?xml version="1.0" encoding="utf-8"?>
-<p:presentation xmlns:a="http://schemas.openxmlformats.org/drawingml/2006/main" xmlns:r="http://schemas.openxmlformats.org/officeDocument/2006/relationships" xmlns:mc="http://schemas.openxmlformats.org/markup-compatibility/2006" xmlns:mv="urn:schemas-microsoft-com:mac:vml" xmlns:p="http://schemas.openxmlformats.org/presentationml/2006/main" mc:Ignorable="mv" mc:PreserveAttributes="mv:*" saveSubsetFonts="1" autoCompressPictures="0">
+<p:presentation xmlns:a="http://schemas.openxmlformats.org/drawingml/2006/main" xmlns:r="http://schemas.openxmlformats.org/officeDocument/2006/relationships" xmlns:p="http://schemas.openxmlformats.org/presentationml/2006/main" saveSubsetFonts="1" autoCompressPictures="0">
   <p:sldMasterIdLst>
     <p:sldMasterId id="2147483660" r:id="rId1"/>
-    <p:sldMasterId id="2147483676" r:id="rId2"/>
-    <p:sldMasterId id="2147483678" r:id="rId3"/>
-    <p:sldMasterId id="2147483680" r:id="rId4"/>
-    <p:sldMasterId id="2147483682" r:id="rId5"/>
-    <p:sldMasterId id="2147483684" r:id="rId6"/>
+    <p:sldMasterId id="2147483678" r:id="rId2"/>
+    <p:sldMasterId id="2147483680" r:id="rId3"/>
   </p:sldMasterIdLst>
   <p:notesMasterIdLst>
-    <p:notesMasterId r:id="rId24"/>
+    <p:notesMasterId r:id="rId13"/>
   </p:notesMasterIdLst>
   <p:handoutMasterIdLst>
-    <p:handoutMasterId r:id="rId25"/>
+    <p:handoutMasterId r:id="rId14"/>
   </p:handoutMasterIdLst>
   <p:sldIdLst>
-    <p:sldId id="256" r:id="rId7"/>
-    <p:sldId id="281" r:id="rId8"/>
-    <p:sldId id="282" r:id="rId9"/>
-    <p:sldId id="261" r:id="rId10"/>
-    <p:sldId id="262" r:id="rId11"/>
-    <p:sldId id="263" r:id="rId12"/>
-    <p:sldId id="264" r:id="rId13"/>
-    <p:sldId id="277" r:id="rId14"/>
-    <p:sldId id="278" r:id="rId15"/>
-    <p:sldId id="279" r:id="rId16"/>
-    <p:sldId id="272" r:id="rId17"/>
-    <p:sldId id="265" r:id="rId18"/>
-    <p:sldId id="266" r:id="rId19"/>
-    <p:sldId id="267" r:id="rId20"/>
-    <p:sldId id="269" r:id="rId21"/>
-    <p:sldId id="268" r:id="rId22"/>
-    <p:sldId id="280" r:id="rId23"/>
+    <p:sldId id="256" r:id="rId4"/>
+    <p:sldId id="281" r:id="rId5"/>
+    <p:sldId id="282" r:id="rId6"/>
+    <p:sldId id="261" r:id="rId7"/>
+    <p:sldId id="262" r:id="rId8"/>
+    <p:sldId id="263" r:id="rId9"/>
+    <p:sldId id="264" r:id="rId10"/>
+    <p:sldId id="277" r:id="rId11"/>
+    <p:sldId id="278" r:id="rId12"/>
   </p:sldIdLst>
   <p:sldSz cx="9144000" cy="6858000" type="screen4x3"/>
   <p:notesSz cx="6858000" cy="9144000"/>
@@ -134,269 +123,8 @@
 </p:presentation>
 </file>
 
-<file path=ppt/charts/chart1.xml><?xml version="1.0" encoding="utf-8"?>
-<c:chartSpace xmlns:c="http://schemas.openxmlformats.org/drawingml/2006/chart" xmlns:a="http://schemas.openxmlformats.org/drawingml/2006/main" xmlns:r="http://schemas.openxmlformats.org/officeDocument/2006/relationships">
-  <c:date1904 val="1"/>
-  <c:lang val="en-US"/>
-  <c:style val="18"/>
-  <c:chart>
-    <c:plotArea>
-      <c:layout/>
-      <c:barChart>
-        <c:barDir val="col"/>
-        <c:grouping val="clustered"/>
-        <c:ser>
-          <c:idx val="0"/>
-          <c:order val="0"/>
-          <c:tx>
-            <c:v>Synchronous</c:v>
-          </c:tx>
-          <c:errBars>
-            <c:errBarType val="both"/>
-            <c:errValType val="cust"/>
-            <c:plus>
-              <c:numRef>
-                <c:f>(Sheet1!$C$43,Sheet1!$E$43)</c:f>
-                <c:numCache>
-                  <c:formatCode>General</c:formatCode>
-                  <c:ptCount val="2"/>
-                  <c:pt idx="0">
-                    <c:v>14.5</c:v>
-                  </c:pt>
-                  <c:pt idx="1">
-                    <c:v>10.05</c:v>
-                  </c:pt>
-                </c:numCache>
-              </c:numRef>
-            </c:plus>
-            <c:minus>
-              <c:numRef>
-                <c:f>(Sheet1!$C$43,Sheet1!$E$43)</c:f>
-                <c:numCache>
-                  <c:formatCode>General</c:formatCode>
-                  <c:ptCount val="2"/>
-                  <c:pt idx="0">
-                    <c:v>14.5</c:v>
-                  </c:pt>
-                  <c:pt idx="1">
-                    <c:v>10.05</c:v>
-                  </c:pt>
-                </c:numCache>
-              </c:numRef>
-            </c:minus>
-          </c:errBars>
-          <c:cat>
-            <c:strRef>
-              <c:f>Sheet1!$B$38:$C$38</c:f>
-              <c:strCache>
-                <c:ptCount val="2"/>
-                <c:pt idx="0">
-                  <c:v>4BJs, 4Machines - 16 replicas/64 exchanges</c:v>
-                </c:pt>
-                <c:pt idx="1">
-                  <c:v>2BJs 2Machines, 8 replicas, 32 exchanges</c:v>
-                </c:pt>
-              </c:strCache>
-            </c:strRef>
-          </c:cat>
-          <c:val>
-            <c:numRef>
-              <c:f>Sheet1!$B$39:$C$39</c:f>
-              <c:numCache>
-                <c:formatCode>General</c:formatCode>
-                <c:ptCount val="2"/>
-                <c:pt idx="0">
-                  <c:v>1179.8</c:v>
-                </c:pt>
-                <c:pt idx="1">
-                  <c:v>805.0</c:v>
-                </c:pt>
-              </c:numCache>
-            </c:numRef>
-          </c:val>
-        </c:ser>
-        <c:ser>
-          <c:idx val="1"/>
-          <c:order val="1"/>
-          <c:tx>
-            <c:v>Asynchronous-Centralized</c:v>
-          </c:tx>
-          <c:errBars>
-            <c:errBarType val="both"/>
-            <c:errValType val="cust"/>
-            <c:plus>
-              <c:numRef>
-                <c:f>(Sheet1!$C$44,Sheet1!$E$44)</c:f>
-                <c:numCache>
-                  <c:formatCode>General</c:formatCode>
-                  <c:ptCount val="2"/>
-                  <c:pt idx="0">
-                    <c:v>7.109999999999999</c:v>
-                  </c:pt>
-                  <c:pt idx="1">
-                    <c:v>5.57</c:v>
-                  </c:pt>
-                </c:numCache>
-              </c:numRef>
-            </c:plus>
-            <c:minus>
-              <c:numRef>
-                <c:f>(Sheet1!$C$44,Sheet1!$E$44)</c:f>
-                <c:numCache>
-                  <c:formatCode>General</c:formatCode>
-                  <c:ptCount val="2"/>
-                  <c:pt idx="0">
-                    <c:v>7.109999999999999</c:v>
-                  </c:pt>
-                  <c:pt idx="1">
-                    <c:v>5.57</c:v>
-                  </c:pt>
-                </c:numCache>
-              </c:numRef>
-            </c:minus>
-          </c:errBars>
-          <c:cat>
-            <c:strRef>
-              <c:f>Sheet1!$B$38:$C$38</c:f>
-              <c:strCache>
-                <c:ptCount val="2"/>
-                <c:pt idx="0">
-                  <c:v>4BJs, 4Machines - 16 replicas/64 exchanges</c:v>
-                </c:pt>
-                <c:pt idx="1">
-                  <c:v>2BJs 2Machines, 8 replicas, 32 exchanges</c:v>
-                </c:pt>
-              </c:strCache>
-            </c:strRef>
-          </c:cat>
-          <c:val>
-            <c:numRef>
-              <c:f>Sheet1!$B$40:$C$40</c:f>
-              <c:numCache>
-                <c:formatCode>General</c:formatCode>
-                <c:ptCount val="2"/>
-                <c:pt idx="0">
-                  <c:v>685.0</c:v>
-                </c:pt>
-                <c:pt idx="1">
-                  <c:v>632.0</c:v>
-                </c:pt>
-              </c:numCache>
-            </c:numRef>
-          </c:val>
-        </c:ser>
-        <c:ser>
-          <c:idx val="2"/>
-          <c:order val="2"/>
-          <c:tx>
-            <c:v>Asynchronous-Decentralized</c:v>
-          </c:tx>
-          <c:errBars>
-            <c:errBarType val="both"/>
-            <c:errValType val="cust"/>
-            <c:plus>
-              <c:numRef>
-                <c:f>(Sheet1!$C$45,Sheet1!$E$45)</c:f>
-                <c:numCache>
-                  <c:formatCode>General</c:formatCode>
-                  <c:ptCount val="2"/>
-                  <c:pt idx="0">
-                    <c:v>1.66</c:v>
-                  </c:pt>
-                  <c:pt idx="1">
-                    <c:v>9.17</c:v>
-                  </c:pt>
-                </c:numCache>
-              </c:numRef>
-            </c:plus>
-            <c:minus>
-              <c:numRef>
-                <c:f>(Sheet1!$C$45,Sheet1!$E$45)</c:f>
-                <c:numCache>
-                  <c:formatCode>General</c:formatCode>
-                  <c:ptCount val="2"/>
-                  <c:pt idx="0">
-                    <c:v>1.66</c:v>
-                  </c:pt>
-                  <c:pt idx="1">
-                    <c:v>9.17</c:v>
-                  </c:pt>
-                </c:numCache>
-              </c:numRef>
-            </c:minus>
-          </c:errBars>
-          <c:cat>
-            <c:strRef>
-              <c:f>Sheet1!$B$38:$C$38</c:f>
-              <c:strCache>
-                <c:ptCount val="2"/>
-                <c:pt idx="0">
-                  <c:v>4BJs, 4Machines - 16 replicas/64 exchanges</c:v>
-                </c:pt>
-                <c:pt idx="1">
-                  <c:v>2BJs 2Machines, 8 replicas, 32 exchanges</c:v>
-                </c:pt>
-              </c:strCache>
-            </c:strRef>
-          </c:cat>
-          <c:val>
-            <c:numRef>
-              <c:f>Sheet1!$B$41:$C$41</c:f>
-              <c:numCache>
-                <c:formatCode>General</c:formatCode>
-                <c:ptCount val="2"/>
-                <c:pt idx="0">
-                  <c:v>641.0</c:v>
-                </c:pt>
-                <c:pt idx="1">
-                  <c:v>607.8</c:v>
-                </c:pt>
-              </c:numCache>
-            </c:numRef>
-          </c:val>
-        </c:ser>
-        <c:axId val="628852760"/>
-        <c:axId val="618333432"/>
-      </c:barChart>
-      <c:catAx>
-        <c:axId val="628852760"/>
-        <c:scaling>
-          <c:orientation val="minMax"/>
-        </c:scaling>
-        <c:axPos val="b"/>
-        <c:tickLblPos val="nextTo"/>
-        <c:crossAx val="618333432"/>
-        <c:crosses val="autoZero"/>
-        <c:auto val="1"/>
-        <c:lblAlgn val="ctr"/>
-        <c:lblOffset val="100"/>
-      </c:catAx>
-      <c:valAx>
-        <c:axId val="618333432"/>
-        <c:scaling>
-          <c:orientation val="minMax"/>
-        </c:scaling>
-        <c:axPos val="l"/>
-        <c:majorGridlines/>
-        <c:numFmt formatCode="General" sourceLinked="1"/>
-        <c:tickLblPos val="nextTo"/>
-        <c:crossAx val="628852760"/>
-        <c:crosses val="autoZero"/>
-        <c:crossBetween val="between"/>
-      </c:valAx>
-    </c:plotArea>
-    <c:legend>
-      <c:legendPos val="r"/>
-      <c:layout/>
-    </c:legend>
-    <c:plotVisOnly val="1"/>
-  </c:chart>
-  <c:externalData r:id="rId1"/>
-</c:chartSpace>
-</file>
-
 <file path=ppt/handoutMasters/handoutMaster1.xml><?xml version="1.0" encoding="utf-8"?>
-<p:handoutMaster xmlns:a="http://schemas.openxmlformats.org/drawingml/2006/main" xmlns:r="http://schemas.openxmlformats.org/officeDocument/2006/relationships" xmlns:mc="http://schemas.openxmlformats.org/markup-compatibility/2006" xmlns:mv="urn:schemas-microsoft-com:mac:vml" xmlns:p="http://schemas.openxmlformats.org/presentationml/2006/main" mc:Ignorable="mv" mc:PreserveAttributes="mv:*">
+<p:handoutMaster xmlns:a="http://schemas.openxmlformats.org/drawingml/2006/main" xmlns:r="http://schemas.openxmlformats.org/officeDocument/2006/relationships" xmlns:p="http://schemas.openxmlformats.org/presentationml/2006/main">
   <p:cSld>
     <p:bg>
       <p:bgRef idx="1001">
@@ -478,7 +206,7 @@
             <a:fld id="{9A6AC4B2-6F12-454D-8DA7-7B9C78843B81}" type="datetimeFigureOut">
               <a:rPr lang="en-US" smtClean="0"/>
               <a:pPr/>
-              <a:t>11/29/10</a:t>
+              <a:t>4/6/2011</a:t>
             </a:fld>
             <a:endParaRPr lang="en-US"/>
           </a:p>
@@ -552,6 +280,11 @@
         </p:txBody>
       </p:sp>
     </p:spTree>
+    <p:extLst>
+      <p:ext uri="{BB962C8B-B14F-4D97-AF65-F5344CB8AC3E}">
+        <p14:creationId xmlns:p14="http://schemas.microsoft.com/office/powerpoint/2010/main" val="725077938"/>
+      </p:ext>
+    </p:extLst>
   </p:cSld>
   <p:clrMap bg1="lt1" tx1="dk1" bg2="lt2" tx2="dk2" accent1="accent1" accent2="accent2" accent3="accent3" accent4="accent4" accent5="accent5" accent6="accent6" hlink="hlink" folHlink="folHlink"/>
   <p:hf hdr="0" ftr="0" dt="0"/>
@@ -559,7 +292,7 @@
 </file>
 
 <file path=ppt/notesMasters/notesMaster1.xml><?xml version="1.0" encoding="utf-8"?>
-<p:notesMaster xmlns:a="http://schemas.openxmlformats.org/drawingml/2006/main" xmlns:r="http://schemas.openxmlformats.org/officeDocument/2006/relationships" xmlns:mc="http://schemas.openxmlformats.org/markup-compatibility/2006" xmlns:mv="urn:schemas-microsoft-com:mac:vml" xmlns:p="http://schemas.openxmlformats.org/presentationml/2006/main" mc:Ignorable="mv" mc:PreserveAttributes="mv:*">
+<p:notesMaster xmlns:a="http://schemas.openxmlformats.org/drawingml/2006/main" xmlns:r="http://schemas.openxmlformats.org/officeDocument/2006/relationships" xmlns:p="http://schemas.openxmlformats.org/presentationml/2006/main">
   <p:cSld>
     <p:bg>
       <p:bgRef idx="1001">
@@ -641,7 +374,7 @@
             <a:fld id="{19F24AD4-A78B-B645-8B43-825B1EB2901C}" type="datetimeFigureOut">
               <a:rPr lang="en-US" smtClean="0"/>
               <a:pPr/>
-              <a:t>11/29/10</a:t>
+              <a:t>4/6/2011</a:t>
             </a:fld>
             <a:endParaRPr lang="en-US"/>
           </a:p>
@@ -810,6 +543,11 @@
         </p:txBody>
       </p:sp>
     </p:spTree>
+    <p:extLst>
+      <p:ext uri="{BB962C8B-B14F-4D97-AF65-F5344CB8AC3E}">
+        <p14:creationId xmlns:p14="http://schemas.microsoft.com/office/powerpoint/2010/main" val="1677144915"/>
+      </p:ext>
+    </p:extLst>
   </p:cSld>
   <p:clrMap bg1="lt1" tx1="dk1" bg2="lt2" tx2="dk2" accent1="accent1" accent2="accent2" accent3="accent3" accent4="accent4" accent5="accent5" accent6="accent6" hlink="hlink" folHlink="folHlink"/>
   <p:hf hdr="0" ftr="0" dt="0"/>
@@ -909,7 +647,7 @@
 </file>
 
 <file path=ppt/notesSlides/notesSlide1.xml><?xml version="1.0" encoding="utf-8"?>
-<p:notes xmlns:a="http://schemas.openxmlformats.org/drawingml/2006/main" xmlns:r="http://schemas.openxmlformats.org/officeDocument/2006/relationships" xmlns:mc="http://schemas.openxmlformats.org/markup-compatibility/2006" xmlns:mv="urn:schemas-microsoft-com:mac:vml" xmlns:p="http://schemas.openxmlformats.org/presentationml/2006/main" mc:Ignorable="mv" mc:PreserveAttributes="mv:*">
+<p:notes xmlns:a="http://schemas.openxmlformats.org/drawingml/2006/main" xmlns:r="http://schemas.openxmlformats.org/officeDocument/2006/relationships" xmlns:p="http://schemas.openxmlformats.org/presentationml/2006/main">
   <p:cSld>
     <p:spTree>
       <p:nvGrpSpPr>
@@ -991,7 +729,7 @@
 </file>
 
 <file path=ppt/notesSlides/notesSlide2.xml><?xml version="1.0" encoding="utf-8"?>
-<p:notes xmlns:a="http://schemas.openxmlformats.org/drawingml/2006/main" xmlns:r="http://schemas.openxmlformats.org/officeDocument/2006/relationships" xmlns:mc="http://schemas.openxmlformats.org/markup-compatibility/2006" xmlns:mv="urn:schemas-microsoft-com:mac:vml" xmlns:p="http://schemas.openxmlformats.org/presentationml/2006/main" mc:Ignorable="mv" mc:PreserveAttributes="mv:*">
+<p:notes xmlns:a="http://schemas.openxmlformats.org/drawingml/2006/main" xmlns:r="http://schemas.openxmlformats.org/officeDocument/2006/relationships" xmlns:p="http://schemas.openxmlformats.org/presentationml/2006/main">
   <p:cSld>
     <p:spTree>
       <p:nvGrpSpPr>
@@ -1073,7 +811,7 @@
 </file>
 
 <file path=ppt/slideLayouts/slideLayout1.xml><?xml version="1.0" encoding="utf-8"?>
-<p:sldLayout xmlns:a="http://schemas.openxmlformats.org/drawingml/2006/main" xmlns:r="http://schemas.openxmlformats.org/officeDocument/2006/relationships" xmlns:mc="http://schemas.openxmlformats.org/markup-compatibility/2006" xmlns:mv="urn:schemas-microsoft-com:mac:vml" xmlns:p="http://schemas.openxmlformats.org/presentationml/2006/main" mc:Ignorable="mv" mc:PreserveAttributes="mv:*" preserve="1" userDrawn="1">
+<p:sldLayout xmlns:a="http://schemas.openxmlformats.org/drawingml/2006/main" xmlns:r="http://schemas.openxmlformats.org/officeDocument/2006/relationships" xmlns:p="http://schemas.openxmlformats.org/presentationml/2006/main" preserve="1" userDrawn="1">
   <p:cSld name="Title Slide">
     <p:spTree>
       <p:nvGrpSpPr>
@@ -1227,7 +965,7 @@
             <a:fld id="{ADB8239A-D789-5443-937F-338E3AE3D41C}" type="datetime1">
               <a:rPr lang="en-US" smtClean="0"/>
               <a:pPr/>
-              <a:t>11/29/10</a:t>
+              <a:t>4/6/2011</a:t>
             </a:fld>
             <a:endParaRPr lang="en-US"/>
           </a:p>
@@ -1266,7 +1004,7 @@
 </file>
 
 <file path=ppt/slideLayouts/slideLayout10.xml><?xml version="1.0" encoding="utf-8"?>
-<p:sldLayout xmlns:a="http://schemas.openxmlformats.org/drawingml/2006/main" xmlns:r="http://schemas.openxmlformats.org/officeDocument/2006/relationships" xmlns:mc="http://schemas.openxmlformats.org/markup-compatibility/2006" xmlns:mv="urn:schemas-microsoft-com:mac:vml" xmlns:p="http://schemas.openxmlformats.org/presentationml/2006/main" mc:Ignorable="mv" mc:PreserveAttributes="mv:*" type="picTx" preserve="1">
+<p:sldLayout xmlns:a="http://schemas.openxmlformats.org/drawingml/2006/main" xmlns:r="http://schemas.openxmlformats.org/officeDocument/2006/relationships" xmlns:p="http://schemas.openxmlformats.org/presentationml/2006/main" type="picTx" preserve="1">
   <p:cSld name="Picture with Caption">
     <p:spTree>
       <p:nvGrpSpPr>
@@ -1531,7 +1269,7 @@
             <a:fld id="{459EC1CE-E98D-704D-AD6F-6E3323A36483}" type="datetime1">
               <a:rPr lang="en-US" smtClean="0"/>
               <a:pPr/>
-              <a:t>11/29/10</a:t>
+              <a:t>4/6/2011</a:t>
             </a:fld>
             <a:endParaRPr lang="en-US"/>
           </a:p>
@@ -1589,7 +1327,7 @@
 </file>
 
 <file path=ppt/slideLayouts/slideLayout11.xml><?xml version="1.0" encoding="utf-8"?>
-<p:sldLayout xmlns:a="http://schemas.openxmlformats.org/drawingml/2006/main" xmlns:r="http://schemas.openxmlformats.org/officeDocument/2006/relationships" xmlns:mc="http://schemas.openxmlformats.org/markup-compatibility/2006" xmlns:mv="urn:schemas-microsoft-com:mac:vml" xmlns:p="http://schemas.openxmlformats.org/presentationml/2006/main" mc:Ignorable="mv" mc:PreserveAttributes="mv:*" preserve="1">
+<p:sldLayout xmlns:a="http://schemas.openxmlformats.org/drawingml/2006/main" xmlns:r="http://schemas.openxmlformats.org/officeDocument/2006/relationships" xmlns:p="http://schemas.openxmlformats.org/presentationml/2006/main" preserve="1">
   <p:cSld name="Picture above Caption">
     <p:spTree>
       <p:nvGrpSpPr>
@@ -1807,7 +1545,7 @@
             <a:fld id="{23E692A5-8B3E-1949-B0CC-6F0593ACFA8E}" type="datetime1">
               <a:rPr lang="en-US" smtClean="0"/>
               <a:pPr/>
-              <a:t>11/29/10</a:t>
+              <a:t>4/6/2011</a:t>
             </a:fld>
             <a:endParaRPr lang="en-US"/>
           </a:p>
@@ -1876,7 +1614,7 @@
 </file>
 
 <file path=ppt/slideLayouts/slideLayout12.xml><?xml version="1.0" encoding="utf-8"?>
-<p:sldLayout xmlns:a="http://schemas.openxmlformats.org/drawingml/2006/main" xmlns:r="http://schemas.openxmlformats.org/officeDocument/2006/relationships" xmlns:mc="http://schemas.openxmlformats.org/markup-compatibility/2006" xmlns:mv="urn:schemas-microsoft-com:mac:vml" xmlns:p="http://schemas.openxmlformats.org/presentationml/2006/main" mc:Ignorable="mv" mc:PreserveAttributes="mv:*" preserve="1">
+<p:sldLayout xmlns:a="http://schemas.openxmlformats.org/drawingml/2006/main" xmlns:r="http://schemas.openxmlformats.org/officeDocument/2006/relationships" xmlns:p="http://schemas.openxmlformats.org/presentationml/2006/main" preserve="1">
   <p:cSld name="2 Pictures with Caption">
     <p:spTree>
       <p:nvGrpSpPr>
@@ -2099,7 +1837,7 @@
             <a:fld id="{C381DA14-A3C0-9C42-96F2-BEE3D5DE963D}" type="datetime1">
               <a:rPr lang="en-US" smtClean="0"/>
               <a:pPr/>
-              <a:t>11/29/10</a:t>
+              <a:t>4/6/2011</a:t>
             </a:fld>
             <a:endParaRPr lang="en-US"/>
           </a:p>
@@ -2203,7 +1941,7 @@
 </file>
 
 <file path=ppt/slideLayouts/slideLayout13.xml><?xml version="1.0" encoding="utf-8"?>
-<p:sldLayout xmlns:a="http://schemas.openxmlformats.org/drawingml/2006/main" xmlns:r="http://schemas.openxmlformats.org/officeDocument/2006/relationships" xmlns:mc="http://schemas.openxmlformats.org/markup-compatibility/2006" xmlns:mv="urn:schemas-microsoft-com:mac:vml" xmlns:p="http://schemas.openxmlformats.org/presentationml/2006/main" mc:Ignorable="mv" mc:PreserveAttributes="mv:*" preserve="1">
+<p:sldLayout xmlns:a="http://schemas.openxmlformats.org/drawingml/2006/main" xmlns:r="http://schemas.openxmlformats.org/officeDocument/2006/relationships" xmlns:p="http://schemas.openxmlformats.org/presentationml/2006/main" preserve="1">
   <p:cSld name="3 Pictures with Caption">
     <p:spTree>
       <p:nvGrpSpPr>
@@ -2426,7 +2164,7 @@
             <a:fld id="{33319320-9A5F-694B-B7B5-C734EC93AAA2}" type="datetime1">
               <a:rPr lang="en-US" smtClean="0"/>
               <a:pPr/>
-              <a:t>11/29/10</a:t>
+              <a:t>4/6/2011</a:t>
             </a:fld>
             <a:endParaRPr lang="en-US"/>
           </a:p>
@@ -2565,7 +2303,7 @@
 </file>
 
 <file path=ppt/slideLayouts/slideLayout14.xml><?xml version="1.0" encoding="utf-8"?>
-<p:sldLayout xmlns:a="http://schemas.openxmlformats.org/drawingml/2006/main" xmlns:r="http://schemas.openxmlformats.org/officeDocument/2006/relationships" xmlns:mc="http://schemas.openxmlformats.org/markup-compatibility/2006" xmlns:mv="urn:schemas-microsoft-com:mac:vml" xmlns:p="http://schemas.openxmlformats.org/presentationml/2006/main" mc:Ignorable="mv" mc:PreserveAttributes="mv:*" type="vertTx" preserve="1">
+<p:sldLayout xmlns:a="http://schemas.openxmlformats.org/drawingml/2006/main" xmlns:r="http://schemas.openxmlformats.org/officeDocument/2006/relationships" xmlns:p="http://schemas.openxmlformats.org/presentationml/2006/main" type="vertTx" preserve="1">
   <p:cSld name="Title and Vertical Text">
     <p:spTree>
       <p:nvGrpSpPr>
@@ -2674,7 +2412,7 @@
             <a:fld id="{CF6CE397-A6E6-7547-B24A-92BB5049E0F2}" type="datetime1">
               <a:rPr lang="en-US" smtClean="0"/>
               <a:pPr/>
-              <a:t>11/29/10</a:t>
+              <a:t>4/6/2011</a:t>
             </a:fld>
             <a:endParaRPr lang="en-US"/>
           </a:p>
@@ -2732,7 +2470,7 @@
 </file>
 
 <file path=ppt/slideLayouts/slideLayout15.xml><?xml version="1.0" encoding="utf-8"?>
-<p:sldLayout xmlns:a="http://schemas.openxmlformats.org/drawingml/2006/main" xmlns:r="http://schemas.openxmlformats.org/officeDocument/2006/relationships" xmlns:mc="http://schemas.openxmlformats.org/markup-compatibility/2006" xmlns:mv="urn:schemas-microsoft-com:mac:vml" xmlns:p="http://schemas.openxmlformats.org/presentationml/2006/main" mc:Ignorable="mv" mc:PreserveAttributes="mv:*" type="vertTitleAndTx" preserve="1">
+<p:sldLayout xmlns:a="http://schemas.openxmlformats.org/drawingml/2006/main" xmlns:r="http://schemas.openxmlformats.org/officeDocument/2006/relationships" xmlns:p="http://schemas.openxmlformats.org/presentationml/2006/main" type="vertTitleAndTx" preserve="1">
   <p:cSld name="Vertical Title and Text">
     <p:spTree>
       <p:nvGrpSpPr>
@@ -2851,7 +2589,7 @@
             <a:fld id="{27AB7D46-BD5E-E641-9118-DCE28F3B83FA}" type="datetime1">
               <a:rPr lang="en-US" smtClean="0"/>
               <a:pPr/>
-              <a:t>11/29/10</a:t>
+              <a:t>4/6/2011</a:t>
             </a:fld>
             <a:endParaRPr lang="en-US"/>
           </a:p>
@@ -2909,132 +2647,7 @@
 </file>
 
 <file path=ppt/slideLayouts/slideLayout16.xml><?xml version="1.0" encoding="utf-8"?>
-<p:sldLayout xmlns:a="http://schemas.openxmlformats.org/drawingml/2006/main" xmlns:r="http://schemas.openxmlformats.org/officeDocument/2006/relationships" xmlns:mc="http://schemas.openxmlformats.org/markup-compatibility/2006" xmlns:mv="urn:schemas-microsoft-com:mac:vml" xmlns:p="http://schemas.openxmlformats.org/presentationml/2006/main" mc:Ignorable="mv" mc:PreserveAttributes="mv:*" type="titleOnly">
-  <p:cSld name="Title Only">
-    <p:spTree>
-      <p:nvGrpSpPr>
-        <p:cNvPr id="1" name=""/>
-        <p:cNvGrpSpPr/>
-        <p:nvPr/>
-      </p:nvGrpSpPr>
-      <p:grpSpPr>
-        <a:xfrm>
-          <a:off x="0" y="0"/>
-          <a:ext cx="0" cy="0"/>
-          <a:chOff x="0" y="0"/>
-          <a:chExt cx="0" cy="0"/>
-        </a:xfrm>
-      </p:grpSpPr>
-      <p:sp>
-        <p:nvSpPr>
-          <p:cNvPr id="2" name="Title 1"/>
-          <p:cNvSpPr>
-            <a:spLocks noGrp="1"/>
-          </p:cNvSpPr>
-          <p:nvPr>
-            <p:ph type="title"/>
-          </p:nvPr>
-        </p:nvSpPr>
-        <p:spPr/>
-        <p:txBody>
-          <a:bodyPr/>
-          <a:lstStyle/>
-          <a:p>
-            <a:r>
-              <a:rPr lang="en-US" smtClean="0"/>
-              <a:t>Click to edit Master title style</a:t>
-            </a:r>
-            <a:endParaRPr lang="en-US"/>
-          </a:p>
-        </p:txBody>
-      </p:sp>
-      <p:sp>
-        <p:nvSpPr>
-          <p:cNvPr id="3" name="Date Placeholder 2"/>
-          <p:cNvSpPr>
-            <a:spLocks noGrp="1"/>
-          </p:cNvSpPr>
-          <p:nvPr>
-            <p:ph type="dt" sz="half" idx="10"/>
-          </p:nvPr>
-        </p:nvSpPr>
-        <p:spPr/>
-        <p:txBody>
-          <a:bodyPr/>
-          <a:lstStyle>
-            <a:lvl1pPr>
-              <a:defRPr/>
-            </a:lvl1pPr>
-          </a:lstStyle>
-          <a:p>
-            <a:endParaRPr lang="fr-FR"/>
-          </a:p>
-        </p:txBody>
-      </p:sp>
-      <p:sp>
-        <p:nvSpPr>
-          <p:cNvPr id="4" name="Footer Placeholder 3"/>
-          <p:cNvSpPr>
-            <a:spLocks noGrp="1"/>
-          </p:cNvSpPr>
-          <p:nvPr>
-            <p:ph type="ftr" sz="quarter" idx="11"/>
-          </p:nvPr>
-        </p:nvSpPr>
-        <p:spPr/>
-        <p:txBody>
-          <a:bodyPr/>
-          <a:lstStyle>
-            <a:lvl1pPr>
-              <a:defRPr/>
-            </a:lvl1pPr>
-          </a:lstStyle>
-          <a:p>
-            <a:r>
-              <a:rPr lang="en-US"/>
-              <a:t>JSAGA</a:t>
-            </a:r>
-          </a:p>
-        </p:txBody>
-      </p:sp>
-      <p:sp>
-        <p:nvSpPr>
-          <p:cNvPr id="5" name="Slide Number Placeholder 4"/>
-          <p:cNvSpPr>
-            <a:spLocks noGrp="1"/>
-          </p:cNvSpPr>
-          <p:nvPr>
-            <p:ph type="sldNum" sz="quarter" idx="12"/>
-          </p:nvPr>
-        </p:nvSpPr>
-        <p:spPr/>
-        <p:txBody>
-          <a:bodyPr/>
-          <a:lstStyle>
-            <a:lvl1pPr>
-              <a:defRPr smtClean="0"/>
-            </a:lvl1pPr>
-          </a:lstStyle>
-          <a:p>
-            <a:fld id="{9DCA5C55-3288-6B44-9CB7-F600EA5FB55E}" type="slidenum">
-              <a:rPr lang="en-US"/>
-              <a:pPr/>
-              <a:t>‹#›</a:t>
-            </a:fld>
-            <a:endParaRPr lang="en-US"/>
-          </a:p>
-        </p:txBody>
-      </p:sp>
-    </p:spTree>
-  </p:cSld>
-  <p:clrMapOvr>
-    <a:masterClrMapping/>
-  </p:clrMapOvr>
-</p:sldLayout>
-</file>
-
-<file path=ppt/slideLayouts/slideLayout17.xml><?xml version="1.0" encoding="utf-8"?>
-<p:sldLayout xmlns:a="http://schemas.openxmlformats.org/drawingml/2006/main" xmlns:r="http://schemas.openxmlformats.org/officeDocument/2006/relationships" xmlns:mc="http://schemas.openxmlformats.org/markup-compatibility/2006" xmlns:mv="urn:schemas-microsoft-com:mac:vml" xmlns:p="http://schemas.openxmlformats.org/presentationml/2006/main" mc:Ignorable="mv" mc:PreserveAttributes="mv:*" type="obj">
+<p:sldLayout xmlns:a="http://schemas.openxmlformats.org/drawingml/2006/main" xmlns:r="http://schemas.openxmlformats.org/officeDocument/2006/relationships" xmlns:p="http://schemas.openxmlformats.org/presentationml/2006/main" type="obj">
   <p:cSld name="Title and Content">
     <p:spTree>
       <p:nvGrpSpPr>
@@ -3191,7 +2804,7 @@
             <a:fld id="{4C4AD4EB-88D0-C141-9474-CCD86A78CB94}" type="datetimeFigureOut">
               <a:rPr lang="en-US" smtClean="0"/>
               <a:pPr/>
-              <a:t>11/29/10</a:t>
+              <a:t>4/6/2011</a:t>
             </a:fld>
             <a:endParaRPr lang="en-US"/>
           </a:p>
@@ -3280,8 +2893,8 @@
 </p:sldLayout>
 </file>
 
-<file path=ppt/slideLayouts/slideLayout18.xml><?xml version="1.0" encoding="utf-8"?>
-<p:sldLayout xmlns:a="http://schemas.openxmlformats.org/drawingml/2006/main" xmlns:r="http://schemas.openxmlformats.org/officeDocument/2006/relationships" xmlns:mc="http://schemas.openxmlformats.org/markup-compatibility/2006" xmlns:mv="urn:schemas-microsoft-com:mac:vml" xmlns:p="http://schemas.openxmlformats.org/presentationml/2006/main" mc:Ignorable="mv" mc:PreserveAttributes="mv:*" type="blank">
+<file path=ppt/slideLayouts/slideLayout17.xml><?xml version="1.0" encoding="utf-8"?>
+<p:sldLayout xmlns:a="http://schemas.openxmlformats.org/drawingml/2006/main" xmlns:r="http://schemas.openxmlformats.org/officeDocument/2006/relationships" xmlns:p="http://schemas.openxmlformats.org/presentationml/2006/main" type="blank">
   <p:cSld name="Blank">
     <p:spTree>
       <p:nvGrpSpPr>
@@ -3315,7 +2928,7 @@
             <a:fld id="{4C4AD4EB-88D0-C141-9474-CCD86A78CB94}" type="datetimeFigureOut">
               <a:rPr lang="en-US" smtClean="0"/>
               <a:pPr/>
-              <a:t>11/29/10</a:t>
+              <a:t>4/6/2011</a:t>
             </a:fld>
             <a:endParaRPr lang="en-US"/>
           </a:p>
@@ -3343,300 +2956,6 @@
       <p:sp>
         <p:nvSpPr>
           <p:cNvPr id="4" name="Slide Number Placeholder 3"/>
-          <p:cNvSpPr>
-            <a:spLocks noGrp="1"/>
-          </p:cNvSpPr>
-          <p:nvPr>
-            <p:ph type="sldNum" sz="quarter" idx="12"/>
-          </p:nvPr>
-        </p:nvSpPr>
-        <p:spPr/>
-        <p:txBody>
-          <a:bodyPr/>
-          <a:lstStyle/>
-          <a:p>
-            <a:fld id="{DF7665AF-92BA-E649-941D-268879B3EA81}" type="slidenum">
-              <a:rPr lang="en-US" smtClean="0"/>
-              <a:pPr/>
-              <a:t>‹#›</a:t>
-            </a:fld>
-            <a:endParaRPr lang="en-US"/>
-          </a:p>
-        </p:txBody>
-      </p:sp>
-    </p:spTree>
-  </p:cSld>
-  <p:clrMapOvr>
-    <a:masterClrMapping/>
-  </p:clrMapOvr>
-</p:sldLayout>
-</file>
-
-<file path=ppt/slideLayouts/slideLayout19.xml><?xml version="1.0" encoding="utf-8"?>
-<p:sldLayout xmlns:a="http://schemas.openxmlformats.org/drawingml/2006/main" xmlns:r="http://schemas.openxmlformats.org/officeDocument/2006/relationships" xmlns:mc="http://schemas.openxmlformats.org/markup-compatibility/2006" xmlns:mv="urn:schemas-microsoft-com:mac:vml" xmlns:p="http://schemas.openxmlformats.org/presentationml/2006/main" mc:Ignorable="mv" mc:PreserveAttributes="mv:*" type="twoObj">
-  <p:cSld name="Two Content">
-    <p:spTree>
-      <p:nvGrpSpPr>
-        <p:cNvPr id="1" name=""/>
-        <p:cNvGrpSpPr/>
-        <p:nvPr/>
-      </p:nvGrpSpPr>
-      <p:grpSpPr>
-        <a:xfrm>
-          <a:off x="0" y="0"/>
-          <a:ext cx="0" cy="0"/>
-          <a:chOff x="0" y="0"/>
-          <a:chExt cx="0" cy="0"/>
-        </a:xfrm>
-      </p:grpSpPr>
-      <p:sp>
-        <p:nvSpPr>
-          <p:cNvPr id="2" name="Title 1"/>
-          <p:cNvSpPr>
-            <a:spLocks noGrp="1"/>
-          </p:cNvSpPr>
-          <p:nvPr>
-            <p:ph type="title"/>
-          </p:nvPr>
-        </p:nvSpPr>
-        <p:spPr/>
-        <p:txBody>
-          <a:bodyPr/>
-          <a:lstStyle/>
-          <a:p>
-            <a:r>
-              <a:rPr lang="en-US" smtClean="0"/>
-              <a:t>Click to edit Master title style</a:t>
-            </a:r>
-            <a:endParaRPr/>
-          </a:p>
-        </p:txBody>
-      </p:sp>
-      <p:sp>
-        <p:nvSpPr>
-          <p:cNvPr id="3" name="Content Placeholder 2"/>
-          <p:cNvSpPr>
-            <a:spLocks noGrp="1"/>
-          </p:cNvSpPr>
-          <p:nvPr>
-            <p:ph sz="half" idx="1"/>
-          </p:nvPr>
-        </p:nvSpPr>
-        <p:spPr>
-          <a:xfrm>
-            <a:off x="1117600" y="2595563"/>
-            <a:ext cx="3566160" cy="3681412"/>
-          </a:xfrm>
-        </p:spPr>
-        <p:txBody>
-          <a:bodyPr>
-            <a:normAutofit/>
-          </a:bodyPr>
-          <a:lstStyle>
-            <a:lvl1pPr>
-              <a:defRPr sz="1800"/>
-            </a:lvl1pPr>
-            <a:lvl2pPr>
-              <a:defRPr sz="1800"/>
-            </a:lvl2pPr>
-            <a:lvl3pPr>
-              <a:defRPr sz="1800"/>
-            </a:lvl3pPr>
-            <a:lvl4pPr>
-              <a:defRPr sz="1800"/>
-            </a:lvl4pPr>
-            <a:lvl5pPr>
-              <a:defRPr sz="1800"/>
-            </a:lvl5pPr>
-            <a:lvl6pPr>
-              <a:defRPr sz="1800"/>
-            </a:lvl6pPr>
-            <a:lvl7pPr>
-              <a:defRPr sz="1800"/>
-            </a:lvl7pPr>
-            <a:lvl8pPr>
-              <a:defRPr sz="1800"/>
-            </a:lvl8pPr>
-            <a:lvl9pPr>
-              <a:defRPr sz="1800"/>
-            </a:lvl9pPr>
-          </a:lstStyle>
-          <a:p>
-            <a:pPr lvl="0"/>
-            <a:r>
-              <a:rPr lang="en-US" smtClean="0"/>
-              <a:t>Click to edit Master text styles</a:t>
-            </a:r>
-          </a:p>
-          <a:p>
-            <a:pPr lvl="1"/>
-            <a:r>
-              <a:rPr lang="en-US" smtClean="0"/>
-              <a:t>Second level</a:t>
-            </a:r>
-          </a:p>
-          <a:p>
-            <a:pPr lvl="2"/>
-            <a:r>
-              <a:rPr lang="en-US" smtClean="0"/>
-              <a:t>Third level</a:t>
-            </a:r>
-          </a:p>
-          <a:p>
-            <a:pPr lvl="3"/>
-            <a:r>
-              <a:rPr lang="en-US" smtClean="0"/>
-              <a:t>Fourth level</a:t>
-            </a:r>
-          </a:p>
-          <a:p>
-            <a:pPr lvl="4"/>
-            <a:r>
-              <a:rPr lang="en-US" smtClean="0"/>
-              <a:t>Fifth level</a:t>
-            </a:r>
-            <a:endParaRPr/>
-          </a:p>
-        </p:txBody>
-      </p:sp>
-      <p:sp>
-        <p:nvSpPr>
-          <p:cNvPr id="4" name="Content Placeholder 3"/>
-          <p:cNvSpPr>
-            <a:spLocks noGrp="1"/>
-          </p:cNvSpPr>
-          <p:nvPr>
-            <p:ph sz="half" idx="2"/>
-          </p:nvPr>
-        </p:nvSpPr>
-        <p:spPr>
-          <a:xfrm>
-            <a:off x="5147534" y="2595563"/>
-            <a:ext cx="3566160" cy="3681412"/>
-          </a:xfrm>
-        </p:spPr>
-        <p:txBody>
-          <a:bodyPr>
-            <a:normAutofit/>
-          </a:bodyPr>
-          <a:lstStyle>
-            <a:lvl1pPr>
-              <a:defRPr sz="1800"/>
-            </a:lvl1pPr>
-            <a:lvl2pPr>
-              <a:defRPr sz="1800"/>
-            </a:lvl2pPr>
-            <a:lvl3pPr>
-              <a:defRPr sz="1800"/>
-            </a:lvl3pPr>
-            <a:lvl4pPr>
-              <a:defRPr sz="1800"/>
-            </a:lvl4pPr>
-            <a:lvl5pPr>
-              <a:defRPr sz="1800"/>
-            </a:lvl5pPr>
-            <a:lvl6pPr>
-              <a:defRPr sz="1800"/>
-            </a:lvl6pPr>
-            <a:lvl7pPr>
-              <a:defRPr sz="1800"/>
-            </a:lvl7pPr>
-            <a:lvl8pPr>
-              <a:defRPr sz="1800"/>
-            </a:lvl8pPr>
-            <a:lvl9pPr>
-              <a:defRPr sz="1800"/>
-            </a:lvl9pPr>
-          </a:lstStyle>
-          <a:p>
-            <a:pPr lvl="0"/>
-            <a:r>
-              <a:rPr lang="en-US" smtClean="0"/>
-              <a:t>Click to edit Master text styles</a:t>
-            </a:r>
-          </a:p>
-          <a:p>
-            <a:pPr lvl="1"/>
-            <a:r>
-              <a:rPr lang="en-US" smtClean="0"/>
-              <a:t>Second level</a:t>
-            </a:r>
-          </a:p>
-          <a:p>
-            <a:pPr lvl="2"/>
-            <a:r>
-              <a:rPr lang="en-US" smtClean="0"/>
-              <a:t>Third level</a:t>
-            </a:r>
-          </a:p>
-          <a:p>
-            <a:pPr lvl="3"/>
-            <a:r>
-              <a:rPr lang="en-US" smtClean="0"/>
-              <a:t>Fourth level</a:t>
-            </a:r>
-          </a:p>
-          <a:p>
-            <a:pPr lvl="4"/>
-            <a:r>
-              <a:rPr lang="en-US" smtClean="0"/>
-              <a:t>Fifth level</a:t>
-            </a:r>
-            <a:endParaRPr/>
-          </a:p>
-        </p:txBody>
-      </p:sp>
-      <p:sp>
-        <p:nvSpPr>
-          <p:cNvPr id="5" name="Date Placeholder 4"/>
-          <p:cNvSpPr>
-            <a:spLocks noGrp="1"/>
-          </p:cNvSpPr>
-          <p:nvPr>
-            <p:ph type="dt" sz="half" idx="10"/>
-          </p:nvPr>
-        </p:nvSpPr>
-        <p:spPr>
-          <a:xfrm>
-            <a:off x="6580094" y="188260"/>
-            <a:ext cx="2133600" cy="365125"/>
-          </a:xfrm>
-        </p:spPr>
-        <p:txBody>
-          <a:bodyPr/>
-          <a:lstStyle/>
-          <a:p>
-            <a:fld id="{4C4AD4EB-88D0-C141-9474-CCD86A78CB94}" type="datetimeFigureOut">
-              <a:rPr lang="en-US" smtClean="0"/>
-              <a:pPr/>
-              <a:t>11/29/10</a:t>
-            </a:fld>
-            <a:endParaRPr lang="en-US"/>
-          </a:p>
-        </p:txBody>
-      </p:sp>
-      <p:sp>
-        <p:nvSpPr>
-          <p:cNvPr id="6" name="Footer Placeholder 5"/>
-          <p:cNvSpPr>
-            <a:spLocks noGrp="1"/>
-          </p:cNvSpPr>
-          <p:nvPr>
-            <p:ph type="ftr" sz="quarter" idx="11"/>
-          </p:nvPr>
-        </p:nvSpPr>
-        <p:spPr/>
-        <p:txBody>
-          <a:bodyPr/>
-          <a:lstStyle/>
-          <a:p>
-            <a:endParaRPr lang="en-US"/>
-          </a:p>
-        </p:txBody>
-      </p:sp>
-      <p:sp>
-        <p:nvSpPr>
-          <p:cNvPr id="7" name="Slide Number Placeholder 6"/>
           <p:cNvSpPr>
             <a:spLocks noGrp="1"/>
           </p:cNvSpPr>
@@ -3667,7 +2986,7 @@
 </file>
 
 <file path=ppt/slideLayouts/slideLayout2.xml><?xml version="1.0" encoding="utf-8"?>
-<p:sldLayout xmlns:a="http://schemas.openxmlformats.org/drawingml/2006/main" xmlns:r="http://schemas.openxmlformats.org/officeDocument/2006/relationships" xmlns:mc="http://schemas.openxmlformats.org/markup-compatibility/2006" xmlns:mv="urn:schemas-microsoft-com:mac:vml" xmlns:p="http://schemas.openxmlformats.org/presentationml/2006/main" mc:Ignorable="mv" mc:PreserveAttributes="mv:*" type="obj" preserve="1">
+<p:sldLayout xmlns:a="http://schemas.openxmlformats.org/drawingml/2006/main" xmlns:r="http://schemas.openxmlformats.org/officeDocument/2006/relationships" xmlns:p="http://schemas.openxmlformats.org/presentationml/2006/main" type="obj" preserve="1">
   <p:cSld name="Title and Content">
     <p:spTree>
       <p:nvGrpSpPr>
@@ -3861,7 +3180,7 @@
             <a:fld id="{BC26097E-015C-3B4D-86C1-CD2AD30F0B81}" type="datetime1">
               <a:rPr lang="en-US" smtClean="0"/>
               <a:pPr/>
-              <a:t>11/29/10</a:t>
+              <a:t>4/6/2011</a:t>
             </a:fld>
             <a:endParaRPr lang="en-US"/>
           </a:p>
@@ -3912,98 +3231,6 @@
           <a:lstStyle/>
           <a:p>
             <a:endParaRPr lang="en-US" dirty="0"/>
-          </a:p>
-        </p:txBody>
-      </p:sp>
-    </p:spTree>
-  </p:cSld>
-  <p:clrMapOvr>
-    <a:masterClrMapping/>
-  </p:clrMapOvr>
-</p:sldLayout>
-</file>
-
-<file path=ppt/slideLayouts/slideLayout20.xml><?xml version="1.0" encoding="utf-8"?>
-<p:sldLayout xmlns:a="http://schemas.openxmlformats.org/drawingml/2006/main" xmlns:r="http://schemas.openxmlformats.org/officeDocument/2006/relationships" xmlns:mc="http://schemas.openxmlformats.org/markup-compatibility/2006" xmlns:mv="urn:schemas-microsoft-com:mac:vml" xmlns:p="http://schemas.openxmlformats.org/presentationml/2006/main" mc:Ignorable="mv" mc:PreserveAttributes="mv:*" type="blank">
-  <p:cSld name="Blank">
-    <p:spTree>
-      <p:nvGrpSpPr>
-        <p:cNvPr id="1" name=""/>
-        <p:cNvGrpSpPr/>
-        <p:nvPr/>
-      </p:nvGrpSpPr>
-      <p:grpSpPr>
-        <a:xfrm>
-          <a:off x="0" y="0"/>
-          <a:ext cx="0" cy="0"/>
-          <a:chOff x="0" y="0"/>
-          <a:chExt cx="0" cy="0"/>
-        </a:xfrm>
-      </p:grpSpPr>
-      <p:sp>
-        <p:nvSpPr>
-          <p:cNvPr id="2" name="Date Placeholder 1"/>
-          <p:cNvSpPr>
-            <a:spLocks noGrp="1"/>
-          </p:cNvSpPr>
-          <p:nvPr>
-            <p:ph type="dt" sz="half" idx="10"/>
-          </p:nvPr>
-        </p:nvSpPr>
-        <p:spPr/>
-        <p:txBody>
-          <a:bodyPr/>
-          <a:lstStyle/>
-          <a:p>
-            <a:fld id="{4C4AD4EB-88D0-C141-9474-CCD86A78CB94}" type="datetimeFigureOut">
-              <a:rPr lang="en-US" smtClean="0"/>
-              <a:pPr/>
-              <a:t>11/29/10</a:t>
-            </a:fld>
-            <a:endParaRPr lang="en-US"/>
-          </a:p>
-        </p:txBody>
-      </p:sp>
-      <p:sp>
-        <p:nvSpPr>
-          <p:cNvPr id="3" name="Footer Placeholder 2"/>
-          <p:cNvSpPr>
-            <a:spLocks noGrp="1"/>
-          </p:cNvSpPr>
-          <p:nvPr>
-            <p:ph type="ftr" sz="quarter" idx="11"/>
-          </p:nvPr>
-        </p:nvSpPr>
-        <p:spPr/>
-        <p:txBody>
-          <a:bodyPr/>
-          <a:lstStyle/>
-          <a:p>
-            <a:endParaRPr lang="en-US"/>
-          </a:p>
-        </p:txBody>
-      </p:sp>
-      <p:sp>
-        <p:nvSpPr>
-          <p:cNvPr id="4" name="Slide Number Placeholder 3"/>
-          <p:cNvSpPr>
-            <a:spLocks noGrp="1"/>
-          </p:cNvSpPr>
-          <p:nvPr>
-            <p:ph type="sldNum" sz="quarter" idx="12"/>
-          </p:nvPr>
-        </p:nvSpPr>
-        <p:spPr/>
-        <p:txBody>
-          <a:bodyPr/>
-          <a:lstStyle/>
-          <a:p>
-            <a:fld id="{DF7665AF-92BA-E649-941D-268879B3EA81}" type="slidenum">
-              <a:rPr lang="en-US" smtClean="0"/>
-              <a:pPr/>
-              <a:t>‹#›</a:t>
-            </a:fld>
-            <a:endParaRPr lang="en-US"/>
           </a:p>
         </p:txBody>
       </p:sp>
@@ -4016,7 +3243,7 @@
 </file>
 
 <file path=ppt/slideLayouts/slideLayout3.xml><?xml version="1.0" encoding="utf-8"?>
-<p:sldLayout xmlns:a="http://schemas.openxmlformats.org/drawingml/2006/main" xmlns:r="http://schemas.openxmlformats.org/officeDocument/2006/relationships" xmlns:mc="http://schemas.openxmlformats.org/markup-compatibility/2006" xmlns:mv="urn:schemas-microsoft-com:mac:vml" xmlns:p="http://schemas.openxmlformats.org/presentationml/2006/main" mc:Ignorable="mv" mc:PreserveAttributes="mv:*" preserve="1">
+<p:sldLayout xmlns:a="http://schemas.openxmlformats.org/drawingml/2006/main" xmlns:r="http://schemas.openxmlformats.org/officeDocument/2006/relationships" xmlns:p="http://schemas.openxmlformats.org/presentationml/2006/main" preserve="1">
   <p:cSld name="Title Slide with Picture">
     <p:spTree>
       <p:nvGrpSpPr>
@@ -4229,7 +3456,7 @@
             <a:fld id="{ED6649F4-2545-3040-B7BD-803CA59D50C7}" type="datetime1">
               <a:rPr lang="en-US" smtClean="0"/>
               <a:pPr/>
-              <a:t>11/29/10</a:t>
+              <a:t>4/6/2011</a:t>
             </a:fld>
             <a:endParaRPr lang="en-US"/>
           </a:p>
@@ -4298,7 +3525,7 @@
 </file>
 
 <file path=ppt/slideLayouts/slideLayout4.xml><?xml version="1.0" encoding="utf-8"?>
-<p:sldLayout xmlns:a="http://schemas.openxmlformats.org/drawingml/2006/main" xmlns:r="http://schemas.openxmlformats.org/officeDocument/2006/relationships" xmlns:mc="http://schemas.openxmlformats.org/markup-compatibility/2006" xmlns:mv="urn:schemas-microsoft-com:mac:vml" xmlns:p="http://schemas.openxmlformats.org/presentationml/2006/main" mc:Ignorable="mv" mc:PreserveAttributes="mv:*" type="secHead" preserve="1">
+<p:sldLayout xmlns:a="http://schemas.openxmlformats.org/drawingml/2006/main" xmlns:r="http://schemas.openxmlformats.org/officeDocument/2006/relationships" xmlns:p="http://schemas.openxmlformats.org/presentationml/2006/main" type="secHead" preserve="1">
   <p:cSld name="Section Header">
     <p:spTree>
       <p:nvGrpSpPr>
@@ -4537,7 +3764,7 @@
             <a:fld id="{833A9088-CEDD-2F48-A9A0-611A3CC03FE9}" type="datetime1">
               <a:rPr lang="en-US" smtClean="0"/>
               <a:pPr/>
-              <a:t>11/29/10</a:t>
+              <a:t>4/6/2011</a:t>
             </a:fld>
             <a:endParaRPr lang="en-US"/>
           </a:p>
@@ -4595,7 +3822,7 @@
 </file>
 
 <file path=ppt/slideLayouts/slideLayout5.xml><?xml version="1.0" encoding="utf-8"?>
-<p:sldLayout xmlns:a="http://schemas.openxmlformats.org/drawingml/2006/main" xmlns:r="http://schemas.openxmlformats.org/officeDocument/2006/relationships" xmlns:mc="http://schemas.openxmlformats.org/markup-compatibility/2006" xmlns:mv="urn:schemas-microsoft-com:mac:vml" xmlns:p="http://schemas.openxmlformats.org/presentationml/2006/main" mc:Ignorable="mv" mc:PreserveAttributes="mv:*" type="twoObj" preserve="1">
+<p:sldLayout xmlns:a="http://schemas.openxmlformats.org/drawingml/2006/main" xmlns:r="http://schemas.openxmlformats.org/officeDocument/2006/relationships" xmlns:p="http://schemas.openxmlformats.org/presentationml/2006/main" type="twoObj" preserve="1">
   <p:cSld name="Two Content">
     <p:spTree>
       <p:nvGrpSpPr>
@@ -4831,7 +4058,7 @@
             <a:fld id="{AED87ACF-EB3C-EA42-8610-542FB50388EB}" type="datetime1">
               <a:rPr lang="en-US" smtClean="0"/>
               <a:pPr/>
-              <a:t>11/29/10</a:t>
+              <a:t>4/6/2011</a:t>
             </a:fld>
             <a:endParaRPr lang="en-US"/>
           </a:p>
@@ -4889,7 +4116,7 @@
 </file>
 
 <file path=ppt/slideLayouts/slideLayout6.xml><?xml version="1.0" encoding="utf-8"?>
-<p:sldLayout xmlns:a="http://schemas.openxmlformats.org/drawingml/2006/main" xmlns:r="http://schemas.openxmlformats.org/officeDocument/2006/relationships" xmlns:mc="http://schemas.openxmlformats.org/markup-compatibility/2006" xmlns:mv="urn:schemas-microsoft-com:mac:vml" xmlns:p="http://schemas.openxmlformats.org/presentationml/2006/main" mc:Ignorable="mv" mc:PreserveAttributes="mv:*" type="twoTxTwoObj" preserve="1">
+<p:sldLayout xmlns:a="http://schemas.openxmlformats.org/drawingml/2006/main" xmlns:r="http://schemas.openxmlformats.org/officeDocument/2006/relationships" xmlns:p="http://schemas.openxmlformats.org/presentationml/2006/main" type="twoTxTwoObj" preserve="1">
   <p:cSld name="Comparison">
     <p:spTree>
       <p:nvGrpSpPr>
@@ -5263,7 +4490,7 @@
             <a:fld id="{0E0DC31B-692F-774E-A937-DA560DE61DA8}" type="datetime1">
               <a:rPr lang="en-US" smtClean="0"/>
               <a:pPr/>
-              <a:t>11/29/10</a:t>
+              <a:t>4/6/2011</a:t>
             </a:fld>
             <a:endParaRPr lang="en-US"/>
           </a:p>
@@ -5554,7 +4781,7 @@
 </file>
 
 <file path=ppt/slideLayouts/slideLayout7.xml><?xml version="1.0" encoding="utf-8"?>
-<p:sldLayout xmlns:a="http://schemas.openxmlformats.org/drawingml/2006/main" xmlns:r="http://schemas.openxmlformats.org/officeDocument/2006/relationships" xmlns:mc="http://schemas.openxmlformats.org/markup-compatibility/2006" xmlns:mv="urn:schemas-microsoft-com:mac:vml" xmlns:p="http://schemas.openxmlformats.org/presentationml/2006/main" mc:Ignorable="mv" mc:PreserveAttributes="mv:*" type="titleOnly" preserve="1">
+<p:sldLayout xmlns:a="http://schemas.openxmlformats.org/drawingml/2006/main" xmlns:r="http://schemas.openxmlformats.org/officeDocument/2006/relationships" xmlns:p="http://schemas.openxmlformats.org/presentationml/2006/main" type="titleOnly" preserve="1">
   <p:cSld name="Title Only">
     <p:spTree>
       <p:nvGrpSpPr>
@@ -5611,7 +4838,7 @@
             <a:fld id="{95DEFDAE-5BDC-1B4F-BC4C-23C867CEBC21}" type="datetime1">
               <a:rPr lang="en-US" smtClean="0"/>
               <a:pPr/>
-              <a:t>11/29/10</a:t>
+              <a:t>4/6/2011</a:t>
             </a:fld>
             <a:endParaRPr lang="en-US"/>
           </a:p>
@@ -5669,7 +4896,7 @@
 </file>
 
 <file path=ppt/slideLayouts/slideLayout8.xml><?xml version="1.0" encoding="utf-8"?>
-<p:sldLayout xmlns:a="http://schemas.openxmlformats.org/drawingml/2006/main" xmlns:r="http://schemas.openxmlformats.org/officeDocument/2006/relationships" xmlns:mc="http://schemas.openxmlformats.org/markup-compatibility/2006" xmlns:mv="urn:schemas-microsoft-com:mac:vml" xmlns:p="http://schemas.openxmlformats.org/presentationml/2006/main" mc:Ignorable="mv" mc:PreserveAttributes="mv:*" type="blank" preserve="1">
+<p:sldLayout xmlns:a="http://schemas.openxmlformats.org/drawingml/2006/main" xmlns:r="http://schemas.openxmlformats.org/officeDocument/2006/relationships" xmlns:p="http://schemas.openxmlformats.org/presentationml/2006/main" type="blank" preserve="1">
   <p:cSld name="Blank">
     <p:spTree>
       <p:nvGrpSpPr>
@@ -5703,7 +4930,7 @@
             <a:fld id="{9F53C516-787B-9A45-AFCF-5D75DD78DEBE}" type="datetime1">
               <a:rPr lang="en-US" smtClean="0"/>
               <a:pPr/>
-              <a:t>11/29/10</a:t>
+              <a:t>4/6/2011</a:t>
             </a:fld>
             <a:endParaRPr lang="en-US"/>
           </a:p>
@@ -5761,7 +4988,7 @@
 </file>
 
 <file path=ppt/slideLayouts/slideLayout9.xml><?xml version="1.0" encoding="utf-8"?>
-<p:sldLayout xmlns:a="http://schemas.openxmlformats.org/drawingml/2006/main" xmlns:r="http://schemas.openxmlformats.org/officeDocument/2006/relationships" xmlns:mc="http://schemas.openxmlformats.org/markup-compatibility/2006" xmlns:mv="urn:schemas-microsoft-com:mac:vml" xmlns:p="http://schemas.openxmlformats.org/presentationml/2006/main" mc:Ignorable="mv" mc:PreserveAttributes="mv:*" type="objTx" preserve="1">
+<p:sldLayout xmlns:a="http://schemas.openxmlformats.org/drawingml/2006/main" xmlns:r="http://schemas.openxmlformats.org/officeDocument/2006/relationships" xmlns:p="http://schemas.openxmlformats.org/presentationml/2006/main" type="objTx" preserve="1">
   <p:cSld name="Content with Caption">
     <p:spTree>
       <p:nvGrpSpPr>
@@ -6042,7 +5269,7 @@
             <a:fld id="{F19CAA94-9393-BB4A-8CB6-008B1351A132}" type="datetime1">
               <a:rPr lang="en-US" smtClean="0"/>
               <a:pPr/>
-              <a:t>11/29/10</a:t>
+              <a:t>4/6/2011</a:t>
             </a:fld>
             <a:endParaRPr lang="en-US"/>
           </a:p>
@@ -6100,7 +5327,7 @@
 </file>
 
 <file path=ppt/slideMasters/slideMaster1.xml><?xml version="1.0" encoding="utf-8"?>
-<p:sldMaster xmlns:a="http://schemas.openxmlformats.org/drawingml/2006/main" xmlns:r="http://schemas.openxmlformats.org/officeDocument/2006/relationships" xmlns:mc="http://schemas.openxmlformats.org/markup-compatibility/2006" xmlns:mv="urn:schemas-microsoft-com:mac:vml" xmlns:p="http://schemas.openxmlformats.org/presentationml/2006/main" mc:Ignorable="mv" mc:PreserveAttributes="mv:*">
+<p:sldMaster xmlns:a="http://schemas.openxmlformats.org/drawingml/2006/main" xmlns:r="http://schemas.openxmlformats.org/officeDocument/2006/relationships" xmlns:p="http://schemas.openxmlformats.org/presentationml/2006/main">
   <p:cSld>
     <p:bg>
       <p:bgRef idx="1001">
@@ -6256,7 +5483,7 @@
             <a:fld id="{A3476A5E-2ED6-7749-A8C1-D0B1EEEB97E0}" type="datetime1">
               <a:rPr lang="en-US" smtClean="0"/>
               <a:pPr/>
-              <a:t>11/29/10</a:t>
+              <a:t>4/6/2011</a:t>
             </a:fld>
             <a:endParaRPr lang="en-US"/>
           </a:p>
@@ -6750,771 +5977,7 @@
 </file>
 
 <file path=ppt/slideMasters/slideMaster2.xml><?xml version="1.0" encoding="utf-8"?>
-<p:sldMaster xmlns:a="http://schemas.openxmlformats.org/drawingml/2006/main" xmlns:r="http://schemas.openxmlformats.org/officeDocument/2006/relationships" xmlns:mc="http://schemas.openxmlformats.org/markup-compatibility/2006" xmlns:mv="urn:schemas-microsoft-com:mac:vml" xmlns:p="http://schemas.openxmlformats.org/presentationml/2006/main" mc:Ignorable="mv" mc:PreserveAttributes="mv:*">
-  <p:cSld>
-    <p:bg>
-      <p:bgPr>
-        <a:solidFill>
-          <a:schemeClr val="bg1"/>
-        </a:solidFill>
-        <a:effectLst>
-          <a:outerShdw blurRad="63500" dist="107763" dir="2700000" algn="ctr" rotWithShape="0">
-            <a:srgbClr val="000000">
-              <a:alpha val="74998"/>
-            </a:srgbClr>
-          </a:outerShdw>
-        </a:effectLst>
-      </p:bgPr>
-    </p:bg>
-    <p:spTree>
-      <p:nvGrpSpPr>
-        <p:cNvPr id="1" name=""/>
-        <p:cNvGrpSpPr/>
-        <p:nvPr/>
-      </p:nvGrpSpPr>
-      <p:grpSpPr>
-        <a:xfrm>
-          <a:off x="0" y="0"/>
-          <a:ext cx="0" cy="0"/>
-          <a:chOff x="0" y="0"/>
-          <a:chExt cx="0" cy="0"/>
-        </a:xfrm>
-      </p:grpSpPr>
-      <p:pic>
-        <p:nvPicPr>
-          <p:cNvPr id="16386" name="Picture 2"/>
-          <p:cNvPicPr>
-            <a:picLocks noChangeAspect="1" noChangeArrowheads="1"/>
-          </p:cNvPicPr>
-          <p:nvPr/>
-        </p:nvPicPr>
-        <p:blipFill>
-          <a:blip r:embed="rId3"/>
-          <a:srcRect/>
-          <a:stretch>
-            <a:fillRect/>
-          </a:stretch>
-        </p:blipFill>
-        <p:spPr bwMode="auto">
-          <a:xfrm>
-            <a:off x="0" y="0"/>
-            <a:ext cx="9144000" cy="6858000"/>
-          </a:xfrm>
-          <a:prstGeom prst="rect">
-            <a:avLst/>
-          </a:prstGeom>
-          <a:noFill/>
-        </p:spPr>
-      </p:pic>
-      <p:sp>
-        <p:nvSpPr>
-          <p:cNvPr id="16387" name="Rectangle 3"/>
-          <p:cNvSpPr>
-            <a:spLocks noGrp="1" noChangeArrowheads="1"/>
-          </p:cNvSpPr>
-          <p:nvPr>
-            <p:ph type="title"/>
-          </p:nvPr>
-        </p:nvSpPr>
-        <p:spPr bwMode="auto">
-          <a:xfrm>
-            <a:off x="990600" y="304800"/>
-            <a:ext cx="5867400" cy="609600"/>
-          </a:xfrm>
-          <a:prstGeom prst="rect">
-            <a:avLst/>
-          </a:prstGeom>
-          <a:noFill/>
-          <a:ln w="9525">
-            <a:noFill/>
-            <a:miter lim="800000"/>
-            <a:headEnd/>
-            <a:tailEnd/>
-          </a:ln>
-        </p:spPr>
-        <p:txBody>
-          <a:bodyPr vert="horz" wrap="square" lIns="91435" tIns="45718" rIns="91435" bIns="45718" numCol="1" anchor="t" anchorCtr="0" compatLnSpc="1">
-            <a:prstTxWarp prst="textNoShape">
-              <a:avLst/>
-            </a:prstTxWarp>
-          </a:bodyPr>
-          <a:lstStyle/>
-          <a:p>
-            <a:pPr lvl="0"/>
-            <a:r>
-              <a:rPr lang="en-US"/>
-              <a:t>Cliquez et modifiez le titre</a:t>
-            </a:r>
-          </a:p>
-        </p:txBody>
-      </p:sp>
-      <p:sp>
-        <p:nvSpPr>
-          <p:cNvPr id="16388" name="Rectangle 4"/>
-          <p:cNvSpPr>
-            <a:spLocks noGrp="1" noChangeArrowheads="1"/>
-          </p:cNvSpPr>
-          <p:nvPr>
-            <p:ph type="body" idx="1"/>
-          </p:nvPr>
-        </p:nvSpPr>
-        <p:spPr bwMode="auto">
-          <a:xfrm>
-            <a:off x="304800" y="1752600"/>
-            <a:ext cx="8458200" cy="4114800"/>
-          </a:xfrm>
-          <a:prstGeom prst="rect">
-            <a:avLst/>
-          </a:prstGeom>
-          <a:noFill/>
-          <a:ln w="9525">
-            <a:noFill/>
-            <a:miter lim="800000"/>
-            <a:headEnd/>
-            <a:tailEnd/>
-          </a:ln>
-        </p:spPr>
-        <p:txBody>
-          <a:bodyPr vert="horz" wrap="square" lIns="91435" tIns="45718" rIns="91435" bIns="45718" numCol="1" anchor="t" anchorCtr="0" compatLnSpc="1">
-            <a:prstTxWarp prst="textNoShape">
-              <a:avLst/>
-            </a:prstTxWarp>
-          </a:bodyPr>
-          <a:lstStyle/>
-          <a:p>
-            <a:pPr lvl="0"/>
-            <a:r>
-              <a:rPr lang="en-US"/>
-              <a:t>Cliquez pour modifier les styles du texte du masque</a:t>
-            </a:r>
-          </a:p>
-          <a:p>
-            <a:pPr lvl="1"/>
-            <a:r>
-              <a:rPr lang="en-US"/>
-              <a:t>Deuxième niveau</a:t>
-            </a:r>
-          </a:p>
-          <a:p>
-            <a:pPr lvl="2"/>
-            <a:r>
-              <a:rPr lang="en-US"/>
-              <a:t>Troisième niveau</a:t>
-            </a:r>
-          </a:p>
-          <a:p>
-            <a:pPr lvl="3"/>
-            <a:r>
-              <a:rPr lang="en-US"/>
-              <a:t>Quatrième niveau</a:t>
-            </a:r>
-          </a:p>
-          <a:p>
-            <a:pPr lvl="4"/>
-            <a:r>
-              <a:rPr lang="en-US"/>
-              <a:t>Cinquième niveau</a:t>
-            </a:r>
-          </a:p>
-        </p:txBody>
-      </p:sp>
-      <p:sp>
-        <p:nvSpPr>
-          <p:cNvPr id="16389" name="Rectangle 5"/>
-          <p:cNvSpPr>
-            <a:spLocks noGrp="1" noChangeArrowheads="1"/>
-          </p:cNvSpPr>
-          <p:nvPr>
-            <p:ph type="dt" sz="half" idx="2"/>
-          </p:nvPr>
-        </p:nvSpPr>
-        <p:spPr bwMode="auto">
-          <a:xfrm>
-            <a:off x="6324601" y="6553200"/>
-            <a:ext cx="1752600" cy="457200"/>
-          </a:xfrm>
-          <a:prstGeom prst="rect">
-            <a:avLst/>
-          </a:prstGeom>
-          <a:noFill/>
-          <a:ln w="9525">
-            <a:noFill/>
-            <a:miter lim="800000"/>
-            <a:headEnd/>
-            <a:tailEnd/>
-          </a:ln>
-        </p:spPr>
-        <p:txBody>
-          <a:bodyPr vert="horz" wrap="square" lIns="91435" tIns="45718" rIns="91435" bIns="45718" numCol="1" anchor="t" anchorCtr="0" compatLnSpc="1">
-            <a:prstTxWarp prst="textNoShape">
-              <a:avLst/>
-            </a:prstTxWarp>
-          </a:bodyPr>
-          <a:lstStyle>
-            <a:lvl1pPr algn="r">
-              <a:spcBef>
-                <a:spcPct val="50000"/>
-              </a:spcBef>
-              <a:defRPr>
-                <a:solidFill>
-                  <a:schemeClr val="bg1"/>
-                </a:solidFill>
-                <a:effectLst/>
-                <a:latin typeface="+mn-lt"/>
-              </a:defRPr>
-            </a:lvl1pPr>
-          </a:lstStyle>
-          <a:p>
-            <a:endParaRPr lang="fr-FR"/>
-          </a:p>
-        </p:txBody>
-      </p:sp>
-      <p:sp>
-        <p:nvSpPr>
-          <p:cNvPr id="16390" name="Rectangle 6"/>
-          <p:cNvSpPr>
-            <a:spLocks noGrp="1" noChangeArrowheads="1"/>
-          </p:cNvSpPr>
-          <p:nvPr>
-            <p:ph type="ftr" sz="quarter" idx="3"/>
-          </p:nvPr>
-        </p:nvSpPr>
-        <p:spPr bwMode="auto">
-          <a:xfrm>
-            <a:off x="304800" y="6553201"/>
-            <a:ext cx="5486400" cy="609600"/>
-          </a:xfrm>
-          <a:prstGeom prst="rect">
-            <a:avLst/>
-          </a:prstGeom>
-          <a:noFill/>
-          <a:ln w="9525">
-            <a:noFill/>
-            <a:miter lim="800000"/>
-            <a:headEnd/>
-            <a:tailEnd/>
-          </a:ln>
-        </p:spPr>
-        <p:txBody>
-          <a:bodyPr vert="horz" wrap="square" lIns="91435" tIns="45718" rIns="91435" bIns="45718" numCol="1" anchor="t" anchorCtr="0" compatLnSpc="1">
-            <a:prstTxWarp prst="textNoShape">
-              <a:avLst/>
-            </a:prstTxWarp>
-          </a:bodyPr>
-          <a:lstStyle>
-            <a:lvl1pPr>
-              <a:spcBef>
-                <a:spcPct val="50000"/>
-              </a:spcBef>
-              <a:defRPr>
-                <a:solidFill>
-                  <a:schemeClr val="tx2"/>
-                </a:solidFill>
-                <a:effectLst/>
-                <a:latin typeface="+mn-lt"/>
-              </a:defRPr>
-            </a:lvl1pPr>
-          </a:lstStyle>
-          <a:p>
-            <a:r>
-              <a:rPr lang="en-US"/>
-              <a:t>JSAGA</a:t>
-            </a:r>
-          </a:p>
-        </p:txBody>
-      </p:sp>
-      <p:sp>
-        <p:nvSpPr>
-          <p:cNvPr id="16391" name="Rectangle 7"/>
-          <p:cNvSpPr>
-            <a:spLocks noGrp="1" noChangeArrowheads="1"/>
-          </p:cNvSpPr>
-          <p:nvPr>
-            <p:ph type="sldNum" sz="quarter" idx="4"/>
-          </p:nvPr>
-        </p:nvSpPr>
-        <p:spPr bwMode="auto">
-          <a:xfrm>
-            <a:off x="8229600" y="6553200"/>
-            <a:ext cx="685800" cy="457200"/>
-          </a:xfrm>
-          <a:prstGeom prst="rect">
-            <a:avLst/>
-          </a:prstGeom>
-          <a:noFill/>
-          <a:ln w="9525">
-            <a:noFill/>
-            <a:miter lim="800000"/>
-            <a:headEnd/>
-            <a:tailEnd/>
-          </a:ln>
-        </p:spPr>
-        <p:txBody>
-          <a:bodyPr vert="horz" wrap="square" lIns="91435" tIns="45718" rIns="91435" bIns="45718" numCol="1" anchor="t" anchorCtr="0" compatLnSpc="1">
-            <a:prstTxWarp prst="textNoShape">
-              <a:avLst/>
-            </a:prstTxWarp>
-          </a:bodyPr>
-          <a:lstStyle>
-            <a:lvl1pPr algn="r">
-              <a:spcBef>
-                <a:spcPct val="50000"/>
-              </a:spcBef>
-              <a:defRPr>
-                <a:solidFill>
-                  <a:schemeClr val="bg1"/>
-                </a:solidFill>
-                <a:effectLst/>
-                <a:latin typeface="+mn-lt"/>
-              </a:defRPr>
-            </a:lvl1pPr>
-          </a:lstStyle>
-          <a:p>
-            <a:fld id="{36000226-7397-744D-8291-091D1E9C1F61}" type="slidenum">
-              <a:rPr lang="en-US"/>
-              <a:pPr/>
-              <a:t>‹#›</a:t>
-            </a:fld>
-            <a:endParaRPr lang="en-US"/>
-          </a:p>
-        </p:txBody>
-      </p:sp>
-    </p:spTree>
-  </p:cSld>
-  <p:clrMap bg1="lt1" tx1="dk1" bg2="lt2" tx2="dk2" accent1="accent1" accent2="accent2" accent3="accent3" accent4="accent4" accent5="accent5" accent6="accent6" hlink="hlink" folHlink="folHlink"/>
-  <p:sldLayoutIdLst>
-    <p:sldLayoutId id="2147483677" r:id="rId1"/>
-  </p:sldLayoutIdLst>
-  <p:hf hdr="0" dt="0"/>
-  <p:txStyles>
-    <p:titleStyle>
-      <a:lvl1pPr algn="l" rtl="0" fontAlgn="base">
-        <a:spcBef>
-          <a:spcPct val="0"/>
-        </a:spcBef>
-        <a:spcAft>
-          <a:spcPct val="0"/>
-        </a:spcAft>
-        <a:defRPr sz="2800" b="1">
-          <a:solidFill>
-            <a:schemeClr val="tx1"/>
-          </a:solidFill>
-          <a:effectLst>
-            <a:outerShdw blurRad="38100" dist="38100" dir="2700000" algn="tl">
-              <a:srgbClr val="DDDDDD"/>
-            </a:outerShdw>
-          </a:effectLst>
-          <a:latin typeface="+mj-lt"/>
-          <a:ea typeface="+mj-ea"/>
-          <a:cs typeface="+mj-cs"/>
-        </a:defRPr>
-      </a:lvl1pPr>
-      <a:lvl2pPr algn="l" rtl="0" fontAlgn="base">
-        <a:spcBef>
-          <a:spcPct val="0"/>
-        </a:spcBef>
-        <a:spcAft>
-          <a:spcPct val="0"/>
-        </a:spcAft>
-        <a:defRPr sz="2800" b="1">
-          <a:solidFill>
-            <a:schemeClr val="tx1"/>
-          </a:solidFill>
-          <a:effectLst>
-            <a:outerShdw blurRad="38100" dist="38100" dir="2700000" algn="tl">
-              <a:srgbClr val="DDDDDD"/>
-            </a:outerShdw>
-          </a:effectLst>
-          <a:latin typeface="Arial" charset="0"/>
-        </a:defRPr>
-      </a:lvl2pPr>
-      <a:lvl3pPr algn="l" rtl="0" fontAlgn="base">
-        <a:spcBef>
-          <a:spcPct val="0"/>
-        </a:spcBef>
-        <a:spcAft>
-          <a:spcPct val="0"/>
-        </a:spcAft>
-        <a:defRPr sz="2800" b="1">
-          <a:solidFill>
-            <a:schemeClr val="tx1"/>
-          </a:solidFill>
-          <a:effectLst>
-            <a:outerShdw blurRad="38100" dist="38100" dir="2700000" algn="tl">
-              <a:srgbClr val="DDDDDD"/>
-            </a:outerShdw>
-          </a:effectLst>
-          <a:latin typeface="Arial" charset="0"/>
-        </a:defRPr>
-      </a:lvl3pPr>
-      <a:lvl4pPr algn="l" rtl="0" fontAlgn="base">
-        <a:spcBef>
-          <a:spcPct val="0"/>
-        </a:spcBef>
-        <a:spcAft>
-          <a:spcPct val="0"/>
-        </a:spcAft>
-        <a:defRPr sz="2800" b="1">
-          <a:solidFill>
-            <a:schemeClr val="tx1"/>
-          </a:solidFill>
-          <a:effectLst>
-            <a:outerShdw blurRad="38100" dist="38100" dir="2700000" algn="tl">
-              <a:srgbClr val="DDDDDD"/>
-            </a:outerShdw>
-          </a:effectLst>
-          <a:latin typeface="Arial" charset="0"/>
-        </a:defRPr>
-      </a:lvl4pPr>
-      <a:lvl5pPr algn="l" rtl="0" fontAlgn="base">
-        <a:spcBef>
-          <a:spcPct val="0"/>
-        </a:spcBef>
-        <a:spcAft>
-          <a:spcPct val="0"/>
-        </a:spcAft>
-        <a:defRPr sz="2800" b="1">
-          <a:solidFill>
-            <a:schemeClr val="tx1"/>
-          </a:solidFill>
-          <a:effectLst>
-            <a:outerShdw blurRad="38100" dist="38100" dir="2700000" algn="tl">
-              <a:srgbClr val="DDDDDD"/>
-            </a:outerShdw>
-          </a:effectLst>
-          <a:latin typeface="Arial" charset="0"/>
-        </a:defRPr>
-      </a:lvl5pPr>
-      <a:lvl6pPr marL="457177" algn="l" rtl="0" fontAlgn="base">
-        <a:spcBef>
-          <a:spcPct val="0"/>
-        </a:spcBef>
-        <a:spcAft>
-          <a:spcPct val="0"/>
-        </a:spcAft>
-        <a:defRPr sz="2800" b="1">
-          <a:solidFill>
-            <a:schemeClr val="tx1"/>
-          </a:solidFill>
-          <a:effectLst>
-            <a:outerShdw blurRad="38100" dist="38100" dir="2700000" algn="tl">
-              <a:srgbClr val="DDDDDD"/>
-            </a:outerShdw>
-          </a:effectLst>
-          <a:latin typeface="Arial" charset="0"/>
-        </a:defRPr>
-      </a:lvl6pPr>
-      <a:lvl7pPr marL="914353" algn="l" rtl="0" fontAlgn="base">
-        <a:spcBef>
-          <a:spcPct val="0"/>
-        </a:spcBef>
-        <a:spcAft>
-          <a:spcPct val="0"/>
-        </a:spcAft>
-        <a:defRPr sz="2800" b="1">
-          <a:solidFill>
-            <a:schemeClr val="tx1"/>
-          </a:solidFill>
-          <a:effectLst>
-            <a:outerShdw blurRad="38100" dist="38100" dir="2700000" algn="tl">
-              <a:srgbClr val="DDDDDD"/>
-            </a:outerShdw>
-          </a:effectLst>
-          <a:latin typeface="Arial" charset="0"/>
-        </a:defRPr>
-      </a:lvl7pPr>
-      <a:lvl8pPr marL="1371530" algn="l" rtl="0" fontAlgn="base">
-        <a:spcBef>
-          <a:spcPct val="0"/>
-        </a:spcBef>
-        <a:spcAft>
-          <a:spcPct val="0"/>
-        </a:spcAft>
-        <a:defRPr sz="2800" b="1">
-          <a:solidFill>
-            <a:schemeClr val="tx1"/>
-          </a:solidFill>
-          <a:effectLst>
-            <a:outerShdw blurRad="38100" dist="38100" dir="2700000" algn="tl">
-              <a:srgbClr val="DDDDDD"/>
-            </a:outerShdw>
-          </a:effectLst>
-          <a:latin typeface="Arial" charset="0"/>
-        </a:defRPr>
-      </a:lvl8pPr>
-      <a:lvl9pPr marL="1828706" algn="l" rtl="0" fontAlgn="base">
-        <a:spcBef>
-          <a:spcPct val="0"/>
-        </a:spcBef>
-        <a:spcAft>
-          <a:spcPct val="0"/>
-        </a:spcAft>
-        <a:defRPr sz="2800" b="1">
-          <a:solidFill>
-            <a:schemeClr val="tx1"/>
-          </a:solidFill>
-          <a:effectLst>
-            <a:outerShdw blurRad="38100" dist="38100" dir="2700000" algn="tl">
-              <a:srgbClr val="DDDDDD"/>
-            </a:outerShdw>
-          </a:effectLst>
-          <a:latin typeface="Arial" charset="0"/>
-        </a:defRPr>
-      </a:lvl9pPr>
-    </p:titleStyle>
-    <p:bodyStyle>
-      <a:lvl1pPr marL="342882" indent="-342882" algn="l" rtl="0" fontAlgn="base">
-        <a:spcBef>
-          <a:spcPct val="20000"/>
-        </a:spcBef>
-        <a:spcAft>
-          <a:spcPct val="0"/>
-        </a:spcAft>
-        <a:buClr>
-          <a:schemeClr val="accent1"/>
-        </a:buClr>
-        <a:buSzPct val="80000"/>
-        <a:buFont typeface="Wingdings" charset="2"/>
-        <a:buChar char="n"/>
-        <a:defRPr sz="2400">
-          <a:solidFill>
-            <a:schemeClr val="tx1"/>
-          </a:solidFill>
-          <a:latin typeface="+mn-lt"/>
-          <a:ea typeface="+mn-ea"/>
-          <a:cs typeface="+mn-cs"/>
-        </a:defRPr>
-      </a:lvl1pPr>
-      <a:lvl2pPr marL="742912" indent="-285736" algn="l" rtl="0" fontAlgn="base">
-        <a:spcBef>
-          <a:spcPct val="20000"/>
-        </a:spcBef>
-        <a:spcAft>
-          <a:spcPct val="0"/>
-        </a:spcAft>
-        <a:buChar char="–"/>
-        <a:defRPr sz="2000">
-          <a:solidFill>
-            <a:schemeClr val="tx1"/>
-          </a:solidFill>
-          <a:latin typeface="+mn-lt"/>
-          <a:ea typeface="ＭＳ Ｐゴシック" charset="-128"/>
-        </a:defRPr>
-      </a:lvl2pPr>
-      <a:lvl3pPr marL="1142942" indent="-228588" algn="l" rtl="0" fontAlgn="base">
-        <a:spcBef>
-          <a:spcPct val="20000"/>
-        </a:spcBef>
-        <a:spcAft>
-          <a:spcPct val="0"/>
-        </a:spcAft>
-        <a:buChar char="•"/>
-        <a:defRPr>
-          <a:solidFill>
-            <a:schemeClr val="tx1"/>
-          </a:solidFill>
-          <a:latin typeface="+mn-lt"/>
-          <a:ea typeface="ＭＳ Ｐゴシック" charset="-128"/>
-        </a:defRPr>
-      </a:lvl3pPr>
-      <a:lvl4pPr marL="1600118" indent="-228588" algn="l" rtl="0" fontAlgn="base">
-        <a:spcBef>
-          <a:spcPct val="20000"/>
-        </a:spcBef>
-        <a:spcAft>
-          <a:spcPct val="0"/>
-        </a:spcAft>
-        <a:buChar char="–"/>
-        <a:defRPr sz="1600">
-          <a:solidFill>
-            <a:schemeClr val="tx1"/>
-          </a:solidFill>
-          <a:latin typeface="+mn-lt"/>
-          <a:ea typeface="ＭＳ Ｐゴシック" charset="-128"/>
-        </a:defRPr>
-      </a:lvl4pPr>
-      <a:lvl5pPr marL="2057295" indent="-228588" algn="l" rtl="0" fontAlgn="base">
-        <a:spcBef>
-          <a:spcPct val="20000"/>
-        </a:spcBef>
-        <a:spcAft>
-          <a:spcPct val="0"/>
-        </a:spcAft>
-        <a:buChar char="»"/>
-        <a:defRPr sz="1600">
-          <a:solidFill>
-            <a:schemeClr val="tx1"/>
-          </a:solidFill>
-          <a:latin typeface="+mn-lt"/>
-          <a:ea typeface="ＭＳ Ｐゴシック" charset="-128"/>
-        </a:defRPr>
-      </a:lvl5pPr>
-      <a:lvl6pPr marL="2514471" indent="-228588" algn="l" rtl="0" fontAlgn="base">
-        <a:spcBef>
-          <a:spcPct val="20000"/>
-        </a:spcBef>
-        <a:spcAft>
-          <a:spcPct val="0"/>
-        </a:spcAft>
-        <a:buChar char="»"/>
-        <a:defRPr sz="1600">
-          <a:solidFill>
-            <a:schemeClr val="tx1"/>
-          </a:solidFill>
-          <a:latin typeface="+mn-lt"/>
-          <a:ea typeface="ＭＳ Ｐゴシック" charset="-128"/>
-        </a:defRPr>
-      </a:lvl6pPr>
-      <a:lvl7pPr marL="2971648" indent="-228588" algn="l" rtl="0" fontAlgn="base">
-        <a:spcBef>
-          <a:spcPct val="20000"/>
-        </a:spcBef>
-        <a:spcAft>
-          <a:spcPct val="0"/>
-        </a:spcAft>
-        <a:buChar char="»"/>
-        <a:defRPr sz="1600">
-          <a:solidFill>
-            <a:schemeClr val="tx1"/>
-          </a:solidFill>
-          <a:latin typeface="+mn-lt"/>
-          <a:ea typeface="ＭＳ Ｐゴシック" charset="-128"/>
-        </a:defRPr>
-      </a:lvl7pPr>
-      <a:lvl8pPr marL="3428825" indent="-228588" algn="l" rtl="0" fontAlgn="base">
-        <a:spcBef>
-          <a:spcPct val="20000"/>
-        </a:spcBef>
-        <a:spcAft>
-          <a:spcPct val="0"/>
-        </a:spcAft>
-        <a:buChar char="»"/>
-        <a:defRPr sz="1600">
-          <a:solidFill>
-            <a:schemeClr val="tx1"/>
-          </a:solidFill>
-          <a:latin typeface="+mn-lt"/>
-          <a:ea typeface="ＭＳ Ｐゴシック" charset="-128"/>
-        </a:defRPr>
-      </a:lvl8pPr>
-      <a:lvl9pPr marL="3886001" indent="-228588" algn="l" rtl="0" fontAlgn="base">
-        <a:spcBef>
-          <a:spcPct val="20000"/>
-        </a:spcBef>
-        <a:spcAft>
-          <a:spcPct val="0"/>
-        </a:spcAft>
-        <a:buChar char="»"/>
-        <a:defRPr sz="1600">
-          <a:solidFill>
-            <a:schemeClr val="tx1"/>
-          </a:solidFill>
-          <a:latin typeface="+mn-lt"/>
-          <a:ea typeface="ＭＳ Ｐゴシック" charset="-128"/>
-        </a:defRPr>
-      </a:lvl9pPr>
-    </p:bodyStyle>
-    <p:otherStyle>
-      <a:defPPr>
-        <a:defRPr lang="en-US"/>
-      </a:defPPr>
-      <a:lvl1pPr marL="0" algn="l" defTabSz="457177" rtl="0" eaLnBrk="1" latinLnBrk="0" hangingPunct="1">
-        <a:defRPr sz="1800" kern="1200">
-          <a:solidFill>
-            <a:schemeClr val="tx1"/>
-          </a:solidFill>
-          <a:latin typeface="+mn-lt"/>
-          <a:ea typeface="+mn-ea"/>
-          <a:cs typeface="+mn-cs"/>
-        </a:defRPr>
-      </a:lvl1pPr>
-      <a:lvl2pPr marL="457177" algn="l" defTabSz="457177" rtl="0" eaLnBrk="1" latinLnBrk="0" hangingPunct="1">
-        <a:defRPr sz="1800" kern="1200">
-          <a:solidFill>
-            <a:schemeClr val="tx1"/>
-          </a:solidFill>
-          <a:latin typeface="+mn-lt"/>
-          <a:ea typeface="+mn-ea"/>
-          <a:cs typeface="+mn-cs"/>
-        </a:defRPr>
-      </a:lvl2pPr>
-      <a:lvl3pPr marL="914353" algn="l" defTabSz="457177" rtl="0" eaLnBrk="1" latinLnBrk="0" hangingPunct="1">
-        <a:defRPr sz="1800" kern="1200">
-          <a:solidFill>
-            <a:schemeClr val="tx1"/>
-          </a:solidFill>
-          <a:latin typeface="+mn-lt"/>
-          <a:ea typeface="+mn-ea"/>
-          <a:cs typeface="+mn-cs"/>
-        </a:defRPr>
-      </a:lvl3pPr>
-      <a:lvl4pPr marL="1371530" algn="l" defTabSz="457177" rtl="0" eaLnBrk="1" latinLnBrk="0" hangingPunct="1">
-        <a:defRPr sz="1800" kern="1200">
-          <a:solidFill>
-            <a:schemeClr val="tx1"/>
-          </a:solidFill>
-          <a:latin typeface="+mn-lt"/>
-          <a:ea typeface="+mn-ea"/>
-          <a:cs typeface="+mn-cs"/>
-        </a:defRPr>
-      </a:lvl4pPr>
-      <a:lvl5pPr marL="1828706" algn="l" defTabSz="457177" rtl="0" eaLnBrk="1" latinLnBrk="0" hangingPunct="1">
-        <a:defRPr sz="1800" kern="1200">
-          <a:solidFill>
-            <a:schemeClr val="tx1"/>
-          </a:solidFill>
-          <a:latin typeface="+mn-lt"/>
-          <a:ea typeface="+mn-ea"/>
-          <a:cs typeface="+mn-cs"/>
-        </a:defRPr>
-      </a:lvl5pPr>
-      <a:lvl6pPr marL="2285883" algn="l" defTabSz="457177" rtl="0" eaLnBrk="1" latinLnBrk="0" hangingPunct="1">
-        <a:defRPr sz="1800" kern="1200">
-          <a:solidFill>
-            <a:schemeClr val="tx1"/>
-          </a:solidFill>
-          <a:latin typeface="+mn-lt"/>
-          <a:ea typeface="+mn-ea"/>
-          <a:cs typeface="+mn-cs"/>
-        </a:defRPr>
-      </a:lvl6pPr>
-      <a:lvl7pPr marL="2743060" algn="l" defTabSz="457177" rtl="0" eaLnBrk="1" latinLnBrk="0" hangingPunct="1">
-        <a:defRPr sz="1800" kern="1200">
-          <a:solidFill>
-            <a:schemeClr val="tx1"/>
-          </a:solidFill>
-          <a:latin typeface="+mn-lt"/>
-          <a:ea typeface="+mn-ea"/>
-          <a:cs typeface="+mn-cs"/>
-        </a:defRPr>
-      </a:lvl7pPr>
-      <a:lvl8pPr marL="3200236" algn="l" defTabSz="457177" rtl="0" eaLnBrk="1" latinLnBrk="0" hangingPunct="1">
-        <a:defRPr sz="1800" kern="1200">
-          <a:solidFill>
-            <a:schemeClr val="tx1"/>
-          </a:solidFill>
-          <a:latin typeface="+mn-lt"/>
-          <a:ea typeface="+mn-ea"/>
-          <a:cs typeface="+mn-cs"/>
-        </a:defRPr>
-      </a:lvl8pPr>
-      <a:lvl9pPr marL="3657413" algn="l" defTabSz="457177" rtl="0" eaLnBrk="1" latinLnBrk="0" hangingPunct="1">
-        <a:defRPr sz="1800" kern="1200">
-          <a:solidFill>
-            <a:schemeClr val="tx1"/>
-          </a:solidFill>
-          <a:latin typeface="+mn-lt"/>
-          <a:ea typeface="+mn-ea"/>
-          <a:cs typeface="+mn-cs"/>
-        </a:defRPr>
-      </a:lvl9pPr>
-    </p:otherStyle>
-  </p:txStyles>
-</p:sldMaster>
-</file>
-
-<file path=ppt/slideMasters/slideMaster3.xml><?xml version="1.0" encoding="utf-8"?>
-<p:sldMaster xmlns:a="http://schemas.openxmlformats.org/drawingml/2006/main" xmlns:r="http://schemas.openxmlformats.org/officeDocument/2006/relationships" xmlns:mc="http://schemas.openxmlformats.org/markup-compatibility/2006" xmlns:mv="urn:schemas-microsoft-com:mac:vml" xmlns:p="http://schemas.openxmlformats.org/presentationml/2006/main" mc:Ignorable="mv" mc:PreserveAttributes="mv:*">
+<p:sldMaster xmlns:a="http://schemas.openxmlformats.org/drawingml/2006/main" xmlns:r="http://schemas.openxmlformats.org/officeDocument/2006/relationships" xmlns:p="http://schemas.openxmlformats.org/presentationml/2006/main">
   <p:cSld>
     <p:bg>
       <p:bgRef idx="1001">
@@ -7670,7 +6133,7 @@
             <a:fld id="{4C4AD4EB-88D0-C141-9474-CCD86A78CB94}" type="datetimeFigureOut">
               <a:rPr lang="en-US" smtClean="0"/>
               <a:pPr/>
-              <a:t>11/29/10</a:t>
+              <a:t>4/6/2011</a:t>
             </a:fld>
             <a:endParaRPr lang="en-US"/>
           </a:p>
@@ -8188,8 +6651,8 @@
 </p:sldMaster>
 </file>
 
-<file path=ppt/slideMasters/slideMaster4.xml><?xml version="1.0" encoding="utf-8"?>
-<p:sldMaster xmlns:a="http://schemas.openxmlformats.org/drawingml/2006/main" xmlns:r="http://schemas.openxmlformats.org/officeDocument/2006/relationships" xmlns:mc="http://schemas.openxmlformats.org/markup-compatibility/2006" xmlns:mv="urn:schemas-microsoft-com:mac:vml" xmlns:p="http://schemas.openxmlformats.org/presentationml/2006/main" mc:Ignorable="mv" mc:PreserveAttributes="mv:*">
+<file path=ppt/slideMasters/slideMaster3.xml><?xml version="1.0" encoding="utf-8"?>
+<p:sldMaster xmlns:a="http://schemas.openxmlformats.org/drawingml/2006/main" xmlns:r="http://schemas.openxmlformats.org/officeDocument/2006/relationships" xmlns:p="http://schemas.openxmlformats.org/presentationml/2006/main">
   <p:cSld>
     <p:bg>
       <p:bgRef idx="1001">
@@ -8345,7 +6808,7 @@
             <a:fld id="{4C4AD4EB-88D0-C141-9474-CCD86A78CB94}" type="datetimeFigureOut">
               <a:rPr lang="en-US" smtClean="0"/>
               <a:pPr/>
-              <a:t>11/29/10</a:t>
+              <a:t>4/6/2011</a:t>
             </a:fld>
             <a:endParaRPr lang="en-US"/>
           </a:p>
@@ -8831,1326 +7294,8 @@
 </p:sldMaster>
 </file>
 
-<file path=ppt/slideMasters/slideMaster5.xml><?xml version="1.0" encoding="utf-8"?>
-<p:sldMaster xmlns:a="http://schemas.openxmlformats.org/drawingml/2006/main" xmlns:r="http://schemas.openxmlformats.org/officeDocument/2006/relationships" xmlns:mc="http://schemas.openxmlformats.org/markup-compatibility/2006" xmlns:mv="urn:schemas-microsoft-com:mac:vml" xmlns:p="http://schemas.openxmlformats.org/presentationml/2006/main" mc:Ignorable="mv" mc:PreserveAttributes="mv:*">
-  <p:cSld>
-    <p:bg>
-      <p:bgRef idx="1001">
-        <a:schemeClr val="bg1"/>
-      </p:bgRef>
-    </p:bg>
-    <p:spTree>
-      <p:nvGrpSpPr>
-        <p:cNvPr id="1" name=""/>
-        <p:cNvGrpSpPr/>
-        <p:nvPr/>
-      </p:nvGrpSpPr>
-      <p:grpSpPr>
-        <a:xfrm>
-          <a:off x="0" y="0"/>
-          <a:ext cx="0" cy="0"/>
-          <a:chOff x="0" y="0"/>
-          <a:chExt cx="0" cy="0"/>
-        </a:xfrm>
-      </p:grpSpPr>
-      <p:sp>
-        <p:nvSpPr>
-          <p:cNvPr id="2" name="Title Placeholder 1"/>
-          <p:cNvSpPr>
-            <a:spLocks noGrp="1"/>
-          </p:cNvSpPr>
-          <p:nvPr>
-            <p:ph type="title"/>
-          </p:nvPr>
-        </p:nvSpPr>
-        <p:spPr>
-          <a:xfrm>
-            <a:off x="1114425" y="263714"/>
-            <a:ext cx="8029576" cy="914400"/>
-          </a:xfrm>
-          <a:prstGeom prst="rect">
-            <a:avLst/>
-          </a:prstGeom>
-          <a:solidFill>
-            <a:schemeClr val="tx2"/>
-          </a:solidFill>
-        </p:spPr>
-        <p:txBody>
-          <a:bodyPr vert="horz" lIns="1188659" tIns="45718" rIns="274306" bIns="45718" rtlCol="0" anchor="ctr">
-            <a:normAutofit/>
-          </a:bodyPr>
-          <a:lstStyle/>
-          <a:p>
-            <a:r>
-              <a:rPr lang="en-US" dirty="0" smtClean="0"/>
-              <a:t>Click to edit Master title style</a:t>
-            </a:r>
-            <a:endParaRPr dirty="0"/>
-          </a:p>
-        </p:txBody>
-      </p:sp>
-      <p:sp>
-        <p:nvSpPr>
-          <p:cNvPr id="3" name="Text Placeholder 2"/>
-          <p:cNvSpPr>
-            <a:spLocks noGrp="1"/>
-          </p:cNvSpPr>
-          <p:nvPr>
-            <p:ph type="body" idx="1"/>
-          </p:nvPr>
-        </p:nvSpPr>
-        <p:spPr>
-          <a:xfrm>
-            <a:off x="1114424" y="1549124"/>
-            <a:ext cx="7610476" cy="4791700"/>
-          </a:xfrm>
-          <a:prstGeom prst="rect">
-            <a:avLst/>
-          </a:prstGeom>
-        </p:spPr>
-        <p:txBody>
-          <a:bodyPr vert="horz" lIns="91435" tIns="45718" rIns="91435" bIns="45718" rtlCol="0">
-            <a:normAutofit/>
-          </a:bodyPr>
-          <a:lstStyle/>
-          <a:p>
-            <a:pPr lvl="0"/>
-            <a:r>
-              <a:rPr lang="en-US" dirty="0" smtClean="0"/>
-              <a:t>Click to edit Master text styles</a:t>
-            </a:r>
-          </a:p>
-          <a:p>
-            <a:pPr lvl="1"/>
-            <a:r>
-              <a:rPr lang="en-US" dirty="0" smtClean="0"/>
-              <a:t>Second level</a:t>
-            </a:r>
-          </a:p>
-          <a:p>
-            <a:pPr lvl="2"/>
-            <a:r>
-              <a:rPr lang="en-US" dirty="0" smtClean="0"/>
-              <a:t>Third level</a:t>
-            </a:r>
-          </a:p>
-          <a:p>
-            <a:pPr lvl="3"/>
-            <a:r>
-              <a:rPr lang="en-US" dirty="0" smtClean="0"/>
-              <a:t>Fourth level</a:t>
-            </a:r>
-          </a:p>
-          <a:p>
-            <a:pPr lvl="4"/>
-            <a:r>
-              <a:rPr lang="en-US" dirty="0" smtClean="0"/>
-              <a:t>Fifth level</a:t>
-            </a:r>
-            <a:endParaRPr dirty="0"/>
-          </a:p>
-        </p:txBody>
-      </p:sp>
-      <p:sp>
-        <p:nvSpPr>
-          <p:cNvPr id="4" name="Date Placeholder 3"/>
-          <p:cNvSpPr>
-            <a:spLocks noGrp="1"/>
-          </p:cNvSpPr>
-          <p:nvPr>
-            <p:ph type="dt" sz="half" idx="2"/>
-          </p:nvPr>
-        </p:nvSpPr>
-        <p:spPr>
-          <a:xfrm>
-            <a:off x="6580094" y="188260"/>
-            <a:ext cx="2133600" cy="365125"/>
-          </a:xfrm>
-          <a:prstGeom prst="rect">
-            <a:avLst/>
-          </a:prstGeom>
-        </p:spPr>
-        <p:txBody>
-          <a:bodyPr vert="horz" lIns="91435" tIns="45718" rIns="91435" bIns="45718" rtlCol="0" anchor="ctr"/>
-          <a:lstStyle>
-            <a:lvl1pPr algn="r">
-              <a:defRPr sz="1000">
-                <a:solidFill>
-                  <a:schemeClr val="tx1">
-                    <a:lumMod val="65000"/>
-                    <a:lumOff val="35000"/>
-                  </a:schemeClr>
-                </a:solidFill>
-              </a:defRPr>
-            </a:lvl1pPr>
-          </a:lstStyle>
-          <a:p>
-            <a:fld id="{4C4AD4EB-88D0-C141-9474-CCD86A78CB94}" type="datetimeFigureOut">
-              <a:rPr lang="en-US" smtClean="0"/>
-              <a:pPr/>
-              <a:t>11/29/10</a:t>
-            </a:fld>
-            <a:endParaRPr lang="en-US"/>
-          </a:p>
-        </p:txBody>
-      </p:sp>
-      <p:sp>
-        <p:nvSpPr>
-          <p:cNvPr id="5" name="Footer Placeholder 4"/>
-          <p:cNvSpPr>
-            <a:spLocks noGrp="1"/>
-          </p:cNvSpPr>
-          <p:nvPr>
-            <p:ph type="ftr" sz="quarter" idx="3"/>
-          </p:nvPr>
-        </p:nvSpPr>
-        <p:spPr>
-          <a:xfrm>
-            <a:off x="1120588" y="188260"/>
-            <a:ext cx="2895600" cy="365125"/>
-          </a:xfrm>
-          <a:prstGeom prst="rect">
-            <a:avLst/>
-          </a:prstGeom>
-        </p:spPr>
-        <p:txBody>
-          <a:bodyPr vert="horz" lIns="91435" tIns="45718" rIns="91435" bIns="45718" rtlCol="0" anchor="ctr"/>
-          <a:lstStyle>
-            <a:lvl1pPr algn="l">
-              <a:defRPr sz="1000">
-                <a:solidFill>
-                  <a:schemeClr val="tx1">
-                    <a:lumMod val="65000"/>
-                    <a:lumOff val="35000"/>
-                  </a:schemeClr>
-                </a:solidFill>
-              </a:defRPr>
-            </a:lvl1pPr>
-          </a:lstStyle>
-          <a:p>
-            <a:endParaRPr lang="en-US"/>
-          </a:p>
-        </p:txBody>
-      </p:sp>
-      <p:sp>
-        <p:nvSpPr>
-          <p:cNvPr id="6" name="Slide Number Placeholder 5"/>
-          <p:cNvSpPr>
-            <a:spLocks noGrp="1"/>
-          </p:cNvSpPr>
-          <p:nvPr>
-            <p:ph type="sldNum" sz="quarter" idx="4"/>
-          </p:nvPr>
-        </p:nvSpPr>
-        <p:spPr>
-          <a:xfrm>
-            <a:off x="8789894" y="6569076"/>
-            <a:ext cx="457200" cy="365125"/>
-          </a:xfrm>
-          <a:prstGeom prst="rect">
-            <a:avLst/>
-          </a:prstGeom>
-        </p:spPr>
-        <p:txBody>
-          <a:bodyPr vert="horz" lIns="91435" tIns="45718" rIns="91435" bIns="45718" rtlCol="0" anchor="ctr"/>
-          <a:lstStyle>
-            <a:lvl1pPr algn="ctr">
-              <a:defRPr sz="800">
-                <a:solidFill>
-                  <a:schemeClr val="tx1">
-                    <a:lumMod val="65000"/>
-                    <a:lumOff val="35000"/>
-                  </a:schemeClr>
-                </a:solidFill>
-              </a:defRPr>
-            </a:lvl1pPr>
-          </a:lstStyle>
-          <a:p>
-            <a:fld id="{DF7665AF-92BA-E649-941D-268879B3EA81}" type="slidenum">
-              <a:rPr lang="en-US" smtClean="0"/>
-              <a:pPr/>
-              <a:t>‹#›</a:t>
-            </a:fld>
-            <a:endParaRPr lang="en-US"/>
-          </a:p>
-        </p:txBody>
-      </p:sp>
-      <p:sp>
-        <p:nvSpPr>
-          <p:cNvPr id="7" name="Rectangle 6"/>
-          <p:cNvSpPr/>
-          <p:nvPr/>
-        </p:nvSpPr>
-        <p:spPr>
-          <a:xfrm>
-            <a:off x="914401" y="0"/>
-            <a:ext cx="7999413" cy="182880"/>
-          </a:xfrm>
-          <a:prstGeom prst="rect">
-            <a:avLst/>
-          </a:prstGeom>
-          <a:solidFill>
-            <a:schemeClr val="bg2">
-              <a:lumMod val="60000"/>
-              <a:lumOff val="40000"/>
-            </a:schemeClr>
-          </a:solidFill>
-          <a:ln>
-            <a:noFill/>
-          </a:ln>
-        </p:spPr>
-        <p:style>
-          <a:lnRef idx="2">
-            <a:schemeClr val="accent1">
-              <a:shade val="50000"/>
-            </a:schemeClr>
-          </a:lnRef>
-          <a:fillRef idx="1">
-            <a:schemeClr val="accent1"/>
-          </a:fillRef>
-          <a:effectRef idx="0">
-            <a:schemeClr val="accent1"/>
-          </a:effectRef>
-          <a:fontRef idx="minor">
-            <a:schemeClr val="lt1"/>
-          </a:fontRef>
-        </p:style>
-        <p:txBody>
-          <a:bodyPr lIns="91435" tIns="45718" rIns="91435" bIns="45718" rtlCol="0" anchor="ctr"/>
-          <a:lstStyle/>
-          <a:p>
-            <a:pPr algn="ctr"/>
-            <a:endParaRPr/>
-          </a:p>
-        </p:txBody>
-      </p:sp>
-      <p:sp>
-        <p:nvSpPr>
-          <p:cNvPr id="8" name="Rectangle 7"/>
-          <p:cNvSpPr/>
-          <p:nvPr/>
-        </p:nvSpPr>
-        <p:spPr>
-          <a:xfrm>
-            <a:off x="914401" y="6675120"/>
-            <a:ext cx="7999413" cy="182880"/>
-          </a:xfrm>
-          <a:prstGeom prst="rect">
-            <a:avLst/>
-          </a:prstGeom>
-          <a:solidFill>
-            <a:schemeClr val="bg2">
-              <a:lumMod val="40000"/>
-              <a:lumOff val="60000"/>
-            </a:schemeClr>
-          </a:solidFill>
-          <a:ln>
-            <a:noFill/>
-          </a:ln>
-        </p:spPr>
-        <p:style>
-          <a:lnRef idx="2">
-            <a:schemeClr val="accent1">
-              <a:shade val="50000"/>
-            </a:schemeClr>
-          </a:lnRef>
-          <a:fillRef idx="1">
-            <a:schemeClr val="accent1"/>
-          </a:fillRef>
-          <a:effectRef idx="0">
-            <a:schemeClr val="accent1"/>
-          </a:effectRef>
-          <a:fontRef idx="minor">
-            <a:schemeClr val="lt1"/>
-          </a:fontRef>
-        </p:style>
-        <p:txBody>
-          <a:bodyPr lIns="91435" tIns="45718" rIns="91435" bIns="45718" rtlCol="0" anchor="ctr"/>
-          <a:lstStyle/>
-          <a:p>
-            <a:pPr algn="ctr"/>
-            <a:endParaRPr/>
-          </a:p>
-        </p:txBody>
-      </p:sp>
-    </p:spTree>
-  </p:cSld>
-  <p:clrMap bg1="lt1" tx1="dk1" bg2="lt2" tx2="dk2" accent1="accent1" accent2="accent2" accent3="accent3" accent4="accent4" accent5="accent5" accent6="accent6" hlink="hlink" folHlink="folHlink"/>
-  <p:sldLayoutIdLst>
-    <p:sldLayoutId id="2147483683" r:id="rId1"/>
-  </p:sldLayoutIdLst>
-  <p:txStyles>
-    <p:titleStyle>
-      <a:lvl1pPr marL="0" indent="0" algn="l" defTabSz="914353" rtl="0" eaLnBrk="1" latinLnBrk="0" hangingPunct="1">
-        <a:spcBef>
-          <a:spcPct val="0"/>
-        </a:spcBef>
-        <a:buNone/>
-        <a:defRPr sz="3200" kern="1200">
-          <a:solidFill>
-            <a:schemeClr val="bg1"/>
-          </a:solidFill>
-          <a:latin typeface="+mj-lt"/>
-          <a:ea typeface="+mj-ea"/>
-          <a:cs typeface="+mj-cs"/>
-        </a:defRPr>
-      </a:lvl1pPr>
-    </p:titleStyle>
-    <p:bodyStyle>
-      <a:lvl1pPr marL="342882" indent="-342882" algn="l" defTabSz="914353" rtl="0" eaLnBrk="1" latinLnBrk="0" hangingPunct="1">
-        <a:spcBef>
-          <a:spcPts val="2000"/>
-        </a:spcBef>
-        <a:buClr>
-          <a:schemeClr val="tx1">
-            <a:lumMod val="95000"/>
-            <a:lumOff val="5000"/>
-          </a:schemeClr>
-        </a:buClr>
-        <a:buFont typeface="Wingdings 2" pitchFamily="18" charset="2"/>
-        <a:buChar char=""/>
-        <a:defRPr sz="2000" kern="1200">
-          <a:solidFill>
-            <a:schemeClr val="tx1">
-              <a:lumMod val="65000"/>
-              <a:lumOff val="35000"/>
-            </a:schemeClr>
-          </a:solidFill>
-          <a:latin typeface="+mn-lt"/>
-          <a:ea typeface="+mn-ea"/>
-          <a:cs typeface="+mn-cs"/>
-        </a:defRPr>
-      </a:lvl1pPr>
-      <a:lvl2pPr marL="685765" indent="-336532" algn="l" defTabSz="914353" rtl="0" eaLnBrk="1" latinLnBrk="0" hangingPunct="1">
-        <a:spcBef>
-          <a:spcPts val="600"/>
-        </a:spcBef>
-        <a:buClr>
-          <a:schemeClr val="tx1">
-            <a:lumMod val="85000"/>
-            <a:lumOff val="15000"/>
-          </a:schemeClr>
-        </a:buClr>
-        <a:buFont typeface="Arial"/>
-        <a:buChar char="•"/>
-        <a:defRPr sz="1800" kern="1200">
-          <a:solidFill>
-            <a:schemeClr val="accent5"/>
-          </a:solidFill>
-          <a:latin typeface="+mn-lt"/>
-          <a:ea typeface="+mn-ea"/>
-          <a:cs typeface="+mn-cs"/>
-        </a:defRPr>
-      </a:lvl2pPr>
-      <a:lvl3pPr marL="1034997" indent="-349232" algn="l" defTabSz="914353" rtl="0" eaLnBrk="1" latinLnBrk="0" hangingPunct="1">
-        <a:spcBef>
-          <a:spcPts val="600"/>
-        </a:spcBef>
-        <a:buClr>
-          <a:schemeClr val="tx1">
-            <a:lumMod val="75000"/>
-            <a:lumOff val="25000"/>
-          </a:schemeClr>
-        </a:buClr>
-        <a:buFont typeface="Arial"/>
-        <a:buChar char="•"/>
-        <a:defRPr sz="1800" kern="1200">
-          <a:solidFill>
-            <a:schemeClr val="tx1">
-              <a:lumMod val="75000"/>
-              <a:lumOff val="25000"/>
-            </a:schemeClr>
-          </a:solidFill>
-          <a:latin typeface="+mn-lt"/>
-          <a:ea typeface="+mn-ea"/>
-          <a:cs typeface="+mn-cs"/>
-        </a:defRPr>
-      </a:lvl3pPr>
-      <a:lvl4pPr marL="1371530" indent="-336532" algn="l" defTabSz="914353" rtl="0" eaLnBrk="1" latinLnBrk="0" hangingPunct="1">
-        <a:spcBef>
-          <a:spcPts val="600"/>
-        </a:spcBef>
-        <a:buClr>
-          <a:schemeClr val="tx1">
-            <a:lumMod val="65000"/>
-            <a:lumOff val="35000"/>
-          </a:schemeClr>
-        </a:buClr>
-        <a:buFont typeface="Arial"/>
-        <a:buChar char="•"/>
-        <a:defRPr sz="1800" kern="1200">
-          <a:solidFill>
-            <a:schemeClr val="tx1">
-              <a:lumMod val="65000"/>
-              <a:lumOff val="35000"/>
-            </a:schemeClr>
-          </a:solidFill>
-          <a:latin typeface="+mn-lt"/>
-          <a:ea typeface="+mn-ea"/>
-          <a:cs typeface="+mn-cs"/>
-        </a:defRPr>
-      </a:lvl4pPr>
-      <a:lvl5pPr marL="1720762" indent="-349232" algn="l" defTabSz="914353" rtl="0" eaLnBrk="1" latinLnBrk="0" hangingPunct="1">
-        <a:spcBef>
-          <a:spcPts val="600"/>
-        </a:spcBef>
-        <a:buClr>
-          <a:schemeClr val="tx1">
-            <a:lumMod val="50000"/>
-            <a:lumOff val="50000"/>
-          </a:schemeClr>
-        </a:buClr>
-        <a:buFont typeface="Arial"/>
-        <a:buChar char="•"/>
-        <a:defRPr sz="1800" kern="1200">
-          <a:solidFill>
-            <a:schemeClr val="tx1">
-              <a:lumMod val="65000"/>
-              <a:lumOff val="35000"/>
-            </a:schemeClr>
-          </a:solidFill>
-          <a:latin typeface="+mn-lt"/>
-          <a:ea typeface="+mn-ea"/>
-          <a:cs typeface="+mn-cs"/>
-        </a:defRPr>
-      </a:lvl5pPr>
-      <a:lvl6pPr marL="2514471" indent="-228588" algn="l" defTabSz="914353" rtl="0" eaLnBrk="1" latinLnBrk="0" hangingPunct="1">
-        <a:spcBef>
-          <a:spcPct val="20000"/>
-        </a:spcBef>
-        <a:buFont typeface="Arial" pitchFamily="34" charset="0"/>
-        <a:buChar char="•"/>
-        <a:defRPr sz="2000" kern="1200">
-          <a:solidFill>
-            <a:schemeClr val="tx1"/>
-          </a:solidFill>
-          <a:latin typeface="+mn-lt"/>
-          <a:ea typeface="+mn-ea"/>
-          <a:cs typeface="+mn-cs"/>
-        </a:defRPr>
-      </a:lvl6pPr>
-      <a:lvl7pPr marL="2971648" indent="-228588" algn="l" defTabSz="914353" rtl="0" eaLnBrk="1" latinLnBrk="0" hangingPunct="1">
-        <a:spcBef>
-          <a:spcPct val="20000"/>
-        </a:spcBef>
-        <a:buFont typeface="Arial" pitchFamily="34" charset="0"/>
-        <a:buChar char="•"/>
-        <a:defRPr sz="2000" kern="1200">
-          <a:solidFill>
-            <a:schemeClr val="tx1"/>
-          </a:solidFill>
-          <a:latin typeface="+mn-lt"/>
-          <a:ea typeface="+mn-ea"/>
-          <a:cs typeface="+mn-cs"/>
-        </a:defRPr>
-      </a:lvl7pPr>
-      <a:lvl8pPr marL="3428825" indent="-228588" algn="l" defTabSz="914353" rtl="0" eaLnBrk="1" latinLnBrk="0" hangingPunct="1">
-        <a:spcBef>
-          <a:spcPct val="20000"/>
-        </a:spcBef>
-        <a:buFont typeface="Arial" pitchFamily="34" charset="0"/>
-        <a:buChar char="•"/>
-        <a:defRPr sz="2000" kern="1200">
-          <a:solidFill>
-            <a:schemeClr val="tx1"/>
-          </a:solidFill>
-          <a:latin typeface="+mn-lt"/>
-          <a:ea typeface="+mn-ea"/>
-          <a:cs typeface="+mn-cs"/>
-        </a:defRPr>
-      </a:lvl8pPr>
-      <a:lvl9pPr marL="3886001" indent="-228588" algn="l" defTabSz="914353" rtl="0" eaLnBrk="1" latinLnBrk="0" hangingPunct="1">
-        <a:spcBef>
-          <a:spcPct val="20000"/>
-        </a:spcBef>
-        <a:buFont typeface="Arial" pitchFamily="34" charset="0"/>
-        <a:buChar char="•"/>
-        <a:defRPr sz="2000" kern="1200">
-          <a:solidFill>
-            <a:schemeClr val="tx1"/>
-          </a:solidFill>
-          <a:latin typeface="+mn-lt"/>
-          <a:ea typeface="+mn-ea"/>
-          <a:cs typeface="+mn-cs"/>
-        </a:defRPr>
-      </a:lvl9pPr>
-    </p:bodyStyle>
-    <p:otherStyle>
-      <a:defPPr>
-        <a:defRPr/>
-      </a:defPPr>
-      <a:lvl1pPr marL="0" algn="l" defTabSz="914353" rtl="0" eaLnBrk="1" latinLnBrk="0" hangingPunct="1">
-        <a:defRPr sz="1800" kern="1200">
-          <a:solidFill>
-            <a:schemeClr val="tx1"/>
-          </a:solidFill>
-          <a:latin typeface="+mn-lt"/>
-          <a:ea typeface="+mn-ea"/>
-          <a:cs typeface="+mn-cs"/>
-        </a:defRPr>
-      </a:lvl1pPr>
-      <a:lvl2pPr marL="457177" algn="l" defTabSz="914353" rtl="0" eaLnBrk="1" latinLnBrk="0" hangingPunct="1">
-        <a:defRPr sz="1800" kern="1200">
-          <a:solidFill>
-            <a:schemeClr val="tx1"/>
-          </a:solidFill>
-          <a:latin typeface="+mn-lt"/>
-          <a:ea typeface="+mn-ea"/>
-          <a:cs typeface="+mn-cs"/>
-        </a:defRPr>
-      </a:lvl2pPr>
-      <a:lvl3pPr marL="914353" algn="l" defTabSz="914353" rtl="0" eaLnBrk="1" latinLnBrk="0" hangingPunct="1">
-        <a:defRPr sz="1800" kern="1200">
-          <a:solidFill>
-            <a:schemeClr val="tx1"/>
-          </a:solidFill>
-          <a:latin typeface="+mn-lt"/>
-          <a:ea typeface="+mn-ea"/>
-          <a:cs typeface="+mn-cs"/>
-        </a:defRPr>
-      </a:lvl3pPr>
-      <a:lvl4pPr marL="1371530" algn="l" defTabSz="914353" rtl="0" eaLnBrk="1" latinLnBrk="0" hangingPunct="1">
-        <a:defRPr sz="1800" kern="1200">
-          <a:solidFill>
-            <a:schemeClr val="tx1"/>
-          </a:solidFill>
-          <a:latin typeface="+mn-lt"/>
-          <a:ea typeface="+mn-ea"/>
-          <a:cs typeface="+mn-cs"/>
-        </a:defRPr>
-      </a:lvl4pPr>
-      <a:lvl5pPr marL="1828706" algn="l" defTabSz="914353" rtl="0" eaLnBrk="1" latinLnBrk="0" hangingPunct="1">
-        <a:defRPr sz="1800" kern="1200">
-          <a:solidFill>
-            <a:schemeClr val="tx1"/>
-          </a:solidFill>
-          <a:latin typeface="+mn-lt"/>
-          <a:ea typeface="+mn-ea"/>
-          <a:cs typeface="+mn-cs"/>
-        </a:defRPr>
-      </a:lvl5pPr>
-      <a:lvl6pPr marL="2285883" algn="l" defTabSz="914353" rtl="0" eaLnBrk="1" latinLnBrk="0" hangingPunct="1">
-        <a:defRPr sz="1800" kern="1200">
-          <a:solidFill>
-            <a:schemeClr val="tx1"/>
-          </a:solidFill>
-          <a:latin typeface="+mn-lt"/>
-          <a:ea typeface="+mn-ea"/>
-          <a:cs typeface="+mn-cs"/>
-        </a:defRPr>
-      </a:lvl6pPr>
-      <a:lvl7pPr marL="2743060" algn="l" defTabSz="914353" rtl="0" eaLnBrk="1" latinLnBrk="0" hangingPunct="1">
-        <a:defRPr sz="1800" kern="1200">
-          <a:solidFill>
-            <a:schemeClr val="tx1"/>
-          </a:solidFill>
-          <a:latin typeface="+mn-lt"/>
-          <a:ea typeface="+mn-ea"/>
-          <a:cs typeface="+mn-cs"/>
-        </a:defRPr>
-      </a:lvl7pPr>
-      <a:lvl8pPr marL="3200236" algn="l" defTabSz="914353" rtl="0" eaLnBrk="1" latinLnBrk="0" hangingPunct="1">
-        <a:defRPr sz="1800" kern="1200">
-          <a:solidFill>
-            <a:schemeClr val="tx1"/>
-          </a:solidFill>
-          <a:latin typeface="+mn-lt"/>
-          <a:ea typeface="+mn-ea"/>
-          <a:cs typeface="+mn-cs"/>
-        </a:defRPr>
-      </a:lvl8pPr>
-      <a:lvl9pPr marL="3657413" algn="l" defTabSz="914353" rtl="0" eaLnBrk="1" latinLnBrk="0" hangingPunct="1">
-        <a:defRPr sz="1800" kern="1200">
-          <a:solidFill>
-            <a:schemeClr val="tx1"/>
-          </a:solidFill>
-          <a:latin typeface="+mn-lt"/>
-          <a:ea typeface="+mn-ea"/>
-          <a:cs typeface="+mn-cs"/>
-        </a:defRPr>
-      </a:lvl9pPr>
-    </p:otherStyle>
-  </p:txStyles>
-</p:sldMaster>
-</file>
-
-<file path=ppt/slideMasters/slideMaster6.xml><?xml version="1.0" encoding="utf-8"?>
-<p:sldMaster xmlns:a="http://schemas.openxmlformats.org/drawingml/2006/main" xmlns:r="http://schemas.openxmlformats.org/officeDocument/2006/relationships" xmlns:mc="http://schemas.openxmlformats.org/markup-compatibility/2006" xmlns:mv="urn:schemas-microsoft-com:mac:vml" xmlns:p="http://schemas.openxmlformats.org/presentationml/2006/main" mc:Ignorable="mv" mc:PreserveAttributes="mv:*">
-  <p:cSld>
-    <p:bg>
-      <p:bgRef idx="1001">
-        <a:schemeClr val="bg1"/>
-      </p:bgRef>
-    </p:bg>
-    <p:spTree>
-      <p:nvGrpSpPr>
-        <p:cNvPr id="1" name=""/>
-        <p:cNvGrpSpPr/>
-        <p:nvPr/>
-      </p:nvGrpSpPr>
-      <p:grpSpPr>
-        <a:xfrm>
-          <a:off x="0" y="0"/>
-          <a:ext cx="0" cy="0"/>
-          <a:chOff x="0" y="0"/>
-          <a:chExt cx="0" cy="0"/>
-        </a:xfrm>
-      </p:grpSpPr>
-      <p:sp>
-        <p:nvSpPr>
-          <p:cNvPr id="2" name="Title Placeholder 1"/>
-          <p:cNvSpPr>
-            <a:spLocks noGrp="1"/>
-          </p:cNvSpPr>
-          <p:nvPr>
-            <p:ph type="title"/>
-          </p:nvPr>
-        </p:nvSpPr>
-        <p:spPr>
-          <a:xfrm>
-            <a:off x="1114425" y="263714"/>
-            <a:ext cx="8029576" cy="914400"/>
-          </a:xfrm>
-          <a:prstGeom prst="rect">
-            <a:avLst/>
-          </a:prstGeom>
-          <a:solidFill>
-            <a:schemeClr val="tx2"/>
-          </a:solidFill>
-        </p:spPr>
-        <p:txBody>
-          <a:bodyPr vert="horz" lIns="1188659" tIns="45718" rIns="274306" bIns="45718" rtlCol="0" anchor="ctr">
-            <a:normAutofit/>
-          </a:bodyPr>
-          <a:lstStyle/>
-          <a:p>
-            <a:r>
-              <a:rPr lang="en-US" dirty="0" smtClean="0"/>
-              <a:t>Click to edit Master title style</a:t>
-            </a:r>
-            <a:endParaRPr dirty="0"/>
-          </a:p>
-        </p:txBody>
-      </p:sp>
-      <p:sp>
-        <p:nvSpPr>
-          <p:cNvPr id="3" name="Text Placeholder 2"/>
-          <p:cNvSpPr>
-            <a:spLocks noGrp="1"/>
-          </p:cNvSpPr>
-          <p:nvPr>
-            <p:ph type="body" idx="1"/>
-          </p:nvPr>
-        </p:nvSpPr>
-        <p:spPr>
-          <a:xfrm>
-            <a:off x="1114424" y="1549124"/>
-            <a:ext cx="7610476" cy="4791700"/>
-          </a:xfrm>
-          <a:prstGeom prst="rect">
-            <a:avLst/>
-          </a:prstGeom>
-        </p:spPr>
-        <p:txBody>
-          <a:bodyPr vert="horz" lIns="91435" tIns="45718" rIns="91435" bIns="45718" rtlCol="0">
-            <a:normAutofit/>
-          </a:bodyPr>
-          <a:lstStyle/>
-          <a:p>
-            <a:pPr lvl="0"/>
-            <a:r>
-              <a:rPr lang="en-US" dirty="0" smtClean="0"/>
-              <a:t>Click to edit Master text styles</a:t>
-            </a:r>
-          </a:p>
-          <a:p>
-            <a:pPr lvl="1"/>
-            <a:r>
-              <a:rPr lang="en-US" dirty="0" smtClean="0"/>
-              <a:t>Second level</a:t>
-            </a:r>
-          </a:p>
-          <a:p>
-            <a:pPr lvl="2"/>
-            <a:r>
-              <a:rPr lang="en-US" dirty="0" smtClean="0"/>
-              <a:t>Third level</a:t>
-            </a:r>
-          </a:p>
-          <a:p>
-            <a:pPr lvl="3"/>
-            <a:r>
-              <a:rPr lang="en-US" dirty="0" smtClean="0"/>
-              <a:t>Fourth level</a:t>
-            </a:r>
-          </a:p>
-          <a:p>
-            <a:pPr lvl="4"/>
-            <a:r>
-              <a:rPr lang="en-US" dirty="0" smtClean="0"/>
-              <a:t>Fifth level</a:t>
-            </a:r>
-            <a:endParaRPr dirty="0"/>
-          </a:p>
-        </p:txBody>
-      </p:sp>
-      <p:sp>
-        <p:nvSpPr>
-          <p:cNvPr id="4" name="Date Placeholder 3"/>
-          <p:cNvSpPr>
-            <a:spLocks noGrp="1"/>
-          </p:cNvSpPr>
-          <p:nvPr>
-            <p:ph type="dt" sz="half" idx="2"/>
-          </p:nvPr>
-        </p:nvSpPr>
-        <p:spPr>
-          <a:xfrm>
-            <a:off x="6580094" y="188260"/>
-            <a:ext cx="2133600" cy="365125"/>
-          </a:xfrm>
-          <a:prstGeom prst="rect">
-            <a:avLst/>
-          </a:prstGeom>
-        </p:spPr>
-        <p:txBody>
-          <a:bodyPr vert="horz" lIns="91435" tIns="45718" rIns="91435" bIns="45718" rtlCol="0" anchor="ctr"/>
-          <a:lstStyle>
-            <a:lvl1pPr algn="r">
-              <a:defRPr sz="1000">
-                <a:solidFill>
-                  <a:schemeClr val="tx1">
-                    <a:lumMod val="65000"/>
-                    <a:lumOff val="35000"/>
-                  </a:schemeClr>
-                </a:solidFill>
-              </a:defRPr>
-            </a:lvl1pPr>
-          </a:lstStyle>
-          <a:p>
-            <a:fld id="{4C4AD4EB-88D0-C141-9474-CCD86A78CB94}" type="datetimeFigureOut">
-              <a:rPr lang="en-US" smtClean="0"/>
-              <a:pPr/>
-              <a:t>11/29/10</a:t>
-            </a:fld>
-            <a:endParaRPr lang="en-US"/>
-          </a:p>
-        </p:txBody>
-      </p:sp>
-      <p:sp>
-        <p:nvSpPr>
-          <p:cNvPr id="5" name="Footer Placeholder 4"/>
-          <p:cNvSpPr>
-            <a:spLocks noGrp="1"/>
-          </p:cNvSpPr>
-          <p:nvPr>
-            <p:ph type="ftr" sz="quarter" idx="3"/>
-          </p:nvPr>
-        </p:nvSpPr>
-        <p:spPr>
-          <a:xfrm>
-            <a:off x="1120588" y="188260"/>
-            <a:ext cx="2895600" cy="365125"/>
-          </a:xfrm>
-          <a:prstGeom prst="rect">
-            <a:avLst/>
-          </a:prstGeom>
-        </p:spPr>
-        <p:txBody>
-          <a:bodyPr vert="horz" lIns="91435" tIns="45718" rIns="91435" bIns="45718" rtlCol="0" anchor="ctr"/>
-          <a:lstStyle>
-            <a:lvl1pPr algn="l">
-              <a:defRPr sz="1000">
-                <a:solidFill>
-                  <a:schemeClr val="tx1">
-                    <a:lumMod val="65000"/>
-                    <a:lumOff val="35000"/>
-                  </a:schemeClr>
-                </a:solidFill>
-              </a:defRPr>
-            </a:lvl1pPr>
-          </a:lstStyle>
-          <a:p>
-            <a:endParaRPr lang="en-US"/>
-          </a:p>
-        </p:txBody>
-      </p:sp>
-      <p:sp>
-        <p:nvSpPr>
-          <p:cNvPr id="6" name="Slide Number Placeholder 5"/>
-          <p:cNvSpPr>
-            <a:spLocks noGrp="1"/>
-          </p:cNvSpPr>
-          <p:nvPr>
-            <p:ph type="sldNum" sz="quarter" idx="4"/>
-          </p:nvPr>
-        </p:nvSpPr>
-        <p:spPr>
-          <a:xfrm>
-            <a:off x="8789894" y="6569076"/>
-            <a:ext cx="457200" cy="365125"/>
-          </a:xfrm>
-          <a:prstGeom prst="rect">
-            <a:avLst/>
-          </a:prstGeom>
-        </p:spPr>
-        <p:txBody>
-          <a:bodyPr vert="horz" lIns="91435" tIns="45718" rIns="91435" bIns="45718" rtlCol="0" anchor="ctr"/>
-          <a:lstStyle>
-            <a:lvl1pPr algn="ctr">
-              <a:defRPr sz="800">
-                <a:solidFill>
-                  <a:schemeClr val="tx1">
-                    <a:lumMod val="65000"/>
-                    <a:lumOff val="35000"/>
-                  </a:schemeClr>
-                </a:solidFill>
-              </a:defRPr>
-            </a:lvl1pPr>
-          </a:lstStyle>
-          <a:p>
-            <a:fld id="{DF7665AF-92BA-E649-941D-268879B3EA81}" type="slidenum">
-              <a:rPr lang="en-US" smtClean="0"/>
-              <a:pPr/>
-              <a:t>‹#›</a:t>
-            </a:fld>
-            <a:endParaRPr lang="en-US"/>
-          </a:p>
-        </p:txBody>
-      </p:sp>
-      <p:sp>
-        <p:nvSpPr>
-          <p:cNvPr id="7" name="Rectangle 6"/>
-          <p:cNvSpPr/>
-          <p:nvPr/>
-        </p:nvSpPr>
-        <p:spPr>
-          <a:xfrm>
-            <a:off x="914401" y="0"/>
-            <a:ext cx="7999413" cy="182880"/>
-          </a:xfrm>
-          <a:prstGeom prst="rect">
-            <a:avLst/>
-          </a:prstGeom>
-          <a:solidFill>
-            <a:schemeClr val="bg2">
-              <a:lumMod val="60000"/>
-              <a:lumOff val="40000"/>
-            </a:schemeClr>
-          </a:solidFill>
-          <a:ln>
-            <a:noFill/>
-          </a:ln>
-        </p:spPr>
-        <p:style>
-          <a:lnRef idx="2">
-            <a:schemeClr val="accent1">
-              <a:shade val="50000"/>
-            </a:schemeClr>
-          </a:lnRef>
-          <a:fillRef idx="1">
-            <a:schemeClr val="accent1"/>
-          </a:fillRef>
-          <a:effectRef idx="0">
-            <a:schemeClr val="accent1"/>
-          </a:effectRef>
-          <a:fontRef idx="minor">
-            <a:schemeClr val="lt1"/>
-          </a:fontRef>
-        </p:style>
-        <p:txBody>
-          <a:bodyPr lIns="91435" tIns="45718" rIns="91435" bIns="45718" rtlCol="0" anchor="ctr"/>
-          <a:lstStyle/>
-          <a:p>
-            <a:pPr algn="ctr"/>
-            <a:endParaRPr/>
-          </a:p>
-        </p:txBody>
-      </p:sp>
-      <p:sp>
-        <p:nvSpPr>
-          <p:cNvPr id="8" name="Rectangle 7"/>
-          <p:cNvSpPr/>
-          <p:nvPr/>
-        </p:nvSpPr>
-        <p:spPr>
-          <a:xfrm>
-            <a:off x="914401" y="6675120"/>
-            <a:ext cx="7999413" cy="182880"/>
-          </a:xfrm>
-          <a:prstGeom prst="rect">
-            <a:avLst/>
-          </a:prstGeom>
-          <a:solidFill>
-            <a:schemeClr val="bg2">
-              <a:lumMod val="40000"/>
-              <a:lumOff val="60000"/>
-            </a:schemeClr>
-          </a:solidFill>
-          <a:ln>
-            <a:noFill/>
-          </a:ln>
-        </p:spPr>
-        <p:style>
-          <a:lnRef idx="2">
-            <a:schemeClr val="accent1">
-              <a:shade val="50000"/>
-            </a:schemeClr>
-          </a:lnRef>
-          <a:fillRef idx="1">
-            <a:schemeClr val="accent1"/>
-          </a:fillRef>
-          <a:effectRef idx="0">
-            <a:schemeClr val="accent1"/>
-          </a:effectRef>
-          <a:fontRef idx="minor">
-            <a:schemeClr val="lt1"/>
-          </a:fontRef>
-        </p:style>
-        <p:txBody>
-          <a:bodyPr lIns="91435" tIns="45718" rIns="91435" bIns="45718" rtlCol="0" anchor="ctr"/>
-          <a:lstStyle/>
-          <a:p>
-            <a:pPr algn="ctr"/>
-            <a:endParaRPr/>
-          </a:p>
-        </p:txBody>
-      </p:sp>
-      <p:pic>
-        <p:nvPicPr>
-          <p:cNvPr id="9" name="Picture 1"/>
-          <p:cNvPicPr>
-            <a:picLocks noChangeArrowheads="1"/>
-          </p:cNvPicPr>
-          <p:nvPr userDrawn="1"/>
-        </p:nvPicPr>
-        <p:blipFill>
-          <a:blip r:embed="rId3"/>
-          <a:srcRect/>
-          <a:stretch>
-            <a:fillRect/>
-          </a:stretch>
-        </p:blipFill>
-        <p:spPr bwMode="auto">
-          <a:xfrm>
-            <a:off x="94959" y="263714"/>
-            <a:ext cx="786525" cy="709637"/>
-          </a:xfrm>
-          <a:prstGeom prst="rect">
-            <a:avLst/>
-          </a:prstGeom>
-          <a:noFill/>
-          <a:ln w="12700">
-            <a:noFill/>
-            <a:miter lim="800000"/>
-            <a:headEnd/>
-            <a:tailEnd/>
-          </a:ln>
-        </p:spPr>
-      </p:pic>
-    </p:spTree>
-  </p:cSld>
-  <p:clrMap bg1="lt1" tx1="dk1" bg2="lt2" tx2="dk2" accent1="accent1" accent2="accent2" accent3="accent3" accent4="accent4" accent5="accent5" accent6="accent6" hlink="hlink" folHlink="folHlink"/>
-  <p:sldLayoutIdLst>
-    <p:sldLayoutId id="2147483685" r:id="rId1"/>
-  </p:sldLayoutIdLst>
-  <p:txStyles>
-    <p:titleStyle>
-      <a:lvl1pPr marL="0" indent="0" algn="l" defTabSz="914353" rtl="0" eaLnBrk="1" latinLnBrk="0" hangingPunct="1">
-        <a:spcBef>
-          <a:spcPct val="0"/>
-        </a:spcBef>
-        <a:buNone/>
-        <a:defRPr sz="3200" kern="1200">
-          <a:solidFill>
-            <a:schemeClr val="bg1"/>
-          </a:solidFill>
-          <a:latin typeface="+mj-lt"/>
-          <a:ea typeface="+mj-ea"/>
-          <a:cs typeface="+mj-cs"/>
-        </a:defRPr>
-      </a:lvl1pPr>
-    </p:titleStyle>
-    <p:bodyStyle>
-      <a:lvl1pPr marL="342882" indent="-342882" algn="l" defTabSz="914353" rtl="0" eaLnBrk="1" latinLnBrk="0" hangingPunct="1">
-        <a:spcBef>
-          <a:spcPts val="2000"/>
-        </a:spcBef>
-        <a:buClr>
-          <a:schemeClr val="tx1">
-            <a:lumMod val="95000"/>
-            <a:lumOff val="5000"/>
-          </a:schemeClr>
-        </a:buClr>
-        <a:buFont typeface="Wingdings 2" pitchFamily="18" charset="2"/>
-        <a:buChar char=""/>
-        <a:defRPr sz="2000" kern="1200">
-          <a:solidFill>
-            <a:schemeClr val="tx1">
-              <a:lumMod val="65000"/>
-              <a:lumOff val="35000"/>
-            </a:schemeClr>
-          </a:solidFill>
-          <a:latin typeface="+mn-lt"/>
-          <a:ea typeface="+mn-ea"/>
-          <a:cs typeface="+mn-cs"/>
-        </a:defRPr>
-      </a:lvl1pPr>
-      <a:lvl2pPr marL="685765" indent="-336532" algn="l" defTabSz="914353" rtl="0" eaLnBrk="1" latinLnBrk="0" hangingPunct="1">
-        <a:spcBef>
-          <a:spcPts val="600"/>
-        </a:spcBef>
-        <a:buClr>
-          <a:schemeClr val="tx1">
-            <a:lumMod val="85000"/>
-            <a:lumOff val="15000"/>
-          </a:schemeClr>
-        </a:buClr>
-        <a:buFont typeface="Arial"/>
-        <a:buChar char="•"/>
-        <a:defRPr sz="1800" kern="1200">
-          <a:solidFill>
-            <a:schemeClr val="accent5"/>
-          </a:solidFill>
-          <a:latin typeface="+mn-lt"/>
-          <a:ea typeface="+mn-ea"/>
-          <a:cs typeface="+mn-cs"/>
-        </a:defRPr>
-      </a:lvl2pPr>
-      <a:lvl3pPr marL="1034997" indent="-349232" algn="l" defTabSz="914353" rtl="0" eaLnBrk="1" latinLnBrk="0" hangingPunct="1">
-        <a:spcBef>
-          <a:spcPts val="600"/>
-        </a:spcBef>
-        <a:buClr>
-          <a:schemeClr val="tx1">
-            <a:lumMod val="75000"/>
-            <a:lumOff val="25000"/>
-          </a:schemeClr>
-        </a:buClr>
-        <a:buFont typeface="Arial"/>
-        <a:buChar char="•"/>
-        <a:defRPr sz="1800" kern="1200">
-          <a:solidFill>
-            <a:schemeClr val="tx1">
-              <a:lumMod val="75000"/>
-              <a:lumOff val="25000"/>
-            </a:schemeClr>
-          </a:solidFill>
-          <a:latin typeface="+mn-lt"/>
-          <a:ea typeface="+mn-ea"/>
-          <a:cs typeface="+mn-cs"/>
-        </a:defRPr>
-      </a:lvl3pPr>
-      <a:lvl4pPr marL="1371530" indent="-336532" algn="l" defTabSz="914353" rtl="0" eaLnBrk="1" latinLnBrk="0" hangingPunct="1">
-        <a:spcBef>
-          <a:spcPts val="600"/>
-        </a:spcBef>
-        <a:buClr>
-          <a:schemeClr val="tx1">
-            <a:lumMod val="65000"/>
-            <a:lumOff val="35000"/>
-          </a:schemeClr>
-        </a:buClr>
-        <a:buFont typeface="Arial"/>
-        <a:buChar char="•"/>
-        <a:defRPr sz="1800" kern="1200">
-          <a:solidFill>
-            <a:schemeClr val="tx1">
-              <a:lumMod val="65000"/>
-              <a:lumOff val="35000"/>
-            </a:schemeClr>
-          </a:solidFill>
-          <a:latin typeface="+mn-lt"/>
-          <a:ea typeface="+mn-ea"/>
-          <a:cs typeface="+mn-cs"/>
-        </a:defRPr>
-      </a:lvl4pPr>
-      <a:lvl5pPr marL="1720762" indent="-349232" algn="l" defTabSz="914353" rtl="0" eaLnBrk="1" latinLnBrk="0" hangingPunct="1">
-        <a:spcBef>
-          <a:spcPts val="600"/>
-        </a:spcBef>
-        <a:buClr>
-          <a:schemeClr val="tx1">
-            <a:lumMod val="50000"/>
-            <a:lumOff val="50000"/>
-          </a:schemeClr>
-        </a:buClr>
-        <a:buFont typeface="Arial"/>
-        <a:buChar char="•"/>
-        <a:defRPr sz="1800" kern="1200">
-          <a:solidFill>
-            <a:schemeClr val="tx1">
-              <a:lumMod val="65000"/>
-              <a:lumOff val="35000"/>
-            </a:schemeClr>
-          </a:solidFill>
-          <a:latin typeface="+mn-lt"/>
-          <a:ea typeface="+mn-ea"/>
-          <a:cs typeface="+mn-cs"/>
-        </a:defRPr>
-      </a:lvl5pPr>
-      <a:lvl6pPr marL="2514471" indent="-228588" algn="l" defTabSz="914353" rtl="0" eaLnBrk="1" latinLnBrk="0" hangingPunct="1">
-        <a:spcBef>
-          <a:spcPct val="20000"/>
-        </a:spcBef>
-        <a:buFont typeface="Arial" pitchFamily="34" charset="0"/>
-        <a:buChar char="•"/>
-        <a:defRPr sz="2000" kern="1200">
-          <a:solidFill>
-            <a:schemeClr val="tx1"/>
-          </a:solidFill>
-          <a:latin typeface="+mn-lt"/>
-          <a:ea typeface="+mn-ea"/>
-          <a:cs typeface="+mn-cs"/>
-        </a:defRPr>
-      </a:lvl6pPr>
-      <a:lvl7pPr marL="2971648" indent="-228588" algn="l" defTabSz="914353" rtl="0" eaLnBrk="1" latinLnBrk="0" hangingPunct="1">
-        <a:spcBef>
-          <a:spcPct val="20000"/>
-        </a:spcBef>
-        <a:buFont typeface="Arial" pitchFamily="34" charset="0"/>
-        <a:buChar char="•"/>
-        <a:defRPr sz="2000" kern="1200">
-          <a:solidFill>
-            <a:schemeClr val="tx1"/>
-          </a:solidFill>
-          <a:latin typeface="+mn-lt"/>
-          <a:ea typeface="+mn-ea"/>
-          <a:cs typeface="+mn-cs"/>
-        </a:defRPr>
-      </a:lvl7pPr>
-      <a:lvl8pPr marL="3428825" indent="-228588" algn="l" defTabSz="914353" rtl="0" eaLnBrk="1" latinLnBrk="0" hangingPunct="1">
-        <a:spcBef>
-          <a:spcPct val="20000"/>
-        </a:spcBef>
-        <a:buFont typeface="Arial" pitchFamily="34" charset="0"/>
-        <a:buChar char="•"/>
-        <a:defRPr sz="2000" kern="1200">
-          <a:solidFill>
-            <a:schemeClr val="tx1"/>
-          </a:solidFill>
-          <a:latin typeface="+mn-lt"/>
-          <a:ea typeface="+mn-ea"/>
-          <a:cs typeface="+mn-cs"/>
-        </a:defRPr>
-      </a:lvl8pPr>
-      <a:lvl9pPr marL="3886001" indent="-228588" algn="l" defTabSz="914353" rtl="0" eaLnBrk="1" latinLnBrk="0" hangingPunct="1">
-        <a:spcBef>
-          <a:spcPct val="20000"/>
-        </a:spcBef>
-        <a:buFont typeface="Arial" pitchFamily="34" charset="0"/>
-        <a:buChar char="•"/>
-        <a:defRPr sz="2000" kern="1200">
-          <a:solidFill>
-            <a:schemeClr val="tx1"/>
-          </a:solidFill>
-          <a:latin typeface="+mn-lt"/>
-          <a:ea typeface="+mn-ea"/>
-          <a:cs typeface="+mn-cs"/>
-        </a:defRPr>
-      </a:lvl9pPr>
-    </p:bodyStyle>
-    <p:otherStyle>
-      <a:defPPr>
-        <a:defRPr/>
-      </a:defPPr>
-      <a:lvl1pPr marL="0" algn="l" defTabSz="914353" rtl="0" eaLnBrk="1" latinLnBrk="0" hangingPunct="1">
-        <a:defRPr sz="1800" kern="1200">
-          <a:solidFill>
-            <a:schemeClr val="tx1"/>
-          </a:solidFill>
-          <a:latin typeface="+mn-lt"/>
-          <a:ea typeface="+mn-ea"/>
-          <a:cs typeface="+mn-cs"/>
-        </a:defRPr>
-      </a:lvl1pPr>
-      <a:lvl2pPr marL="457177" algn="l" defTabSz="914353" rtl="0" eaLnBrk="1" latinLnBrk="0" hangingPunct="1">
-        <a:defRPr sz="1800" kern="1200">
-          <a:solidFill>
-            <a:schemeClr val="tx1"/>
-          </a:solidFill>
-          <a:latin typeface="+mn-lt"/>
-          <a:ea typeface="+mn-ea"/>
-          <a:cs typeface="+mn-cs"/>
-        </a:defRPr>
-      </a:lvl2pPr>
-      <a:lvl3pPr marL="914353" algn="l" defTabSz="914353" rtl="0" eaLnBrk="1" latinLnBrk="0" hangingPunct="1">
-        <a:defRPr sz="1800" kern="1200">
-          <a:solidFill>
-            <a:schemeClr val="tx1"/>
-          </a:solidFill>
-          <a:latin typeface="+mn-lt"/>
-          <a:ea typeface="+mn-ea"/>
-          <a:cs typeface="+mn-cs"/>
-        </a:defRPr>
-      </a:lvl3pPr>
-      <a:lvl4pPr marL="1371530" algn="l" defTabSz="914353" rtl="0" eaLnBrk="1" latinLnBrk="0" hangingPunct="1">
-        <a:defRPr sz="1800" kern="1200">
-          <a:solidFill>
-            <a:schemeClr val="tx1"/>
-          </a:solidFill>
-          <a:latin typeface="+mn-lt"/>
-          <a:ea typeface="+mn-ea"/>
-          <a:cs typeface="+mn-cs"/>
-        </a:defRPr>
-      </a:lvl4pPr>
-      <a:lvl5pPr marL="1828706" algn="l" defTabSz="914353" rtl="0" eaLnBrk="1" latinLnBrk="0" hangingPunct="1">
-        <a:defRPr sz="1800" kern="1200">
-          <a:solidFill>
-            <a:schemeClr val="tx1"/>
-          </a:solidFill>
-          <a:latin typeface="+mn-lt"/>
-          <a:ea typeface="+mn-ea"/>
-          <a:cs typeface="+mn-cs"/>
-        </a:defRPr>
-      </a:lvl5pPr>
-      <a:lvl6pPr marL="2285883" algn="l" defTabSz="914353" rtl="0" eaLnBrk="1" latinLnBrk="0" hangingPunct="1">
-        <a:defRPr sz="1800" kern="1200">
-          <a:solidFill>
-            <a:schemeClr val="tx1"/>
-          </a:solidFill>
-          <a:latin typeface="+mn-lt"/>
-          <a:ea typeface="+mn-ea"/>
-          <a:cs typeface="+mn-cs"/>
-        </a:defRPr>
-      </a:lvl6pPr>
-      <a:lvl7pPr marL="2743060" algn="l" defTabSz="914353" rtl="0" eaLnBrk="1" latinLnBrk="0" hangingPunct="1">
-        <a:defRPr sz="1800" kern="1200">
-          <a:solidFill>
-            <a:schemeClr val="tx1"/>
-          </a:solidFill>
-          <a:latin typeface="+mn-lt"/>
-          <a:ea typeface="+mn-ea"/>
-          <a:cs typeface="+mn-cs"/>
-        </a:defRPr>
-      </a:lvl7pPr>
-      <a:lvl8pPr marL="3200236" algn="l" defTabSz="914353" rtl="0" eaLnBrk="1" latinLnBrk="0" hangingPunct="1">
-        <a:defRPr sz="1800" kern="1200">
-          <a:solidFill>
-            <a:schemeClr val="tx1"/>
-          </a:solidFill>
-          <a:latin typeface="+mn-lt"/>
-          <a:ea typeface="+mn-ea"/>
-          <a:cs typeface="+mn-cs"/>
-        </a:defRPr>
-      </a:lvl8pPr>
-      <a:lvl9pPr marL="3657413" algn="l" defTabSz="914353" rtl="0" eaLnBrk="1" latinLnBrk="0" hangingPunct="1">
-        <a:defRPr sz="1800" kern="1200">
-          <a:solidFill>
-            <a:schemeClr val="tx1"/>
-          </a:solidFill>
-          <a:latin typeface="+mn-lt"/>
-          <a:ea typeface="+mn-ea"/>
-          <a:cs typeface="+mn-cs"/>
-        </a:defRPr>
-      </a:lvl9pPr>
-    </p:otherStyle>
-  </p:txStyles>
-</p:sldMaster>
-</file>
-
 <file path=ppt/slides/slide1.xml><?xml version="1.0" encoding="utf-8"?>
-<p:sld xmlns:a="http://schemas.openxmlformats.org/drawingml/2006/main" xmlns:r="http://schemas.openxmlformats.org/officeDocument/2006/relationships" xmlns:mc="http://schemas.openxmlformats.org/markup-compatibility/2006" xmlns:mv="urn:schemas-microsoft-com:mac:vml" xmlns:p="http://schemas.openxmlformats.org/presentationml/2006/main" mc:Ignorable="mv" mc:PreserveAttributes="mv:*">
+<p:sld xmlns:a="http://schemas.openxmlformats.org/drawingml/2006/main" xmlns:r="http://schemas.openxmlformats.org/officeDocument/2006/relationships" xmlns:p="http://schemas.openxmlformats.org/presentationml/2006/main">
   <p:cSld>
     <p:spTree>
       <p:nvGrpSpPr>
@@ -10326,8 +7471,8 @@
 </p:sld>
 </file>
 
-<file path=ppt/slides/slide10.xml><?xml version="1.0" encoding="utf-8"?>
-<p:sld xmlns:a="http://schemas.openxmlformats.org/drawingml/2006/main" xmlns:r="http://schemas.openxmlformats.org/officeDocument/2006/relationships" xmlns:mc="http://schemas.openxmlformats.org/markup-compatibility/2006" xmlns:mv="urn:schemas-microsoft-com:mac:vml" xmlns:p="http://schemas.openxmlformats.org/presentationml/2006/main" mc:Ignorable="mv" mc:PreserveAttributes="mv:*">
+<file path=ppt/slides/slide2.xml><?xml version="1.0" encoding="utf-8"?>
+<p:sld xmlns:a="http://schemas.openxmlformats.org/drawingml/2006/main" xmlns:r="http://schemas.openxmlformats.org/officeDocument/2006/relationships" xmlns:p="http://schemas.openxmlformats.org/presentationml/2006/main">
   <p:cSld>
     <p:spTree>
       <p:nvGrpSpPr>
@@ -10345,7 +7490,7 @@
       </p:grpSpPr>
       <p:sp>
         <p:nvSpPr>
-          <p:cNvPr id="5" name="Title 4"/>
+          <p:cNvPr id="4" name="Title 3"/>
           <p:cNvSpPr>
             <a:spLocks noGrp="1"/>
           </p:cNvSpPr>
@@ -10355,366 +7500,9 @@
         </p:nvSpPr>
         <p:spPr/>
         <p:txBody>
-          <a:bodyPr>
-            <a:noAutofit/>
-          </a:bodyPr>
+          <a:bodyPr/>
           <a:lstStyle/>
           <a:p>
-            <a:r>
-              <a:rPr lang="en-US" sz="2400" dirty="0" smtClean="0"/>
-              <a:t>SAGA: Develop applications that are distributed by definition</a:t>
-            </a:r>
-            <a:endParaRPr lang="en-US" sz="2400" dirty="0"/>
-          </a:p>
-        </p:txBody>
-      </p:sp>
-      <p:sp>
-        <p:nvSpPr>
-          <p:cNvPr id="6" name="Content Placeholder 5"/>
-          <p:cNvSpPr>
-            <a:spLocks noGrp="1"/>
-          </p:cNvSpPr>
-          <p:nvPr>
-            <p:ph sz="half" idx="2"/>
-          </p:nvPr>
-        </p:nvSpPr>
-        <p:spPr>
-          <a:xfrm>
-            <a:off x="406400" y="1397001"/>
-            <a:ext cx="4495800" cy="4978399"/>
-          </a:xfrm>
-        </p:spPr>
-        <p:txBody>
-          <a:bodyPr>
-            <a:normAutofit/>
-          </a:bodyPr>
-          <a:lstStyle/>
-          <a:p>
-            <a:r>
-              <a:rPr lang="en-US" sz="1700" dirty="0" smtClean="0"/>
-              <a:t>How to develop a simple MR that is interoperable across infrastructure concurrently?</a:t>
-            </a:r>
-          </a:p>
-          <a:p>
-            <a:r>
-              <a:rPr lang="en-US" sz="1700" dirty="0" smtClean="0"/>
-              <a:t>Same application, same programming model:</a:t>
-            </a:r>
-          </a:p>
-          <a:p>
-            <a:pPr lvl="1"/>
-            <a:r>
-              <a:rPr lang="en-US" sz="1700" dirty="0" smtClean="0"/>
-              <a:t>Very different performance dependence</a:t>
-            </a:r>
-          </a:p>
-          <a:p>
-            <a:r>
-              <a:rPr lang="en-US" sz="1700" dirty="0" smtClean="0"/>
-              <a:t>Same application, different programming models</a:t>
-            </a:r>
-          </a:p>
-          <a:p>
-            <a:pPr lvl="1"/>
-            <a:r>
-              <a:rPr lang="en-US" sz="1700" dirty="0" smtClean="0"/>
-              <a:t>Very different performance dependence</a:t>
-            </a:r>
-          </a:p>
-          <a:p>
-            <a:pPr lvl="1">
-              <a:buNone/>
-            </a:pPr>
-            <a:endParaRPr lang="en-US" sz="1700" dirty="0" smtClean="0"/>
-          </a:p>
-        </p:txBody>
-      </p:sp>
-      <p:pic>
-        <p:nvPicPr>
-          <p:cNvPr id="7" name="Content Placeholder 3" descr="saga_mapreduce_schema.png"/>
-          <p:cNvPicPr>
-            <a:picLocks noChangeAspect="1"/>
-          </p:cNvPicPr>
-          <p:nvPr/>
-        </p:nvPicPr>
-        <p:blipFill>
-          <a:blip r:embed="rId2"/>
-          <a:srcRect l="-10578" r="-10578"/>
-          <a:stretch>
-            <a:fillRect/>
-          </a:stretch>
-        </p:blipFill>
-        <p:spPr>
-          <a:xfrm>
-            <a:off x="4368801" y="1592712"/>
-            <a:ext cx="4632959" cy="4782688"/>
-          </a:xfrm>
-          <a:prstGeom prst="rect">
-            <a:avLst/>
-          </a:prstGeom>
-        </p:spPr>
-      </p:pic>
-    </p:spTree>
-  </p:cSld>
-  <p:clrMapOvr>
-    <a:masterClrMapping/>
-  </p:clrMapOvr>
-  <p:timing>
-    <p:tnLst>
-      <p:par>
-        <p:cTn id="1" dur="indefinite" restart="never" nodeType="tmRoot"/>
-      </p:par>
-    </p:tnLst>
-  </p:timing>
-</p:sld>
-</file>
-
-<file path=ppt/slides/slide11.xml><?xml version="1.0" encoding="utf-8"?>
-<p:sld xmlns:a="http://schemas.openxmlformats.org/drawingml/2006/main" xmlns:r="http://schemas.openxmlformats.org/officeDocument/2006/relationships" xmlns:mc="http://schemas.openxmlformats.org/markup-compatibility/2006" xmlns:mv="urn:schemas-microsoft-com:mac:vml" xmlns:p="http://schemas.openxmlformats.org/presentationml/2006/main" mc:Ignorable="mv" mc:PreserveAttributes="mv:*">
-  <p:cSld>
-    <p:spTree>
-      <p:nvGrpSpPr>
-        <p:cNvPr id="1" name=""/>
-        <p:cNvGrpSpPr/>
-        <p:nvPr/>
-      </p:nvGrpSpPr>
-      <p:grpSpPr>
-        <a:xfrm>
-          <a:off x="0" y="0"/>
-          <a:ext cx="0" cy="0"/>
-          <a:chOff x="0" y="0"/>
-          <a:chExt cx="0" cy="0"/>
-        </a:xfrm>
-      </p:grpSpPr>
-      <p:sp>
-        <p:nvSpPr>
-          <p:cNvPr id="2" name="Title 1"/>
-          <p:cNvSpPr>
-            <a:spLocks noGrp="1"/>
-          </p:cNvSpPr>
-          <p:nvPr>
-            <p:ph type="title"/>
-          </p:nvPr>
-        </p:nvSpPr>
-        <p:spPr/>
-        <p:txBody>
-          <a:bodyPr>
-            <a:normAutofit fontScale="90000"/>
-          </a:bodyPr>
-          <a:lstStyle/>
-          <a:p>
-            <a:r>
-              <a:rPr lang="en-US" dirty="0" smtClean="0"/>
-              <a:t>Understanding Distributed Programming Models </a:t>
-            </a:r>
-            <a:endParaRPr lang="en-US" dirty="0"/>
-          </a:p>
-        </p:txBody>
-      </p:sp>
-      <p:pic>
-        <p:nvPicPr>
-          <p:cNvPr id="4" name="Content Placeholder 3" descr="sphere_varying_workers.png"/>
-          <p:cNvPicPr>
-            <a:picLocks noGrp="1" noChangeAspect="1"/>
-          </p:cNvPicPr>
-          <p:nvPr>
-            <p:ph idx="1"/>
-          </p:nvPr>
-        </p:nvPicPr>
-        <p:blipFill>
-          <a:blip r:embed="rId2"/>
-          <a:srcRect l="-14268" r="-14268"/>
-          <a:stretch>
-            <a:fillRect/>
-          </a:stretch>
-        </p:blipFill>
-        <p:spPr>
-          <a:xfrm>
-            <a:off x="4129450" y="1817641"/>
-            <a:ext cx="5014551" cy="2731106"/>
-          </a:xfrm>
-        </p:spPr>
-      </p:pic>
-      <p:pic>
-        <p:nvPicPr>
-          <p:cNvPr id="5" name="Picture 4" descr="sagamr_varying_workers.png"/>
-          <p:cNvPicPr>
-            <a:picLocks noChangeAspect="1"/>
-          </p:cNvPicPr>
-          <p:nvPr/>
-        </p:nvPicPr>
-        <p:blipFill>
-          <a:blip r:embed="rId3"/>
-          <a:stretch>
-            <a:fillRect/>
-          </a:stretch>
-        </p:blipFill>
-        <p:spPr>
-          <a:xfrm>
-            <a:off x="4746883" y="4310827"/>
-            <a:ext cx="3827804" cy="2547174"/>
-          </a:xfrm>
-          <a:prstGeom prst="rect">
-            <a:avLst/>
-          </a:prstGeom>
-        </p:spPr>
-      </p:pic>
-      <p:pic>
-        <p:nvPicPr>
-          <p:cNvPr id="6" name="Picture 5" descr="sphere_mr_varying_chunksize.png"/>
-          <p:cNvPicPr>
-            <a:picLocks noChangeAspect="1"/>
-          </p:cNvPicPr>
-          <p:nvPr/>
-        </p:nvPicPr>
-        <p:blipFill>
-          <a:blip r:embed="rId4"/>
-          <a:stretch>
-            <a:fillRect/>
-          </a:stretch>
-        </p:blipFill>
-        <p:spPr>
-          <a:xfrm>
-            <a:off x="1" y="2465574"/>
-            <a:ext cx="4571429" cy="3200000"/>
-          </a:xfrm>
-          <a:prstGeom prst="rect">
-            <a:avLst/>
-          </a:prstGeom>
-        </p:spPr>
-      </p:pic>
-    </p:spTree>
-  </p:cSld>
-  <p:clrMapOvr>
-    <a:masterClrMapping/>
-  </p:clrMapOvr>
-  <p:timing>
-    <p:tnLst>
-      <p:par>
-        <p:cTn id="1" dur="indefinite" restart="never" nodeType="tmRoot"/>
-      </p:par>
-    </p:tnLst>
-  </p:timing>
-</p:sld>
-</file>
-
-<file path=ppt/slides/slide12.xml><?xml version="1.0" encoding="utf-8"?>
-<p:sld xmlns:a="http://schemas.openxmlformats.org/drawingml/2006/main" xmlns:r="http://schemas.openxmlformats.org/officeDocument/2006/relationships" xmlns:mc="http://schemas.openxmlformats.org/markup-compatibility/2006" xmlns:mv="urn:schemas-microsoft-com:mac:vml" xmlns:p="http://schemas.openxmlformats.org/presentationml/2006/main" mc:Ignorable="mv" mc:PreserveAttributes="mv:*">
-  <p:cSld>
-    <p:spTree>
-      <p:nvGrpSpPr>
-        <p:cNvPr id="1" name=""/>
-        <p:cNvGrpSpPr/>
-        <p:nvPr/>
-      </p:nvGrpSpPr>
-      <p:grpSpPr>
-        <a:xfrm>
-          <a:off x="0" y="0"/>
-          <a:ext cx="0" cy="0"/>
-          <a:chOff x="0" y="0"/>
-          <a:chExt cx="0" cy="0"/>
-        </a:xfrm>
-      </p:grpSpPr>
-      <p:sp>
-        <p:nvSpPr>
-          <p:cNvPr id="2" name="Title 1"/>
-          <p:cNvSpPr>
-            <a:spLocks noGrp="1"/>
-          </p:cNvSpPr>
-          <p:nvPr>
-            <p:ph type="title"/>
-          </p:nvPr>
-        </p:nvSpPr>
-        <p:spPr/>
-        <p:txBody>
-          <a:bodyPr>
-            <a:noAutofit/>
-          </a:bodyPr>
-          <a:lstStyle/>
-          <a:p>
-            <a:r>
-              <a:rPr lang="en-US" sz="2400" dirty="0" smtClean="0"/>
-              <a:t>2. Tools for Effective Distributed Execution</a:t>
-            </a:r>
-            <a:endParaRPr lang="en-US" sz="2400" dirty="0"/>
-          </a:p>
-        </p:txBody>
-      </p:sp>
-      <p:pic>
-        <p:nvPicPr>
-          <p:cNvPr id="5" name="Content Placeholder 4" descr="distributed_pilot_job.png"/>
-          <p:cNvPicPr>
-            <a:picLocks noGrp="1" noChangeAspect="1"/>
-          </p:cNvPicPr>
-          <p:nvPr>
-            <p:ph idx="1"/>
-          </p:nvPr>
-        </p:nvPicPr>
-        <p:blipFill>
-          <a:blip r:embed="rId2"/>
-          <a:srcRect t="-10678" b="-10678"/>
-          <a:stretch>
-            <a:fillRect/>
-          </a:stretch>
-        </p:blipFill>
-        <p:spPr/>
-      </p:pic>
-    </p:spTree>
-  </p:cSld>
-  <p:clrMapOvr>
-    <a:masterClrMapping/>
-  </p:clrMapOvr>
-  <p:timing>
-    <p:tnLst>
-      <p:par>
-        <p:cTn id="1" dur="indefinite" restart="never" nodeType="tmRoot"/>
-      </p:par>
-    </p:tnLst>
-  </p:timing>
-</p:sld>
-</file>
-
-<file path=ppt/slides/slide13.xml><?xml version="1.0" encoding="utf-8"?>
-<p:sld xmlns:a="http://schemas.openxmlformats.org/drawingml/2006/main" xmlns:r="http://schemas.openxmlformats.org/officeDocument/2006/relationships" xmlns:mc="http://schemas.openxmlformats.org/markup-compatibility/2006" xmlns:mv="urn:schemas-microsoft-com:mac:vml" xmlns:p="http://schemas.openxmlformats.org/presentationml/2006/main" mc:Ignorable="mv" mc:PreserveAttributes="mv:*">
-  <p:cSld>
-    <p:spTree>
-      <p:nvGrpSpPr>
-        <p:cNvPr id="1" name=""/>
-        <p:cNvGrpSpPr/>
-        <p:nvPr/>
-      </p:nvGrpSpPr>
-      <p:grpSpPr>
-        <a:xfrm>
-          <a:off x="0" y="0"/>
-          <a:ext cx="0" cy="0"/>
-          <a:chOff x="0" y="0"/>
-          <a:chExt cx="0" cy="0"/>
-        </a:xfrm>
-      </p:grpSpPr>
-      <p:sp>
-        <p:nvSpPr>
-          <p:cNvPr id="2" name="Title 1"/>
-          <p:cNvSpPr>
-            <a:spLocks noGrp="1"/>
-          </p:cNvSpPr>
-          <p:nvPr>
-            <p:ph type="title"/>
-          </p:nvPr>
-        </p:nvSpPr>
-        <p:spPr/>
-        <p:txBody>
-          <a:bodyPr rtlCol="0">
-            <a:normAutofit/>
-          </a:bodyPr>
-          <a:lstStyle/>
-          <a:p>
-            <a:pPr>
-              <a:defRPr/>
-            </a:pPr>
-            <a:r>
-              <a:rPr lang="en-US" sz="2200" dirty="0" smtClean="0"/>
-              <a:t>Distributed Adaptive Replica Exchange (DARE)</a:t>
-            </a:r>
             <a:r>
               <a:rPr lang="en-US" dirty="0" smtClean="0"/>
               <a:t/>
@@ -10723,4007 +7511,19 @@
               <a:rPr lang="en-US" dirty="0" smtClean="0"/>
             </a:br>
             <a:r>
-              <a:rPr lang="en-US" sz="2200" dirty="0" smtClean="0"/>
-              <a:t>Multiple Pilot-Jobs on the “Distributed” </a:t>
-            </a:r>
-            <a:r>
-              <a:rPr lang="en-US" sz="2200" dirty="0" err="1" smtClean="0"/>
-              <a:t>TeraGrid</a:t>
-            </a:r>
-            <a:endParaRPr lang="en-US" sz="2200" dirty="0" smtClean="0">
-              <a:solidFill>
-                <a:srgbClr val="800000"/>
-              </a:solidFill>
-              <a:latin typeface="Cooper Black"/>
-              <a:cs typeface="Cooper Black"/>
-            </a:endParaRPr>
-          </a:p>
-        </p:txBody>
-      </p:sp>
-      <p:sp>
-        <p:nvSpPr>
-          <p:cNvPr id="8" name="Content Placeholder 7"/>
-          <p:cNvSpPr>
-            <a:spLocks noGrp="1"/>
-          </p:cNvSpPr>
-          <p:nvPr>
-            <p:ph idx="1"/>
-          </p:nvPr>
-        </p:nvSpPr>
-        <p:spPr>
-          <a:xfrm>
-            <a:off x="892711" y="2011973"/>
-            <a:ext cx="7489289" cy="1366228"/>
-          </a:xfrm>
-        </p:spPr>
-        <p:txBody>
-          <a:bodyPr>
-            <a:normAutofit/>
-          </a:bodyPr>
-          <a:lstStyle/>
-          <a:p>
-            <a:r>
               <a:rPr lang="en-US" dirty="0" smtClean="0"/>
-              <a:t>Ability to dynamically add HPC resources. On TG:</a:t>
-            </a:r>
-          </a:p>
-          <a:p>
+              <a:t>All </a:t>
+            </a:r>
             <a:r>
               <a:rPr lang="en-US" dirty="0" smtClean="0"/>
-              <a:t>Innovations in Distributed Algorithms:</a:t>
-            </a:r>
-          </a:p>
-          <a:p>
-            <a:pPr lvl="1"/>
-            <a:r>
-              <a:rPr lang="en-US" dirty="0" smtClean="0"/>
-              <a:t>Variants of  RE: Sync (local) </a:t>
-            </a:r>
-            <a:r>
-              <a:rPr lang="en-US" dirty="0" err="1" smtClean="0"/>
-              <a:t>vs</a:t>
-            </a:r>
-            <a:r>
-              <a:rPr lang="en-US" dirty="0" smtClean="0"/>
-              <a:t> </a:t>
-            </a:r>
-            <a:r>
-              <a:rPr lang="en-US" dirty="0" err="1" smtClean="0"/>
-              <a:t>async</a:t>
-            </a:r>
-            <a:r>
-              <a:rPr lang="en-US" dirty="0" smtClean="0"/>
-              <a:t> (distr.)</a:t>
-            </a:r>
-          </a:p>
-        </p:txBody>
-      </p:sp>
-      <p:pic>
-        <p:nvPicPr>
-          <p:cNvPr id="37894" name="Picture 7" descr="perf_distributed_number_replica-1.pdf"/>
-          <p:cNvPicPr>
-            <a:picLocks noChangeAspect="1"/>
-          </p:cNvPicPr>
-          <p:nvPr/>
-        </p:nvPicPr>
-        <p:blipFill>
-          <a:blip r:embed="rId2"/>
-          <a:srcRect/>
-          <a:stretch>
-            <a:fillRect/>
-          </a:stretch>
-        </p:blipFill>
-        <p:spPr bwMode="auto">
-          <a:xfrm>
-            <a:off x="626011" y="3746500"/>
-            <a:ext cx="3657600" cy="2552700"/>
-          </a:xfrm>
-          <a:prstGeom prst="rect">
-            <a:avLst/>
-          </a:prstGeom>
-          <a:noFill/>
-          <a:ln w="9525">
-            <a:noFill/>
-            <a:miter lim="800000"/>
-            <a:headEnd/>
-            <a:tailEnd/>
-          </a:ln>
-        </p:spPr>
-      </p:pic>
-      <p:graphicFrame>
-        <p:nvGraphicFramePr>
-          <p:cNvPr id="7" name="Chart 6"/>
-          <p:cNvGraphicFramePr/>
-          <p:nvPr/>
-        </p:nvGraphicFramePr>
-        <p:xfrm>
-          <a:off x="4888047" y="3644900"/>
-          <a:ext cx="3935959" cy="3073400"/>
-        </p:xfrm>
-        <a:graphic>
-          <a:graphicData uri="http://schemas.openxmlformats.org/drawingml/2006/chart">
-            <c:chart xmlns:c="http://schemas.openxmlformats.org/drawingml/2006/chart" xmlns:r="http://schemas.openxmlformats.org/officeDocument/2006/relationships" r:id="rId3"/>
-          </a:graphicData>
-        </a:graphic>
-      </p:graphicFrame>
-    </p:spTree>
-  </p:cSld>
-  <p:clrMapOvr>
-    <a:masterClrMapping/>
-  </p:clrMapOvr>
-  <p:timing>
-    <p:tnLst>
-      <p:par>
-        <p:cTn id="1" dur="indefinite" restart="never" nodeType="tmRoot"/>
-      </p:par>
-    </p:tnLst>
-  </p:timing>
-</p:sld>
-</file>
-
-<file path=ppt/slides/slide14.xml><?xml version="1.0" encoding="utf-8"?>
-<p:sld xmlns:a="http://schemas.openxmlformats.org/drawingml/2006/main" xmlns:r="http://schemas.openxmlformats.org/officeDocument/2006/relationships" xmlns:mc="http://schemas.openxmlformats.org/markup-compatibility/2006" xmlns:mv="urn:schemas-microsoft-com:mac:vml" xmlns:p="http://schemas.openxmlformats.org/presentationml/2006/main" mc:Ignorable="mv" mc:PreserveAttributes="mv:*">
-  <p:cSld>
-    <p:spTree>
-      <p:nvGrpSpPr>
-        <p:cNvPr id="1" name=""/>
-        <p:cNvGrpSpPr/>
-        <p:nvPr/>
-      </p:nvGrpSpPr>
-      <p:grpSpPr>
-        <a:xfrm>
-          <a:off x="0" y="0"/>
-          <a:ext cx="0" cy="0"/>
-          <a:chOff x="0" y="0"/>
-          <a:chExt cx="0" cy="0"/>
-        </a:xfrm>
-      </p:grpSpPr>
-      <p:pic>
-        <p:nvPicPr>
-          <p:cNvPr id="87042" name="Picture 1" descr="Picture 2.png"/>
-          <p:cNvPicPr>
-            <a:picLocks noChangeAspect="1"/>
-          </p:cNvPicPr>
-          <p:nvPr/>
-        </p:nvPicPr>
-        <p:blipFill>
-          <a:blip r:embed="rId2"/>
-          <a:srcRect/>
-          <a:stretch>
-            <a:fillRect/>
-          </a:stretch>
-        </p:blipFill>
-        <p:spPr bwMode="auto">
-          <a:xfrm>
-            <a:off x="192088" y="1016000"/>
-            <a:ext cx="8799512" cy="5232400"/>
-          </a:xfrm>
-          <a:prstGeom prst="rect">
-            <a:avLst/>
-          </a:prstGeom>
-          <a:noFill/>
-          <a:ln w="9525">
-            <a:noFill/>
-            <a:miter lim="800000"/>
-            <a:headEnd/>
-            <a:tailEnd/>
-          </a:ln>
-        </p:spPr>
-      </p:pic>
-      <p:sp>
-        <p:nvSpPr>
-          <p:cNvPr id="5" name="Title 4"/>
-          <p:cNvSpPr>
-            <a:spLocks noGrp="1"/>
-          </p:cNvSpPr>
-          <p:nvPr>
-            <p:ph type="title"/>
-          </p:nvPr>
-        </p:nvSpPr>
-        <p:spPr>
-          <a:xfrm>
-            <a:off x="25401" y="133256"/>
-            <a:ext cx="8913813" cy="914400"/>
-          </a:xfrm>
-        </p:spPr>
-        <p:txBody>
-          <a:bodyPr>
-            <a:normAutofit fontScale="90000"/>
-          </a:bodyPr>
-          <a:lstStyle/>
-          <a:p>
-            <a:r>
-              <a:rPr lang="en-US" dirty="0" smtClean="0"/>
-              <a:t>3. Provides uniform access layers to </a:t>
-            </a:r>
-            <a:r>
-              <a:rPr lang="en-US" dirty="0" smtClean="0"/>
-              <a:t>heterogeneous </a:t>
-            </a:r>
-            <a:r>
-              <a:rPr lang="en-US" dirty="0" smtClean="0"/>
-              <a:t>CI</a:t>
-            </a:r>
-            <a:endParaRPr lang="en-US" dirty="0"/>
-          </a:p>
-        </p:txBody>
-      </p:sp>
-    </p:spTree>
-  </p:cSld>
-  <p:clrMapOvr>
-    <a:masterClrMapping/>
-  </p:clrMapOvr>
-  <p:transition/>
-  <p:timing>
-    <p:tnLst>
-      <p:par>
-        <p:cTn id="1" dur="indefinite" restart="never" nodeType="tmRoot"/>
-      </p:par>
-    </p:tnLst>
-  </p:timing>
-</p:sld>
-</file>
-
-<file path=ppt/slides/slide15.xml><?xml version="1.0" encoding="utf-8"?>
-<p:sld xmlns:a="http://schemas.openxmlformats.org/drawingml/2006/main" xmlns:r="http://schemas.openxmlformats.org/officeDocument/2006/relationships" xmlns:mc="http://schemas.openxmlformats.org/markup-compatibility/2006" xmlns:mv="urn:schemas-microsoft-com:mac:vml" xmlns:p="http://schemas.openxmlformats.org/presentationml/2006/main" mc:Ignorable="mv" mc:PreserveAttributes="mv:*">
-  <p:cSld>
-    <p:spTree>
-      <p:nvGrpSpPr>
-        <p:cNvPr id="1" name=""/>
-        <p:cNvGrpSpPr/>
-        <p:nvPr/>
-      </p:nvGrpSpPr>
-      <p:grpSpPr>
-        <a:xfrm>
-          <a:off x="0" y="0"/>
-          <a:ext cx="0" cy="0"/>
-          <a:chOff x="0" y="0"/>
-          <a:chExt cx="0" cy="0"/>
-        </a:xfrm>
-      </p:grpSpPr>
-      <p:sp>
-        <p:nvSpPr>
-          <p:cNvPr id="37890" name="Rectangle 1"/>
-          <p:cNvSpPr>
-            <a:spLocks noGrp="1" noChangeArrowheads="1"/>
-          </p:cNvSpPr>
-          <p:nvPr>
-            <p:ph type="title"/>
-          </p:nvPr>
-        </p:nvSpPr>
-        <p:spPr/>
-        <p:txBody>
-          <a:bodyPr/>
-          <a:lstStyle/>
-          <a:p>
-            <a:pPr eaLnBrk="1" hangingPunct="1"/>
-            <a:r>
-              <a:rPr lang="en-US" smtClean="0"/>
-              <a:t>SAGA-GANGA Integration</a:t>
-            </a:r>
-          </a:p>
-        </p:txBody>
-      </p:sp>
-      <p:pic>
-        <p:nvPicPr>
-          <p:cNvPr id="37891" name="Picture 2"/>
-          <p:cNvPicPr>
-            <a:picLocks noChangeAspect="1" noChangeArrowheads="1"/>
-          </p:cNvPicPr>
-          <p:nvPr/>
-        </p:nvPicPr>
-        <p:blipFill>
-          <a:blip r:embed="rId2">
-            <a:alphaModFix amt="90000"/>
-          </a:blip>
-          <a:srcRect/>
-          <a:stretch>
-            <a:fillRect/>
-          </a:stretch>
-        </p:blipFill>
-        <p:spPr bwMode="auto">
-          <a:xfrm>
-            <a:off x="95774" y="2046288"/>
-            <a:ext cx="4799972" cy="4100513"/>
-          </a:xfrm>
-          <a:prstGeom prst="rect">
-            <a:avLst/>
-          </a:prstGeom>
-          <a:noFill/>
-          <a:ln w="12700">
-            <a:noFill/>
-            <a:miter lim="800000"/>
-            <a:headEnd/>
-            <a:tailEnd/>
-          </a:ln>
-        </p:spPr>
-      </p:pic>
-      <p:pic>
-        <p:nvPicPr>
-          <p:cNvPr id="4" name="Picture 3" descr="ganga_saga_scaling.png"/>
-          <p:cNvPicPr>
-            <a:picLocks noChangeAspect="1"/>
-          </p:cNvPicPr>
-          <p:nvPr/>
-        </p:nvPicPr>
-        <p:blipFill>
-          <a:blip r:embed="rId3"/>
-          <a:stretch>
-            <a:fillRect/>
-          </a:stretch>
-        </p:blipFill>
-        <p:spPr>
-          <a:xfrm>
-            <a:off x="4895746" y="2617788"/>
-            <a:ext cx="4248253" cy="2589213"/>
-          </a:xfrm>
-          <a:prstGeom prst="rect">
-            <a:avLst/>
-          </a:prstGeom>
-        </p:spPr>
-      </p:pic>
-    </p:spTree>
-  </p:cSld>
-  <p:clrMapOvr>
-    <a:masterClrMapping/>
-  </p:clrMapOvr>
-  <p:transition/>
-  <p:timing>
-    <p:tnLst>
-      <p:par>
-        <p:cTn id="1" dur="indefinite" restart="never" nodeType="tmRoot"/>
-      </p:par>
-    </p:tnLst>
-  </p:timing>
-</p:sld>
-</file>
-
-<file path=ppt/slides/slide16.xml><?xml version="1.0" encoding="utf-8"?>
-<p:sld xmlns:a="http://schemas.openxmlformats.org/drawingml/2006/main" xmlns:r="http://schemas.openxmlformats.org/officeDocument/2006/relationships" xmlns:mc="http://schemas.openxmlformats.org/markup-compatibility/2006" xmlns:mv="urn:schemas-microsoft-com:mac:vml" xmlns:p="http://schemas.openxmlformats.org/presentationml/2006/main" mc:Ignorable="mv" mc:PreserveAttributes="mv:*">
-  <p:cSld>
-    <p:spTree>
-      <p:nvGrpSpPr>
-        <p:cNvPr id="1" name=""/>
-        <p:cNvGrpSpPr/>
-        <p:nvPr/>
-      </p:nvGrpSpPr>
-      <p:grpSpPr>
-        <a:xfrm>
-          <a:off x="0" y="0"/>
-          <a:ext cx="0" cy="0"/>
-          <a:chOff x="0" y="0"/>
-          <a:chExt cx="0" cy="0"/>
-        </a:xfrm>
-      </p:grpSpPr>
-      <p:sp>
-        <p:nvSpPr>
-          <p:cNvPr id="61" name="Footer Placeholder 3"/>
-          <p:cNvSpPr>
-            <a:spLocks noGrp="1"/>
-          </p:cNvSpPr>
-          <p:nvPr>
-            <p:ph type="ftr" sz="quarter" idx="11"/>
-          </p:nvPr>
-        </p:nvSpPr>
-        <p:spPr/>
-        <p:txBody>
-          <a:bodyPr/>
-          <a:lstStyle/>
-          <a:p>
-            <a:r>
-              <a:rPr lang="en-US"/>
-              <a:t>JSAGA</a:t>
-            </a:r>
-          </a:p>
-        </p:txBody>
-      </p:sp>
-      <p:sp>
-        <p:nvSpPr>
-          <p:cNvPr id="62" name="Slide Number Placeholder 4"/>
-          <p:cNvSpPr>
-            <a:spLocks noGrp="1"/>
-          </p:cNvSpPr>
-          <p:nvPr>
-            <p:ph type="sldNum" sz="quarter" idx="12"/>
-          </p:nvPr>
-        </p:nvSpPr>
-        <p:spPr/>
-        <p:txBody>
-          <a:bodyPr/>
-          <a:lstStyle/>
-          <a:p>
-            <a:fld id="{D7EEED34-8CD6-0C49-8D66-19FEDD51CB4E}" type="slidenum">
-              <a:rPr lang="en-US"/>
-              <a:pPr/>
-              <a:t>16</a:t>
-            </a:fld>
-            <a:endParaRPr lang="en-US"/>
-          </a:p>
-        </p:txBody>
-      </p:sp>
-      <p:grpSp>
-        <p:nvGrpSpPr>
-          <p:cNvPr id="2" name="Group 67"/>
-          <p:cNvGrpSpPr>
-            <a:grpSpLocks/>
-          </p:cNvGrpSpPr>
-          <p:nvPr/>
-        </p:nvGrpSpPr>
-        <p:grpSpPr bwMode="auto">
-          <a:xfrm>
-            <a:off x="304800" y="1355726"/>
-            <a:ext cx="8610600" cy="3216275"/>
-            <a:chOff x="192" y="854"/>
-            <a:chExt cx="5424" cy="2026"/>
-          </a:xfrm>
-        </p:grpSpPr>
-        <p:sp>
-          <p:nvSpPr>
-            <p:cNvPr id="777219" name="Rectangle 3"/>
-            <p:cNvSpPr>
-              <a:spLocks noChangeArrowheads="1"/>
-            </p:cNvSpPr>
-            <p:nvPr/>
-          </p:nvSpPr>
-          <p:spPr bwMode="auto">
-            <a:xfrm>
-              <a:off x="4128" y="864"/>
-              <a:ext cx="1488" cy="2016"/>
-            </a:xfrm>
-            <a:prstGeom prst="rect">
-              <a:avLst/>
-            </a:prstGeom>
-            <a:solidFill>
-              <a:schemeClr val="folHlink"/>
-            </a:solidFill>
-            <a:ln w="9525">
-              <a:solidFill>
-                <a:schemeClr val="tx1"/>
-              </a:solidFill>
-              <a:miter lim="800000"/>
-              <a:headEnd/>
-              <a:tailEnd/>
-            </a:ln>
-            <a:effectLst/>
-          </p:spPr>
-          <p:txBody>
-            <a:bodyPr wrap="none" anchor="ctr">
-              <a:prstTxWarp prst="textNoShape">
-                <a:avLst/>
-              </a:prstTxWarp>
-            </a:bodyPr>
-            <a:lstStyle/>
-            <a:p>
-              <a:endParaRPr lang="en-US"/>
-            </a:p>
-          </p:txBody>
-        </p:sp>
-        <p:sp>
-          <p:nvSpPr>
-            <p:cNvPr id="777221" name="Rectangle 5"/>
-            <p:cNvSpPr>
-              <a:spLocks noChangeArrowheads="1"/>
-            </p:cNvSpPr>
-            <p:nvPr/>
-          </p:nvSpPr>
-          <p:spPr bwMode="auto">
-            <a:xfrm>
-              <a:off x="192" y="864"/>
-              <a:ext cx="3408" cy="1872"/>
-            </a:xfrm>
-            <a:prstGeom prst="rect">
-              <a:avLst/>
-            </a:prstGeom>
-            <a:solidFill>
-              <a:schemeClr val="folHlink"/>
-            </a:solidFill>
-            <a:ln w="9525">
-              <a:solidFill>
-                <a:schemeClr val="tx1"/>
-              </a:solidFill>
-              <a:miter lim="800000"/>
-              <a:headEnd/>
-              <a:tailEnd/>
-            </a:ln>
-            <a:effectLst/>
-          </p:spPr>
-          <p:txBody>
-            <a:bodyPr wrap="none" anchor="ctr">
-              <a:prstTxWarp prst="textNoShape">
-                <a:avLst/>
-              </a:prstTxWarp>
-            </a:bodyPr>
-            <a:lstStyle/>
-            <a:p>
-              <a:endParaRPr lang="en-US"/>
-            </a:p>
-          </p:txBody>
-        </p:sp>
-        <p:sp>
-          <p:nvSpPr>
-            <p:cNvPr id="777259" name="Text Box 43"/>
-            <p:cNvSpPr txBox="1">
-              <a:spLocks noChangeArrowheads="1"/>
-            </p:cNvSpPr>
-            <p:nvPr/>
-          </p:nvSpPr>
-          <p:spPr bwMode="auto">
-            <a:xfrm>
-              <a:off x="1536" y="854"/>
-              <a:ext cx="781" cy="252"/>
-            </a:xfrm>
-            <a:prstGeom prst="rect">
-              <a:avLst/>
-            </a:prstGeom>
-            <a:noFill/>
-            <a:ln w="9525">
-              <a:noFill/>
-              <a:miter lim="800000"/>
-              <a:headEnd/>
-              <a:tailEnd/>
-            </a:ln>
-            <a:effectLst/>
-          </p:spPr>
-          <p:txBody>
-            <a:bodyPr wrap="none">
-              <a:prstTxWarp prst="textNoShape">
-                <a:avLst/>
-              </a:prstTxWarp>
-              <a:spAutoFit/>
-            </a:bodyPr>
-            <a:lstStyle/>
-            <a:p>
-              <a:r>
-                <a:rPr lang="fr-FR" sz="2000" dirty="0">
-                  <a:effectLst>
-                    <a:outerShdw blurRad="38100" dist="38100" dir="2700000" algn="tl">
-                      <a:srgbClr val="DDDDDD"/>
-                    </a:outerShdw>
-                  </a:effectLst>
-                  <a:latin typeface="Arial" charset="0"/>
-                </a:rPr>
-                <a:t>C Python</a:t>
-              </a:r>
-            </a:p>
-          </p:txBody>
-        </p:sp>
-        <p:sp>
-          <p:nvSpPr>
-            <p:cNvPr id="777260" name="Text Box 44"/>
-            <p:cNvSpPr txBox="1">
-              <a:spLocks noChangeArrowheads="1"/>
-            </p:cNvSpPr>
-            <p:nvPr/>
-          </p:nvSpPr>
-          <p:spPr bwMode="auto">
-            <a:xfrm>
-              <a:off x="4560" y="854"/>
-              <a:ext cx="592" cy="252"/>
-            </a:xfrm>
-            <a:prstGeom prst="rect">
-              <a:avLst/>
-            </a:prstGeom>
-            <a:noFill/>
-            <a:ln w="9525">
-              <a:noFill/>
-              <a:miter lim="800000"/>
-              <a:headEnd/>
-              <a:tailEnd/>
-            </a:ln>
-            <a:effectLst/>
-          </p:spPr>
-          <p:txBody>
-            <a:bodyPr wrap="none">
-              <a:prstTxWarp prst="textNoShape">
-                <a:avLst/>
-              </a:prstTxWarp>
-              <a:spAutoFit/>
-            </a:bodyPr>
-            <a:lstStyle/>
-            <a:p>
-              <a:r>
-                <a:rPr lang="fr-FR" sz="2000" dirty="0" err="1">
-                  <a:effectLst>
-                    <a:outerShdw blurRad="38100" dist="38100" dir="2700000" algn="tl">
-                      <a:srgbClr val="DDDDDD"/>
-                    </a:outerShdw>
-                  </a:effectLst>
-                  <a:latin typeface="Arial" charset="0"/>
-                </a:rPr>
-                <a:t>Jython</a:t>
-              </a:r>
-              <a:endParaRPr lang="fr-FR" sz="2000" dirty="0">
-                <a:effectLst>
-                  <a:outerShdw blurRad="38100" dist="38100" dir="2700000" algn="tl">
-                    <a:srgbClr val="DDDDDD"/>
-                  </a:outerShdw>
-                </a:effectLst>
-                <a:latin typeface="Arial" charset="0"/>
-              </a:endParaRPr>
-            </a:p>
-          </p:txBody>
-        </p:sp>
-      </p:grpSp>
-      <p:sp>
-        <p:nvSpPr>
-          <p:cNvPr id="777274" name="Rectangle 58"/>
-          <p:cNvSpPr>
-            <a:spLocks noChangeArrowheads="1"/>
-          </p:cNvSpPr>
-          <p:nvPr/>
-        </p:nvSpPr>
-        <p:spPr bwMode="auto">
-          <a:xfrm>
-            <a:off x="3810000" y="3429000"/>
-            <a:ext cx="1752600" cy="1066800"/>
-          </a:xfrm>
-          <a:prstGeom prst="rect">
-            <a:avLst/>
-          </a:prstGeom>
-          <a:noFill/>
-          <a:ln w="9525">
-            <a:noFill/>
-            <a:prstDash val="dash"/>
-            <a:miter lim="800000"/>
-            <a:headEnd/>
-            <a:tailEnd/>
-          </a:ln>
-          <a:effectLst/>
-        </p:spPr>
-        <p:txBody>
-          <a:bodyPr wrap="none" lIns="91435" tIns="45718" rIns="91435" bIns="45718" anchor="ctr">
-            <a:prstTxWarp prst="textNoShape">
-              <a:avLst/>
-            </a:prstTxWarp>
-          </a:bodyPr>
-          <a:lstStyle/>
-          <a:p>
-            <a:pPr algn="ctr"/>
-            <a:r>
-              <a:rPr lang="en-US" sz="7200" dirty="0">
-                <a:effectLst>
-                  <a:outerShdw blurRad="38100" dist="38100" dir="2700000" algn="tl">
-                    <a:srgbClr val="DDDDDD"/>
-                  </a:outerShdw>
-                </a:effectLst>
-                <a:latin typeface="Arial" charset="0"/>
-              </a:rPr>
-              <a:t>?</a:t>
-            </a:r>
-          </a:p>
-        </p:txBody>
-      </p:sp>
-      <p:sp>
-        <p:nvSpPr>
-          <p:cNvPr id="777225" name="Rectangle 9"/>
-          <p:cNvSpPr>
-            <a:spLocks noChangeArrowheads="1"/>
-          </p:cNvSpPr>
-          <p:nvPr/>
-        </p:nvSpPr>
-        <p:spPr bwMode="auto">
-          <a:xfrm>
-            <a:off x="3810000" y="3429000"/>
-            <a:ext cx="1752600" cy="1066800"/>
-          </a:xfrm>
-          <a:prstGeom prst="rect">
-            <a:avLst/>
-          </a:prstGeom>
-          <a:solidFill>
-            <a:schemeClr val="accent1"/>
-          </a:solidFill>
-          <a:ln w="38100">
-            <a:solidFill>
-              <a:schemeClr val="tx1"/>
-            </a:solidFill>
-            <a:miter lim="800000"/>
-            <a:headEnd/>
-            <a:tailEnd/>
-          </a:ln>
-          <a:effectLst/>
-        </p:spPr>
-        <p:txBody>
-          <a:bodyPr wrap="none" lIns="91435" tIns="45718" rIns="91435" bIns="45718" anchor="ctr">
-            <a:prstTxWarp prst="textNoShape">
-              <a:avLst/>
-            </a:prstTxWarp>
-          </a:bodyPr>
-          <a:lstStyle/>
-          <a:p>
-            <a:pPr algn="ctr"/>
-            <a:r>
-              <a:rPr lang="en-US" dirty="0" err="1">
-                <a:latin typeface="Arial" charset="0"/>
-              </a:rPr>
-              <a:t>JPySAGA</a:t>
-            </a:r>
-            <a:endParaRPr lang="en-US" dirty="0">
-              <a:latin typeface="Arial" charset="0"/>
-            </a:endParaRPr>
-          </a:p>
-        </p:txBody>
-      </p:sp>
-      <p:sp>
-        <p:nvSpPr>
-          <p:cNvPr id="777224" name="Rectangle 8"/>
-          <p:cNvSpPr>
-            <a:spLocks noChangeArrowheads="1"/>
-          </p:cNvSpPr>
-          <p:nvPr/>
-        </p:nvSpPr>
-        <p:spPr bwMode="auto">
-          <a:xfrm>
-            <a:off x="685800" y="3048001"/>
-            <a:ext cx="7772400" cy="304800"/>
-          </a:xfrm>
-          <a:prstGeom prst="rect">
-            <a:avLst/>
-          </a:prstGeom>
-          <a:solidFill>
-            <a:schemeClr val="bg1"/>
-          </a:solidFill>
-          <a:ln w="9525">
-            <a:solidFill>
-              <a:schemeClr val="tx1"/>
-            </a:solidFill>
-            <a:prstDash val="dash"/>
-            <a:miter lim="800000"/>
-            <a:headEnd/>
-            <a:tailEnd/>
-          </a:ln>
-          <a:effectLst/>
-        </p:spPr>
-        <p:txBody>
-          <a:bodyPr wrap="none" lIns="91435" tIns="45718" rIns="91435" bIns="45718" anchor="ctr">
-            <a:prstTxWarp prst="textNoShape">
-              <a:avLst/>
-            </a:prstTxWarp>
-          </a:bodyPr>
-          <a:lstStyle/>
-          <a:p>
-            <a:pPr algn="ctr"/>
-            <a:r>
-              <a:rPr lang="en-US" sz="1600" dirty="0">
-                <a:latin typeface="Arial" charset="0"/>
-              </a:rPr>
-              <a:t>Python Bindings for SAGA</a:t>
-            </a:r>
-          </a:p>
-        </p:txBody>
-      </p:sp>
-      <p:sp>
-        <p:nvSpPr>
-          <p:cNvPr id="777227" name="Rectangle 11"/>
-          <p:cNvSpPr>
-            <a:spLocks noChangeArrowheads="1"/>
-          </p:cNvSpPr>
-          <p:nvPr/>
-        </p:nvSpPr>
-        <p:spPr bwMode="auto">
-          <a:xfrm>
-            <a:off x="6705600" y="5105401"/>
-            <a:ext cx="1752600" cy="533400"/>
-          </a:xfrm>
-          <a:prstGeom prst="rect">
-            <a:avLst/>
-          </a:prstGeom>
-          <a:solidFill>
-            <a:schemeClr val="accent1"/>
-          </a:solidFill>
-          <a:ln w="9525">
-            <a:solidFill>
-              <a:schemeClr val="tx1"/>
-            </a:solidFill>
-            <a:miter lim="800000"/>
-            <a:headEnd/>
-            <a:tailEnd/>
-          </a:ln>
-          <a:effectLst/>
-        </p:spPr>
-        <p:txBody>
-          <a:bodyPr wrap="none" lIns="91435" tIns="45718" rIns="91435" bIns="45718" anchor="ctr">
-            <a:prstTxWarp prst="textNoShape">
-              <a:avLst/>
-            </a:prstTxWarp>
-          </a:bodyPr>
-          <a:lstStyle/>
-          <a:p>
-            <a:pPr algn="ctr"/>
-            <a:r>
-              <a:rPr lang="fr-FR" dirty="0">
-                <a:latin typeface="Arial" charset="0"/>
-              </a:rPr>
-              <a:t>Java SAGA</a:t>
-            </a:r>
-          </a:p>
-        </p:txBody>
-      </p:sp>
-      <p:sp>
-        <p:nvSpPr>
-          <p:cNvPr id="777228" name="Rectangle 12"/>
-          <p:cNvSpPr>
-            <a:spLocks noChangeArrowheads="1"/>
-          </p:cNvSpPr>
-          <p:nvPr/>
-        </p:nvSpPr>
-        <p:spPr bwMode="auto">
-          <a:xfrm>
-            <a:off x="3810000" y="5105401"/>
-            <a:ext cx="1752600" cy="533400"/>
-          </a:xfrm>
-          <a:prstGeom prst="rect">
-            <a:avLst/>
-          </a:prstGeom>
-          <a:solidFill>
-            <a:schemeClr val="accent1"/>
-          </a:solidFill>
-          <a:ln w="9525">
-            <a:solidFill>
-              <a:schemeClr val="tx1"/>
-            </a:solidFill>
-            <a:miter lim="800000"/>
-            <a:headEnd/>
-            <a:tailEnd/>
-          </a:ln>
-          <a:effectLst/>
-        </p:spPr>
-        <p:txBody>
-          <a:bodyPr wrap="none" lIns="91435" tIns="45718" rIns="91435" bIns="45718" anchor="ctr">
-            <a:prstTxWarp prst="textNoShape">
-              <a:avLst/>
-            </a:prstTxWarp>
-          </a:bodyPr>
-          <a:lstStyle/>
-          <a:p>
-            <a:pPr algn="ctr"/>
-            <a:r>
-              <a:rPr lang="fr-FR" dirty="0">
-                <a:latin typeface="Arial" charset="0"/>
-              </a:rPr>
-              <a:t>JSAGA</a:t>
-            </a:r>
-          </a:p>
-        </p:txBody>
-      </p:sp>
-      <p:sp>
-        <p:nvSpPr>
-          <p:cNvPr id="777237" name="Rectangle 21"/>
-          <p:cNvSpPr>
-            <a:spLocks noChangeArrowheads="1"/>
-          </p:cNvSpPr>
-          <p:nvPr/>
-        </p:nvSpPr>
-        <p:spPr bwMode="auto">
-          <a:xfrm>
-            <a:off x="6705600" y="5715000"/>
-            <a:ext cx="1524000" cy="304800"/>
-          </a:xfrm>
-          <a:prstGeom prst="rect">
-            <a:avLst/>
-          </a:prstGeom>
-          <a:solidFill>
-            <a:schemeClr val="accent1"/>
-          </a:solidFill>
-          <a:ln w="9525">
-            <a:solidFill>
-              <a:schemeClr val="tx1"/>
-            </a:solidFill>
-            <a:miter lim="800000"/>
-            <a:headEnd/>
-            <a:tailEnd/>
-          </a:ln>
-          <a:effectLst/>
-        </p:spPr>
-        <p:txBody>
-          <a:bodyPr wrap="none" lIns="91435" tIns="45718" rIns="91435" bIns="45718" anchor="ctr">
-            <a:prstTxWarp prst="textNoShape">
-              <a:avLst/>
-            </a:prstTxWarp>
-          </a:bodyPr>
-          <a:lstStyle/>
-          <a:p>
-            <a:pPr algn="ctr"/>
-            <a:r>
-              <a:rPr lang="fr-FR" dirty="0">
-                <a:latin typeface="Arial" charset="0"/>
-              </a:rPr>
-              <a:t>Java GAT</a:t>
-            </a:r>
-          </a:p>
-        </p:txBody>
-      </p:sp>
-      <p:sp>
-        <p:nvSpPr>
-          <p:cNvPr id="777238" name="Rectangle 22"/>
-          <p:cNvSpPr>
-            <a:spLocks noChangeArrowheads="1"/>
-          </p:cNvSpPr>
-          <p:nvPr/>
-        </p:nvSpPr>
-        <p:spPr bwMode="auto">
-          <a:xfrm>
-            <a:off x="8305800" y="5715000"/>
-            <a:ext cx="152400" cy="304800"/>
-          </a:xfrm>
-          <a:prstGeom prst="rect">
-            <a:avLst/>
-          </a:prstGeom>
-          <a:solidFill>
-            <a:schemeClr val="accent1"/>
-          </a:solidFill>
-          <a:ln w="9525">
-            <a:solidFill>
-              <a:schemeClr val="tx1"/>
-            </a:solidFill>
-            <a:miter lim="800000"/>
-            <a:headEnd/>
-            <a:tailEnd/>
-          </a:ln>
-          <a:effectLst/>
-        </p:spPr>
-        <p:txBody>
-          <a:bodyPr wrap="none" lIns="91435" tIns="45718" rIns="91435" bIns="45718" anchor="ctr">
-            <a:prstTxWarp prst="textNoShape">
-              <a:avLst/>
-            </a:prstTxWarp>
-          </a:bodyPr>
-          <a:lstStyle/>
-          <a:p>
-            <a:endParaRPr lang="en-US"/>
-          </a:p>
-        </p:txBody>
-      </p:sp>
-      <p:sp>
-        <p:nvSpPr>
-          <p:cNvPr id="777239" name="Rectangle 23"/>
-          <p:cNvSpPr>
-            <a:spLocks noChangeArrowheads="1"/>
-          </p:cNvSpPr>
-          <p:nvPr/>
-        </p:nvSpPr>
-        <p:spPr bwMode="auto">
-          <a:xfrm>
-            <a:off x="6705600" y="6096000"/>
-            <a:ext cx="152400" cy="304800"/>
-          </a:xfrm>
-          <a:prstGeom prst="rect">
-            <a:avLst/>
-          </a:prstGeom>
-          <a:solidFill>
-            <a:schemeClr val="accent1"/>
-          </a:solidFill>
-          <a:ln w="9525">
-            <a:solidFill>
-              <a:schemeClr val="tx1"/>
-            </a:solidFill>
-            <a:miter lim="800000"/>
-            <a:headEnd/>
-            <a:tailEnd/>
-          </a:ln>
-          <a:effectLst/>
-        </p:spPr>
-        <p:txBody>
-          <a:bodyPr wrap="none" lIns="91435" tIns="45718" rIns="91435" bIns="45718" anchor="ctr">
-            <a:prstTxWarp prst="textNoShape">
-              <a:avLst/>
-            </a:prstTxWarp>
-          </a:bodyPr>
-          <a:lstStyle/>
-          <a:p>
-            <a:endParaRPr lang="en-US"/>
-          </a:p>
-        </p:txBody>
-      </p:sp>
-      <p:sp>
-        <p:nvSpPr>
-          <p:cNvPr id="777240" name="Rectangle 24"/>
-          <p:cNvSpPr>
-            <a:spLocks noChangeArrowheads="1"/>
-          </p:cNvSpPr>
-          <p:nvPr/>
-        </p:nvSpPr>
-        <p:spPr bwMode="auto">
-          <a:xfrm>
-            <a:off x="6934200" y="6096000"/>
-            <a:ext cx="152400" cy="304800"/>
-          </a:xfrm>
-          <a:prstGeom prst="rect">
-            <a:avLst/>
-          </a:prstGeom>
-          <a:solidFill>
-            <a:schemeClr val="accent1"/>
-          </a:solidFill>
-          <a:ln w="9525">
-            <a:solidFill>
-              <a:schemeClr val="tx1"/>
-            </a:solidFill>
-            <a:miter lim="800000"/>
-            <a:headEnd/>
-            <a:tailEnd/>
-          </a:ln>
-          <a:effectLst/>
-        </p:spPr>
-        <p:txBody>
-          <a:bodyPr wrap="none" lIns="91435" tIns="45718" rIns="91435" bIns="45718" anchor="ctr">
-            <a:prstTxWarp prst="textNoShape">
-              <a:avLst/>
-            </a:prstTxWarp>
-          </a:bodyPr>
-          <a:lstStyle/>
-          <a:p>
-            <a:endParaRPr lang="en-US"/>
-          </a:p>
-        </p:txBody>
-      </p:sp>
-      <p:sp>
-        <p:nvSpPr>
-          <p:cNvPr id="777241" name="Rectangle 25"/>
-          <p:cNvSpPr>
-            <a:spLocks noChangeArrowheads="1"/>
-          </p:cNvSpPr>
-          <p:nvPr/>
-        </p:nvSpPr>
-        <p:spPr bwMode="auto">
-          <a:xfrm>
-            <a:off x="7162800" y="6096000"/>
-            <a:ext cx="152400" cy="304800"/>
-          </a:xfrm>
-          <a:prstGeom prst="rect">
-            <a:avLst/>
-          </a:prstGeom>
-          <a:solidFill>
-            <a:schemeClr val="accent1"/>
-          </a:solidFill>
-          <a:ln w="9525">
-            <a:solidFill>
-              <a:schemeClr val="tx1"/>
-            </a:solidFill>
-            <a:miter lim="800000"/>
-            <a:headEnd/>
-            <a:tailEnd/>
-          </a:ln>
-          <a:effectLst/>
-        </p:spPr>
-        <p:txBody>
-          <a:bodyPr wrap="none" lIns="91435" tIns="45718" rIns="91435" bIns="45718" anchor="ctr">
-            <a:prstTxWarp prst="textNoShape">
-              <a:avLst/>
-            </a:prstTxWarp>
-          </a:bodyPr>
-          <a:lstStyle/>
-          <a:p>
-            <a:endParaRPr lang="en-US"/>
-          </a:p>
-        </p:txBody>
-      </p:sp>
-      <p:sp>
-        <p:nvSpPr>
-          <p:cNvPr id="777242" name="Rectangle 26"/>
-          <p:cNvSpPr>
-            <a:spLocks noChangeArrowheads="1"/>
-          </p:cNvSpPr>
-          <p:nvPr/>
-        </p:nvSpPr>
-        <p:spPr bwMode="auto">
-          <a:xfrm>
-            <a:off x="7391400" y="6096000"/>
-            <a:ext cx="152400" cy="304800"/>
-          </a:xfrm>
-          <a:prstGeom prst="rect">
-            <a:avLst/>
-          </a:prstGeom>
-          <a:solidFill>
-            <a:schemeClr val="accent1"/>
-          </a:solidFill>
-          <a:ln w="9525">
-            <a:solidFill>
-              <a:schemeClr val="tx1"/>
-            </a:solidFill>
-            <a:miter lim="800000"/>
-            <a:headEnd/>
-            <a:tailEnd/>
-          </a:ln>
-          <a:effectLst/>
-        </p:spPr>
-        <p:txBody>
-          <a:bodyPr wrap="none" lIns="91435" tIns="45718" rIns="91435" bIns="45718" anchor="ctr">
-            <a:prstTxWarp prst="textNoShape">
-              <a:avLst/>
-            </a:prstTxWarp>
-          </a:bodyPr>
-          <a:lstStyle/>
-          <a:p>
-            <a:endParaRPr lang="en-US"/>
-          </a:p>
-        </p:txBody>
-      </p:sp>
-      <p:sp>
-        <p:nvSpPr>
-          <p:cNvPr id="777243" name="Rectangle 27"/>
-          <p:cNvSpPr>
-            <a:spLocks noChangeArrowheads="1"/>
-          </p:cNvSpPr>
-          <p:nvPr/>
-        </p:nvSpPr>
-        <p:spPr bwMode="auto">
-          <a:xfrm>
-            <a:off x="7620000" y="6096000"/>
-            <a:ext cx="152400" cy="304800"/>
-          </a:xfrm>
-          <a:prstGeom prst="rect">
-            <a:avLst/>
-          </a:prstGeom>
-          <a:solidFill>
-            <a:schemeClr val="accent1"/>
-          </a:solidFill>
-          <a:ln w="9525">
-            <a:solidFill>
-              <a:schemeClr val="tx1"/>
-            </a:solidFill>
-            <a:miter lim="800000"/>
-            <a:headEnd/>
-            <a:tailEnd/>
-          </a:ln>
-          <a:effectLst/>
-        </p:spPr>
-        <p:txBody>
-          <a:bodyPr wrap="none" lIns="91435" tIns="45718" rIns="91435" bIns="45718" anchor="ctr">
-            <a:prstTxWarp prst="textNoShape">
-              <a:avLst/>
-            </a:prstTxWarp>
-          </a:bodyPr>
-          <a:lstStyle/>
-          <a:p>
-            <a:endParaRPr lang="en-US"/>
-          </a:p>
-        </p:txBody>
-      </p:sp>
-      <p:sp>
-        <p:nvSpPr>
-          <p:cNvPr id="777244" name="Rectangle 28"/>
-          <p:cNvSpPr>
-            <a:spLocks noChangeArrowheads="1"/>
-          </p:cNvSpPr>
-          <p:nvPr/>
-        </p:nvSpPr>
-        <p:spPr bwMode="auto">
-          <a:xfrm>
-            <a:off x="7848600" y="6096000"/>
-            <a:ext cx="152400" cy="304800"/>
-          </a:xfrm>
-          <a:prstGeom prst="rect">
-            <a:avLst/>
-          </a:prstGeom>
-          <a:solidFill>
-            <a:schemeClr val="accent1"/>
-          </a:solidFill>
-          <a:ln w="9525">
-            <a:solidFill>
-              <a:schemeClr val="tx1"/>
-            </a:solidFill>
-            <a:miter lim="800000"/>
-            <a:headEnd/>
-            <a:tailEnd/>
-          </a:ln>
-          <a:effectLst/>
-        </p:spPr>
-        <p:txBody>
-          <a:bodyPr wrap="none" lIns="91435" tIns="45718" rIns="91435" bIns="45718" anchor="ctr">
-            <a:prstTxWarp prst="textNoShape">
-              <a:avLst/>
-            </a:prstTxWarp>
-          </a:bodyPr>
-          <a:lstStyle/>
-          <a:p>
-            <a:endParaRPr lang="en-US"/>
-          </a:p>
-        </p:txBody>
-      </p:sp>
-      <p:sp>
-        <p:nvSpPr>
-          <p:cNvPr id="777245" name="Rectangle 29"/>
-          <p:cNvSpPr>
-            <a:spLocks noChangeArrowheads="1"/>
-          </p:cNvSpPr>
-          <p:nvPr/>
-        </p:nvSpPr>
-        <p:spPr bwMode="auto">
-          <a:xfrm>
-            <a:off x="8077200" y="6096000"/>
-            <a:ext cx="152400" cy="304800"/>
-          </a:xfrm>
-          <a:prstGeom prst="rect">
-            <a:avLst/>
-          </a:prstGeom>
-          <a:solidFill>
-            <a:schemeClr val="accent1"/>
-          </a:solidFill>
-          <a:ln w="9525">
-            <a:solidFill>
-              <a:schemeClr val="tx1"/>
-            </a:solidFill>
-            <a:miter lim="800000"/>
-            <a:headEnd/>
-            <a:tailEnd/>
-          </a:ln>
-          <a:effectLst/>
-        </p:spPr>
-        <p:txBody>
-          <a:bodyPr wrap="none" lIns="91435" tIns="45718" rIns="91435" bIns="45718" anchor="ctr">
-            <a:prstTxWarp prst="textNoShape">
-              <a:avLst/>
-            </a:prstTxWarp>
-          </a:bodyPr>
-          <a:lstStyle/>
-          <a:p>
-            <a:endParaRPr lang="en-US"/>
-          </a:p>
-        </p:txBody>
-      </p:sp>
-      <p:sp>
-        <p:nvSpPr>
-          <p:cNvPr id="777246" name="Rectangle 30"/>
-          <p:cNvSpPr>
-            <a:spLocks noChangeArrowheads="1"/>
-          </p:cNvSpPr>
-          <p:nvPr/>
-        </p:nvSpPr>
-        <p:spPr bwMode="auto">
-          <a:xfrm>
-            <a:off x="3810001" y="5715000"/>
-            <a:ext cx="152400" cy="304800"/>
-          </a:xfrm>
-          <a:prstGeom prst="rect">
-            <a:avLst/>
-          </a:prstGeom>
-          <a:solidFill>
-            <a:schemeClr val="accent1"/>
-          </a:solidFill>
-          <a:ln w="9525">
-            <a:solidFill>
-              <a:schemeClr val="tx1"/>
-            </a:solidFill>
-            <a:miter lim="800000"/>
-            <a:headEnd/>
-            <a:tailEnd/>
-          </a:ln>
-          <a:effectLst/>
-        </p:spPr>
-        <p:txBody>
-          <a:bodyPr wrap="none" lIns="91435" tIns="45718" rIns="91435" bIns="45718" anchor="ctr">
-            <a:prstTxWarp prst="textNoShape">
-              <a:avLst/>
-            </a:prstTxWarp>
-          </a:bodyPr>
-          <a:lstStyle/>
-          <a:p>
-            <a:endParaRPr lang="en-US"/>
-          </a:p>
-        </p:txBody>
-      </p:sp>
-      <p:sp>
-        <p:nvSpPr>
-          <p:cNvPr id="777247" name="Rectangle 31"/>
-          <p:cNvSpPr>
-            <a:spLocks noChangeArrowheads="1"/>
-          </p:cNvSpPr>
-          <p:nvPr/>
-        </p:nvSpPr>
-        <p:spPr bwMode="auto">
-          <a:xfrm>
-            <a:off x="4038601" y="5715000"/>
-            <a:ext cx="152400" cy="304800"/>
-          </a:xfrm>
-          <a:prstGeom prst="rect">
-            <a:avLst/>
-          </a:prstGeom>
-          <a:solidFill>
-            <a:schemeClr val="accent1"/>
-          </a:solidFill>
-          <a:ln w="9525">
-            <a:solidFill>
-              <a:schemeClr val="tx1"/>
-            </a:solidFill>
-            <a:miter lim="800000"/>
-            <a:headEnd/>
-            <a:tailEnd/>
-          </a:ln>
-          <a:effectLst/>
-        </p:spPr>
-        <p:txBody>
-          <a:bodyPr wrap="none" lIns="91435" tIns="45718" rIns="91435" bIns="45718" anchor="ctr">
-            <a:prstTxWarp prst="textNoShape">
-              <a:avLst/>
-            </a:prstTxWarp>
-          </a:bodyPr>
-          <a:lstStyle/>
-          <a:p>
-            <a:endParaRPr lang="en-US"/>
-          </a:p>
-        </p:txBody>
-      </p:sp>
-      <p:sp>
-        <p:nvSpPr>
-          <p:cNvPr id="777248" name="Rectangle 32"/>
-          <p:cNvSpPr>
-            <a:spLocks noChangeArrowheads="1"/>
-          </p:cNvSpPr>
-          <p:nvPr/>
-        </p:nvSpPr>
-        <p:spPr bwMode="auto">
-          <a:xfrm>
-            <a:off x="4267201" y="5715000"/>
-            <a:ext cx="152400" cy="304800"/>
-          </a:xfrm>
-          <a:prstGeom prst="rect">
-            <a:avLst/>
-          </a:prstGeom>
-          <a:solidFill>
-            <a:schemeClr val="accent1"/>
-          </a:solidFill>
-          <a:ln w="9525">
-            <a:solidFill>
-              <a:schemeClr val="tx1"/>
-            </a:solidFill>
-            <a:miter lim="800000"/>
-            <a:headEnd/>
-            <a:tailEnd/>
-          </a:ln>
-          <a:effectLst/>
-        </p:spPr>
-        <p:txBody>
-          <a:bodyPr wrap="none" lIns="91435" tIns="45718" rIns="91435" bIns="45718" anchor="ctr">
-            <a:prstTxWarp prst="textNoShape">
-              <a:avLst/>
-            </a:prstTxWarp>
-          </a:bodyPr>
-          <a:lstStyle/>
-          <a:p>
-            <a:endParaRPr lang="en-US"/>
-          </a:p>
-        </p:txBody>
-      </p:sp>
-      <p:sp>
-        <p:nvSpPr>
-          <p:cNvPr id="777249" name="Rectangle 33"/>
-          <p:cNvSpPr>
-            <a:spLocks noChangeArrowheads="1"/>
-          </p:cNvSpPr>
-          <p:nvPr/>
-        </p:nvSpPr>
-        <p:spPr bwMode="auto">
-          <a:xfrm>
-            <a:off x="4495801" y="5715000"/>
-            <a:ext cx="152400" cy="304800"/>
-          </a:xfrm>
-          <a:prstGeom prst="rect">
-            <a:avLst/>
-          </a:prstGeom>
-          <a:solidFill>
-            <a:schemeClr val="accent1"/>
-          </a:solidFill>
-          <a:ln w="9525">
-            <a:solidFill>
-              <a:schemeClr val="tx1"/>
-            </a:solidFill>
-            <a:miter lim="800000"/>
-            <a:headEnd/>
-            <a:tailEnd/>
-          </a:ln>
-          <a:effectLst/>
-        </p:spPr>
-        <p:txBody>
-          <a:bodyPr wrap="none" lIns="91435" tIns="45718" rIns="91435" bIns="45718" anchor="ctr">
-            <a:prstTxWarp prst="textNoShape">
-              <a:avLst/>
-            </a:prstTxWarp>
-          </a:bodyPr>
-          <a:lstStyle/>
-          <a:p>
-            <a:endParaRPr lang="en-US"/>
-          </a:p>
-        </p:txBody>
-      </p:sp>
-      <p:sp>
-        <p:nvSpPr>
-          <p:cNvPr id="777250" name="Rectangle 34"/>
-          <p:cNvSpPr>
-            <a:spLocks noChangeArrowheads="1"/>
-          </p:cNvSpPr>
-          <p:nvPr/>
-        </p:nvSpPr>
-        <p:spPr bwMode="auto">
-          <a:xfrm>
-            <a:off x="4724401" y="5715000"/>
-            <a:ext cx="152400" cy="304800"/>
-          </a:xfrm>
-          <a:prstGeom prst="rect">
-            <a:avLst/>
-          </a:prstGeom>
-          <a:solidFill>
-            <a:schemeClr val="accent1"/>
-          </a:solidFill>
-          <a:ln w="9525">
-            <a:solidFill>
-              <a:schemeClr val="tx1"/>
-            </a:solidFill>
-            <a:miter lim="800000"/>
-            <a:headEnd/>
-            <a:tailEnd/>
-          </a:ln>
-          <a:effectLst/>
-        </p:spPr>
-        <p:txBody>
-          <a:bodyPr wrap="none" lIns="91435" tIns="45718" rIns="91435" bIns="45718" anchor="ctr">
-            <a:prstTxWarp prst="textNoShape">
-              <a:avLst/>
-            </a:prstTxWarp>
-          </a:bodyPr>
-          <a:lstStyle/>
-          <a:p>
-            <a:endParaRPr lang="en-US"/>
-          </a:p>
-        </p:txBody>
-      </p:sp>
-      <p:sp>
-        <p:nvSpPr>
-          <p:cNvPr id="777251" name="Rectangle 35"/>
-          <p:cNvSpPr>
-            <a:spLocks noChangeArrowheads="1"/>
-          </p:cNvSpPr>
-          <p:nvPr/>
-        </p:nvSpPr>
-        <p:spPr bwMode="auto">
-          <a:xfrm>
-            <a:off x="4953001" y="5715000"/>
-            <a:ext cx="152400" cy="304800"/>
-          </a:xfrm>
-          <a:prstGeom prst="rect">
-            <a:avLst/>
-          </a:prstGeom>
-          <a:solidFill>
-            <a:schemeClr val="accent1"/>
-          </a:solidFill>
-          <a:ln w="9525">
-            <a:solidFill>
-              <a:schemeClr val="tx1"/>
-            </a:solidFill>
-            <a:miter lim="800000"/>
-            <a:headEnd/>
-            <a:tailEnd/>
-          </a:ln>
-          <a:effectLst/>
-        </p:spPr>
-        <p:txBody>
-          <a:bodyPr wrap="none" lIns="91435" tIns="45718" rIns="91435" bIns="45718" anchor="ctr">
-            <a:prstTxWarp prst="textNoShape">
-              <a:avLst/>
-            </a:prstTxWarp>
-          </a:bodyPr>
-          <a:lstStyle/>
-          <a:p>
-            <a:endParaRPr lang="en-US"/>
-          </a:p>
-        </p:txBody>
-      </p:sp>
-      <p:sp>
-        <p:nvSpPr>
-          <p:cNvPr id="777252" name="Rectangle 36"/>
-          <p:cNvSpPr>
-            <a:spLocks noChangeArrowheads="1"/>
-          </p:cNvSpPr>
-          <p:nvPr/>
-        </p:nvSpPr>
-        <p:spPr bwMode="auto">
-          <a:xfrm>
-            <a:off x="5181600" y="5715000"/>
-            <a:ext cx="152400" cy="304800"/>
-          </a:xfrm>
-          <a:prstGeom prst="rect">
-            <a:avLst/>
-          </a:prstGeom>
-          <a:solidFill>
-            <a:schemeClr val="accent1"/>
-          </a:solidFill>
-          <a:ln w="9525">
-            <a:solidFill>
-              <a:schemeClr val="tx1"/>
-            </a:solidFill>
-            <a:miter lim="800000"/>
-            <a:headEnd/>
-            <a:tailEnd/>
-          </a:ln>
-          <a:effectLst/>
-        </p:spPr>
-        <p:txBody>
-          <a:bodyPr wrap="none" lIns="91435" tIns="45718" rIns="91435" bIns="45718" anchor="ctr">
-            <a:prstTxWarp prst="textNoShape">
-              <a:avLst/>
-            </a:prstTxWarp>
-          </a:bodyPr>
-          <a:lstStyle/>
-          <a:p>
-            <a:endParaRPr lang="en-US"/>
-          </a:p>
-        </p:txBody>
-      </p:sp>
-      <p:sp>
-        <p:nvSpPr>
-          <p:cNvPr id="777253" name="Rectangle 37"/>
-          <p:cNvSpPr>
-            <a:spLocks noChangeArrowheads="1"/>
-          </p:cNvSpPr>
-          <p:nvPr/>
-        </p:nvSpPr>
-        <p:spPr bwMode="auto">
-          <a:xfrm>
-            <a:off x="5410201" y="5715000"/>
-            <a:ext cx="152400" cy="304800"/>
-          </a:xfrm>
-          <a:prstGeom prst="rect">
-            <a:avLst/>
-          </a:prstGeom>
-          <a:solidFill>
-            <a:schemeClr val="accent1"/>
-          </a:solidFill>
-          <a:ln w="9525">
-            <a:solidFill>
-              <a:schemeClr val="tx1"/>
-            </a:solidFill>
-            <a:miter lim="800000"/>
-            <a:headEnd/>
-            <a:tailEnd/>
-          </a:ln>
-          <a:effectLst/>
-        </p:spPr>
-        <p:txBody>
-          <a:bodyPr wrap="none" lIns="91435" tIns="45718" rIns="91435" bIns="45718" anchor="ctr">
-            <a:prstTxWarp prst="textNoShape">
-              <a:avLst/>
-            </a:prstTxWarp>
-          </a:bodyPr>
-          <a:lstStyle/>
-          <a:p>
-            <a:endParaRPr lang="en-US"/>
-          </a:p>
-        </p:txBody>
-      </p:sp>
-      <p:sp>
-        <p:nvSpPr>
-          <p:cNvPr id="777254" name="Rectangle 38"/>
-          <p:cNvSpPr>
-            <a:spLocks noChangeArrowheads="1"/>
-          </p:cNvSpPr>
-          <p:nvPr/>
-        </p:nvSpPr>
-        <p:spPr bwMode="auto">
-          <a:xfrm>
-            <a:off x="3810000" y="4724400"/>
-            <a:ext cx="4648200" cy="304800"/>
-          </a:xfrm>
-          <a:prstGeom prst="rect">
-            <a:avLst/>
-          </a:prstGeom>
-          <a:solidFill>
-            <a:schemeClr val="bg1"/>
-          </a:solidFill>
-          <a:ln w="9525">
-            <a:solidFill>
-              <a:schemeClr val="tx1"/>
-            </a:solidFill>
-            <a:prstDash val="dash"/>
-            <a:miter lim="800000"/>
-            <a:headEnd/>
-            <a:tailEnd/>
-          </a:ln>
-          <a:effectLst/>
-        </p:spPr>
-        <p:txBody>
-          <a:bodyPr wrap="none" lIns="91435" tIns="45718" rIns="91435" bIns="45718" anchor="ctr">
-            <a:prstTxWarp prst="textNoShape">
-              <a:avLst/>
-            </a:prstTxWarp>
-          </a:bodyPr>
-          <a:lstStyle/>
-          <a:p>
-            <a:pPr algn="ctr"/>
-            <a:r>
-              <a:rPr lang="en-US" sz="1600" dirty="0">
-                <a:latin typeface="Arial" charset="0"/>
-              </a:rPr>
-              <a:t>Java Bindings for SAGA</a:t>
-            </a:r>
-          </a:p>
-        </p:txBody>
-      </p:sp>
-      <p:sp>
-        <p:nvSpPr>
-          <p:cNvPr id="777275" name="Line 59"/>
-          <p:cNvSpPr>
-            <a:spLocks noChangeShapeType="1"/>
-          </p:cNvSpPr>
-          <p:nvPr/>
-        </p:nvSpPr>
-        <p:spPr bwMode="auto">
-          <a:xfrm>
-            <a:off x="3733800" y="2514600"/>
-            <a:ext cx="914400" cy="2819400"/>
-          </a:xfrm>
-          <a:prstGeom prst="line">
-            <a:avLst/>
-          </a:prstGeom>
-          <a:noFill/>
-          <a:ln w="19050">
-            <a:solidFill>
-              <a:schemeClr val="tx1"/>
-            </a:solidFill>
-            <a:prstDash val="dash"/>
-            <a:round/>
-            <a:headEnd/>
-            <a:tailEnd type="arrow" w="lg" len="lg"/>
-          </a:ln>
-          <a:effectLst/>
-        </p:spPr>
-        <p:txBody>
-          <a:bodyPr lIns="91435" tIns="45718" rIns="91435" bIns="45718">
-            <a:prstTxWarp prst="textNoShape">
-              <a:avLst/>
-            </a:prstTxWarp>
-          </a:bodyPr>
-          <a:lstStyle/>
-          <a:p>
-            <a:endParaRPr lang="en-US"/>
-          </a:p>
-        </p:txBody>
-      </p:sp>
-      <p:sp>
-        <p:nvSpPr>
-          <p:cNvPr id="777276" name="Line 60"/>
-          <p:cNvSpPr>
-            <a:spLocks noChangeShapeType="1"/>
-          </p:cNvSpPr>
-          <p:nvPr/>
-        </p:nvSpPr>
-        <p:spPr bwMode="auto">
-          <a:xfrm>
-            <a:off x="3810001" y="2514600"/>
-            <a:ext cx="3124200" cy="2819400"/>
-          </a:xfrm>
-          <a:prstGeom prst="line">
-            <a:avLst/>
-          </a:prstGeom>
-          <a:noFill/>
-          <a:ln w="19050">
-            <a:solidFill>
-              <a:schemeClr val="tx1"/>
-            </a:solidFill>
-            <a:prstDash val="dash"/>
-            <a:round/>
-            <a:headEnd/>
-            <a:tailEnd type="arrow" w="lg" len="lg"/>
-          </a:ln>
-          <a:effectLst/>
-        </p:spPr>
-        <p:txBody>
-          <a:bodyPr lIns="91435" tIns="45718" rIns="91435" bIns="45718">
-            <a:prstTxWarp prst="textNoShape">
-              <a:avLst/>
-            </a:prstTxWarp>
-          </a:bodyPr>
-          <a:lstStyle/>
-          <a:p>
-            <a:endParaRPr lang="en-US"/>
-          </a:p>
-        </p:txBody>
-      </p:sp>
-      <p:sp>
-        <p:nvSpPr>
-          <p:cNvPr id="777218" name="Rectangle 2"/>
-          <p:cNvSpPr>
-            <a:spLocks noGrp="1" noChangeArrowheads="1"/>
-          </p:cNvSpPr>
-          <p:nvPr>
-            <p:ph type="title"/>
-          </p:nvPr>
-        </p:nvSpPr>
-        <p:spPr>
-          <a:xfrm>
-            <a:off x="990600" y="304800"/>
-            <a:ext cx="7010400" cy="609600"/>
-          </a:xfrm>
-        </p:spPr>
-        <p:txBody>
-          <a:bodyPr/>
-          <a:lstStyle/>
-          <a:p>
-            <a:r>
-              <a:rPr lang="en-US" u="sng"/>
-              <a:t>J</a:t>
-            </a:r>
-            <a:r>
-              <a:rPr lang="en-US"/>
-              <a:t>ava-based </a:t>
-            </a:r>
-            <a:r>
-              <a:rPr lang="en-US" u="sng"/>
-              <a:t>Py</a:t>
-            </a:r>
-            <a:r>
-              <a:rPr lang="en-US"/>
-              <a:t>thon </a:t>
-            </a:r>
-            <a:r>
-              <a:rPr lang="en-US" u="sng"/>
-              <a:t>SAGA</a:t>
-            </a:r>
-            <a:r>
-              <a:rPr lang="en-US"/>
-              <a:t> wrapper</a:t>
-            </a:r>
-            <a:endParaRPr lang="fr-FR"/>
-          </a:p>
-        </p:txBody>
-      </p:sp>
-      <p:sp>
-        <p:nvSpPr>
-          <p:cNvPr id="777226" name="Rectangle 10"/>
-          <p:cNvSpPr>
-            <a:spLocks noChangeArrowheads="1"/>
-          </p:cNvSpPr>
-          <p:nvPr/>
-        </p:nvSpPr>
-        <p:spPr bwMode="auto">
-          <a:xfrm>
-            <a:off x="685800" y="5105401"/>
-            <a:ext cx="1752600" cy="533400"/>
-          </a:xfrm>
-          <a:prstGeom prst="rect">
-            <a:avLst/>
-          </a:prstGeom>
-          <a:solidFill>
-            <a:schemeClr val="accent1"/>
-          </a:solidFill>
-          <a:ln w="9525">
-            <a:solidFill>
-              <a:schemeClr val="tx1"/>
-            </a:solidFill>
-            <a:miter lim="800000"/>
-            <a:headEnd/>
-            <a:tailEnd/>
-          </a:ln>
-          <a:effectLst/>
-        </p:spPr>
-        <p:txBody>
-          <a:bodyPr wrap="none" lIns="91435" tIns="45718" rIns="91435" bIns="45718" anchor="ctr">
-            <a:prstTxWarp prst="textNoShape">
-              <a:avLst/>
-            </a:prstTxWarp>
-          </a:bodyPr>
-          <a:lstStyle/>
-          <a:p>
-            <a:pPr algn="ctr"/>
-            <a:r>
-              <a:rPr lang="fr-FR" dirty="0">
-                <a:latin typeface="Arial" charset="0"/>
-              </a:rPr>
-              <a:t>SAGA-C++</a:t>
-            </a:r>
-          </a:p>
-        </p:txBody>
-      </p:sp>
-      <p:sp>
-        <p:nvSpPr>
-          <p:cNvPr id="777229" name="Rectangle 13"/>
-          <p:cNvSpPr>
-            <a:spLocks noChangeArrowheads="1"/>
-          </p:cNvSpPr>
-          <p:nvPr/>
-        </p:nvSpPr>
-        <p:spPr bwMode="auto">
-          <a:xfrm>
-            <a:off x="685800" y="5715000"/>
-            <a:ext cx="152400" cy="304800"/>
-          </a:xfrm>
-          <a:prstGeom prst="rect">
-            <a:avLst/>
-          </a:prstGeom>
-          <a:solidFill>
-            <a:schemeClr val="accent1"/>
-          </a:solidFill>
-          <a:ln w="9525">
-            <a:solidFill>
-              <a:schemeClr val="tx1"/>
-            </a:solidFill>
-            <a:miter lim="800000"/>
-            <a:headEnd/>
-            <a:tailEnd/>
-          </a:ln>
-          <a:effectLst/>
-        </p:spPr>
-        <p:txBody>
-          <a:bodyPr wrap="none" lIns="91435" tIns="45718" rIns="91435" bIns="45718" anchor="ctr">
-            <a:prstTxWarp prst="textNoShape">
-              <a:avLst/>
-            </a:prstTxWarp>
-          </a:bodyPr>
-          <a:lstStyle/>
-          <a:p>
-            <a:endParaRPr lang="en-US"/>
-          </a:p>
-        </p:txBody>
-      </p:sp>
-      <p:sp>
-        <p:nvSpPr>
-          <p:cNvPr id="777230" name="Rectangle 14"/>
-          <p:cNvSpPr>
-            <a:spLocks noChangeArrowheads="1"/>
-          </p:cNvSpPr>
-          <p:nvPr/>
-        </p:nvSpPr>
-        <p:spPr bwMode="auto">
-          <a:xfrm>
-            <a:off x="914400" y="5715000"/>
-            <a:ext cx="152400" cy="304800"/>
-          </a:xfrm>
-          <a:prstGeom prst="rect">
-            <a:avLst/>
-          </a:prstGeom>
-          <a:solidFill>
-            <a:schemeClr val="accent1"/>
-          </a:solidFill>
-          <a:ln w="9525">
-            <a:solidFill>
-              <a:schemeClr val="tx1"/>
-            </a:solidFill>
-            <a:miter lim="800000"/>
-            <a:headEnd/>
-            <a:tailEnd/>
-          </a:ln>
-          <a:effectLst/>
-        </p:spPr>
-        <p:txBody>
-          <a:bodyPr wrap="none" lIns="91435" tIns="45718" rIns="91435" bIns="45718" anchor="ctr">
-            <a:prstTxWarp prst="textNoShape">
-              <a:avLst/>
-            </a:prstTxWarp>
-          </a:bodyPr>
-          <a:lstStyle/>
-          <a:p>
-            <a:endParaRPr lang="en-US"/>
-          </a:p>
-        </p:txBody>
-      </p:sp>
-      <p:sp>
-        <p:nvSpPr>
-          <p:cNvPr id="777231" name="Rectangle 15"/>
-          <p:cNvSpPr>
-            <a:spLocks noChangeArrowheads="1"/>
-          </p:cNvSpPr>
-          <p:nvPr/>
-        </p:nvSpPr>
-        <p:spPr bwMode="auto">
-          <a:xfrm>
-            <a:off x="1143000" y="5715000"/>
-            <a:ext cx="152400" cy="304800"/>
-          </a:xfrm>
-          <a:prstGeom prst="rect">
-            <a:avLst/>
-          </a:prstGeom>
-          <a:solidFill>
-            <a:schemeClr val="accent1"/>
-          </a:solidFill>
-          <a:ln w="9525">
-            <a:solidFill>
-              <a:schemeClr val="tx1"/>
-            </a:solidFill>
-            <a:miter lim="800000"/>
-            <a:headEnd/>
-            <a:tailEnd/>
-          </a:ln>
-          <a:effectLst/>
-        </p:spPr>
-        <p:txBody>
-          <a:bodyPr wrap="none" lIns="91435" tIns="45718" rIns="91435" bIns="45718" anchor="ctr">
-            <a:prstTxWarp prst="textNoShape">
-              <a:avLst/>
-            </a:prstTxWarp>
-          </a:bodyPr>
-          <a:lstStyle/>
-          <a:p>
-            <a:endParaRPr lang="en-US"/>
-          </a:p>
-        </p:txBody>
-      </p:sp>
-      <p:sp>
-        <p:nvSpPr>
-          <p:cNvPr id="777232" name="Rectangle 16"/>
-          <p:cNvSpPr>
-            <a:spLocks noChangeArrowheads="1"/>
-          </p:cNvSpPr>
-          <p:nvPr/>
-        </p:nvSpPr>
-        <p:spPr bwMode="auto">
-          <a:xfrm>
-            <a:off x="1371600" y="5715000"/>
-            <a:ext cx="152400" cy="304800"/>
-          </a:xfrm>
-          <a:prstGeom prst="rect">
-            <a:avLst/>
-          </a:prstGeom>
-          <a:solidFill>
-            <a:schemeClr val="accent1"/>
-          </a:solidFill>
-          <a:ln w="9525">
-            <a:solidFill>
-              <a:schemeClr val="tx1"/>
-            </a:solidFill>
-            <a:miter lim="800000"/>
-            <a:headEnd/>
-            <a:tailEnd/>
-          </a:ln>
-          <a:effectLst/>
-        </p:spPr>
-        <p:txBody>
-          <a:bodyPr wrap="none" lIns="91435" tIns="45718" rIns="91435" bIns="45718" anchor="ctr">
-            <a:prstTxWarp prst="textNoShape">
-              <a:avLst/>
-            </a:prstTxWarp>
-          </a:bodyPr>
-          <a:lstStyle/>
-          <a:p>
-            <a:endParaRPr lang="en-US"/>
-          </a:p>
-        </p:txBody>
-      </p:sp>
-      <p:sp>
-        <p:nvSpPr>
-          <p:cNvPr id="777233" name="Rectangle 17"/>
-          <p:cNvSpPr>
-            <a:spLocks noChangeArrowheads="1"/>
-          </p:cNvSpPr>
-          <p:nvPr/>
-        </p:nvSpPr>
-        <p:spPr bwMode="auto">
-          <a:xfrm>
-            <a:off x="1600200" y="5715000"/>
-            <a:ext cx="152400" cy="304800"/>
-          </a:xfrm>
-          <a:prstGeom prst="rect">
-            <a:avLst/>
-          </a:prstGeom>
-          <a:solidFill>
-            <a:schemeClr val="accent1"/>
-          </a:solidFill>
-          <a:ln w="9525">
-            <a:solidFill>
-              <a:schemeClr val="tx1"/>
-            </a:solidFill>
-            <a:miter lim="800000"/>
-            <a:headEnd/>
-            <a:tailEnd/>
-          </a:ln>
-          <a:effectLst/>
-        </p:spPr>
-        <p:txBody>
-          <a:bodyPr wrap="none" lIns="91435" tIns="45718" rIns="91435" bIns="45718" anchor="ctr">
-            <a:prstTxWarp prst="textNoShape">
-              <a:avLst/>
-            </a:prstTxWarp>
-          </a:bodyPr>
-          <a:lstStyle/>
-          <a:p>
-            <a:endParaRPr lang="en-US"/>
-          </a:p>
-        </p:txBody>
-      </p:sp>
-      <p:sp>
-        <p:nvSpPr>
-          <p:cNvPr id="777234" name="Rectangle 18"/>
-          <p:cNvSpPr>
-            <a:spLocks noChangeArrowheads="1"/>
-          </p:cNvSpPr>
-          <p:nvPr/>
-        </p:nvSpPr>
-        <p:spPr bwMode="auto">
-          <a:xfrm>
-            <a:off x="1828800" y="5715000"/>
-            <a:ext cx="152400" cy="304800"/>
-          </a:xfrm>
-          <a:prstGeom prst="rect">
-            <a:avLst/>
-          </a:prstGeom>
-          <a:solidFill>
-            <a:schemeClr val="accent1"/>
-          </a:solidFill>
-          <a:ln w="9525">
-            <a:solidFill>
-              <a:schemeClr val="tx1"/>
-            </a:solidFill>
-            <a:miter lim="800000"/>
-            <a:headEnd/>
-            <a:tailEnd/>
-          </a:ln>
-          <a:effectLst/>
-        </p:spPr>
-        <p:txBody>
-          <a:bodyPr wrap="none" lIns="91435" tIns="45718" rIns="91435" bIns="45718" anchor="ctr">
-            <a:prstTxWarp prst="textNoShape">
-              <a:avLst/>
-            </a:prstTxWarp>
-          </a:bodyPr>
-          <a:lstStyle/>
-          <a:p>
-            <a:endParaRPr lang="en-US"/>
-          </a:p>
-        </p:txBody>
-      </p:sp>
-      <p:sp>
-        <p:nvSpPr>
-          <p:cNvPr id="777235" name="Rectangle 19"/>
-          <p:cNvSpPr>
-            <a:spLocks noChangeArrowheads="1"/>
-          </p:cNvSpPr>
-          <p:nvPr/>
-        </p:nvSpPr>
-        <p:spPr bwMode="auto">
-          <a:xfrm>
-            <a:off x="2057400" y="5715000"/>
-            <a:ext cx="152400" cy="304800"/>
-          </a:xfrm>
-          <a:prstGeom prst="rect">
-            <a:avLst/>
-          </a:prstGeom>
-          <a:solidFill>
-            <a:schemeClr val="accent1"/>
-          </a:solidFill>
-          <a:ln w="9525">
-            <a:solidFill>
-              <a:schemeClr val="tx1"/>
-            </a:solidFill>
-            <a:miter lim="800000"/>
-            <a:headEnd/>
-            <a:tailEnd/>
-          </a:ln>
-          <a:effectLst/>
-        </p:spPr>
-        <p:txBody>
-          <a:bodyPr wrap="none" lIns="91435" tIns="45718" rIns="91435" bIns="45718" anchor="ctr">
-            <a:prstTxWarp prst="textNoShape">
-              <a:avLst/>
-            </a:prstTxWarp>
-          </a:bodyPr>
-          <a:lstStyle/>
-          <a:p>
-            <a:endParaRPr lang="en-US"/>
-          </a:p>
-        </p:txBody>
-      </p:sp>
-      <p:sp>
-        <p:nvSpPr>
-          <p:cNvPr id="777236" name="Rectangle 20"/>
-          <p:cNvSpPr>
-            <a:spLocks noChangeArrowheads="1"/>
-          </p:cNvSpPr>
-          <p:nvPr/>
-        </p:nvSpPr>
-        <p:spPr bwMode="auto">
-          <a:xfrm>
-            <a:off x="2286000" y="5715000"/>
-            <a:ext cx="152400" cy="304800"/>
-          </a:xfrm>
-          <a:prstGeom prst="rect">
-            <a:avLst/>
-          </a:prstGeom>
-          <a:solidFill>
-            <a:schemeClr val="accent1"/>
-          </a:solidFill>
-          <a:ln w="9525">
-            <a:solidFill>
-              <a:schemeClr val="tx1"/>
-            </a:solidFill>
-            <a:miter lim="800000"/>
-            <a:headEnd/>
-            <a:tailEnd/>
-          </a:ln>
-          <a:effectLst/>
-        </p:spPr>
-        <p:txBody>
-          <a:bodyPr wrap="none" lIns="91435" tIns="45718" rIns="91435" bIns="45718" anchor="ctr">
-            <a:prstTxWarp prst="textNoShape">
-              <a:avLst/>
-            </a:prstTxWarp>
-          </a:bodyPr>
-          <a:lstStyle/>
-          <a:p>
-            <a:endParaRPr lang="en-US"/>
-          </a:p>
-        </p:txBody>
-      </p:sp>
-      <p:sp>
-        <p:nvSpPr>
-          <p:cNvPr id="777255" name="Rectangle 39"/>
-          <p:cNvSpPr>
-            <a:spLocks noChangeArrowheads="1"/>
-          </p:cNvSpPr>
-          <p:nvPr/>
-        </p:nvSpPr>
-        <p:spPr bwMode="auto">
-          <a:xfrm>
-            <a:off x="685800" y="4724400"/>
-            <a:ext cx="1752600" cy="304800"/>
-          </a:xfrm>
-          <a:prstGeom prst="rect">
-            <a:avLst/>
-          </a:prstGeom>
-          <a:noFill/>
-          <a:ln w="9525">
-            <a:solidFill>
-              <a:schemeClr val="tx1"/>
-            </a:solidFill>
-            <a:prstDash val="dash"/>
-            <a:miter lim="800000"/>
-            <a:headEnd/>
-            <a:tailEnd/>
-          </a:ln>
-          <a:effectLst/>
-        </p:spPr>
-        <p:txBody>
-          <a:bodyPr wrap="none" lIns="91435" tIns="45718" rIns="91435" bIns="45718" anchor="ctr">
-            <a:prstTxWarp prst="textNoShape">
-              <a:avLst/>
-            </a:prstTxWarp>
-          </a:bodyPr>
-          <a:lstStyle/>
-          <a:p>
-            <a:pPr algn="ctr"/>
-            <a:r>
-              <a:rPr lang="en-US" sz="1600" dirty="0">
-                <a:latin typeface="Arial" charset="0"/>
-              </a:rPr>
-              <a:t>C++ Bindings for SAGA</a:t>
-            </a:r>
-          </a:p>
-        </p:txBody>
-      </p:sp>
-      <p:sp>
-        <p:nvSpPr>
-          <p:cNvPr id="777256" name="Rectangle 40"/>
-          <p:cNvSpPr>
-            <a:spLocks noChangeArrowheads="1"/>
-          </p:cNvSpPr>
-          <p:nvPr/>
-        </p:nvSpPr>
-        <p:spPr bwMode="auto">
-          <a:xfrm>
-            <a:off x="6705600" y="3429000"/>
-            <a:ext cx="1752600" cy="1066800"/>
-          </a:xfrm>
-          <a:prstGeom prst="rect">
-            <a:avLst/>
-          </a:prstGeom>
-          <a:solidFill>
-            <a:schemeClr val="accent1"/>
-          </a:solidFill>
-          <a:ln w="9525">
-            <a:solidFill>
-              <a:schemeClr val="tx1"/>
-            </a:solidFill>
-            <a:miter lim="800000"/>
-            <a:headEnd/>
-            <a:tailEnd/>
-          </a:ln>
-          <a:effectLst/>
-        </p:spPr>
-        <p:txBody>
-          <a:bodyPr wrap="none" lIns="91435" tIns="45718" rIns="91435" bIns="45718" anchor="ctr">
-            <a:prstTxWarp prst="textNoShape">
-              <a:avLst/>
-            </a:prstTxWarp>
-          </a:bodyPr>
-          <a:lstStyle/>
-          <a:p>
-            <a:pPr algn="ctr"/>
-            <a:r>
-              <a:rPr lang="en-US" dirty="0" err="1">
-                <a:latin typeface="Arial" charset="0"/>
-              </a:rPr>
-              <a:t>JySAGA</a:t>
-            </a:r>
-            <a:endParaRPr lang="en-US" dirty="0">
-              <a:latin typeface="Arial" charset="0"/>
-            </a:endParaRPr>
-          </a:p>
-        </p:txBody>
-      </p:sp>
-      <p:sp>
-        <p:nvSpPr>
-          <p:cNvPr id="777261" name="Line 45"/>
-          <p:cNvSpPr>
-            <a:spLocks noChangeShapeType="1"/>
-          </p:cNvSpPr>
-          <p:nvPr/>
-        </p:nvSpPr>
-        <p:spPr bwMode="auto">
-          <a:xfrm flipH="1">
-            <a:off x="5334000" y="2514600"/>
-            <a:ext cx="2743200" cy="2819400"/>
-          </a:xfrm>
-          <a:prstGeom prst="line">
-            <a:avLst/>
-          </a:prstGeom>
-          <a:noFill/>
-          <a:ln w="19050">
-            <a:solidFill>
-              <a:schemeClr val="tx1"/>
-            </a:solidFill>
-            <a:round/>
-            <a:headEnd/>
-            <a:tailEnd type="arrow" w="lg" len="lg"/>
-          </a:ln>
-          <a:effectLst/>
-        </p:spPr>
-        <p:txBody>
-          <a:bodyPr lIns="91435" tIns="45718" rIns="91435" bIns="45718">
-            <a:prstTxWarp prst="textNoShape">
-              <a:avLst/>
-            </a:prstTxWarp>
-          </a:bodyPr>
-          <a:lstStyle/>
-          <a:p>
-            <a:endParaRPr lang="en-US"/>
-          </a:p>
-        </p:txBody>
-      </p:sp>
-      <p:sp>
-        <p:nvSpPr>
-          <p:cNvPr id="777262" name="Line 46"/>
-          <p:cNvSpPr>
-            <a:spLocks noChangeShapeType="1"/>
-          </p:cNvSpPr>
-          <p:nvPr/>
-        </p:nvSpPr>
-        <p:spPr bwMode="auto">
-          <a:xfrm flipH="1">
-            <a:off x="7620001" y="2514600"/>
-            <a:ext cx="533400" cy="2819400"/>
-          </a:xfrm>
-          <a:prstGeom prst="line">
-            <a:avLst/>
-          </a:prstGeom>
-          <a:noFill/>
-          <a:ln w="19050">
-            <a:solidFill>
-              <a:schemeClr val="tx1"/>
-            </a:solidFill>
-            <a:round/>
-            <a:headEnd/>
-            <a:tailEnd type="arrow" w="lg" len="lg"/>
-          </a:ln>
-          <a:effectLst/>
-        </p:spPr>
-        <p:txBody>
-          <a:bodyPr lIns="91435" tIns="45718" rIns="91435" bIns="45718">
-            <a:prstTxWarp prst="textNoShape">
-              <a:avLst/>
-            </a:prstTxWarp>
-          </a:bodyPr>
-          <a:lstStyle/>
-          <a:p>
-            <a:endParaRPr lang="en-US"/>
-          </a:p>
-        </p:txBody>
-      </p:sp>
-      <p:grpSp>
-        <p:nvGrpSpPr>
-          <p:cNvPr id="3" name="Group 66"/>
-          <p:cNvGrpSpPr>
-            <a:grpSpLocks/>
-          </p:cNvGrpSpPr>
-          <p:nvPr/>
-        </p:nvGrpSpPr>
-        <p:grpSpPr bwMode="auto">
-          <a:xfrm>
-            <a:off x="6934200" y="2209803"/>
-            <a:ext cx="2057400" cy="338138"/>
-            <a:chOff x="4368" y="1392"/>
-            <a:chExt cx="1296" cy="213"/>
-          </a:xfrm>
-        </p:grpSpPr>
-        <p:sp>
-          <p:nvSpPr>
-            <p:cNvPr id="777220" name="Oval 4"/>
-            <p:cNvSpPr>
-              <a:spLocks noChangeArrowheads="1"/>
-            </p:cNvSpPr>
-            <p:nvPr/>
-          </p:nvSpPr>
-          <p:spPr bwMode="auto">
-            <a:xfrm>
-              <a:off x="4368" y="1392"/>
-              <a:ext cx="1296" cy="192"/>
-            </a:xfrm>
-            <a:prstGeom prst="ellipse">
-              <a:avLst/>
-            </a:prstGeom>
-            <a:solidFill>
-              <a:schemeClr val="accent1"/>
-            </a:solidFill>
-            <a:ln w="9525">
-              <a:solidFill>
-                <a:schemeClr val="tx1"/>
-              </a:solidFill>
-              <a:round/>
-              <a:headEnd/>
-              <a:tailEnd/>
-            </a:ln>
-            <a:effectLst/>
-          </p:spPr>
-          <p:txBody>
-            <a:bodyPr wrap="none" anchor="ctr">
-              <a:prstTxWarp prst="textNoShape">
-                <a:avLst/>
-              </a:prstTxWarp>
-            </a:bodyPr>
-            <a:lstStyle/>
-            <a:p>
-              <a:endParaRPr lang="en-US"/>
-            </a:p>
-          </p:txBody>
-        </p:sp>
-        <p:sp>
-          <p:nvSpPr>
-            <p:cNvPr id="777264" name="Text Box 48"/>
-            <p:cNvSpPr txBox="1">
-              <a:spLocks noChangeArrowheads="1"/>
-            </p:cNvSpPr>
-            <p:nvPr/>
-          </p:nvSpPr>
-          <p:spPr bwMode="auto">
-            <a:xfrm>
-              <a:off x="4464" y="1392"/>
-              <a:ext cx="1129" cy="213"/>
-            </a:xfrm>
-            <a:prstGeom prst="rect">
-              <a:avLst/>
-            </a:prstGeom>
-            <a:noFill/>
-            <a:ln w="9525">
-              <a:noFill/>
-              <a:miter lim="800000"/>
-              <a:headEnd/>
-              <a:tailEnd/>
-            </a:ln>
-            <a:effectLst/>
-          </p:spPr>
-          <p:txBody>
-            <a:bodyPr wrap="none">
-              <a:prstTxWarp prst="textNoShape">
-                <a:avLst/>
-              </a:prstTxWarp>
-              <a:spAutoFit/>
-            </a:bodyPr>
-            <a:lstStyle/>
-            <a:p>
-              <a:r>
-                <a:rPr lang="en-US" sz="1600" dirty="0">
-                  <a:latin typeface="Arial" charset="0"/>
-                </a:rPr>
-                <a:t>a user application</a:t>
-              </a:r>
-            </a:p>
-          </p:txBody>
-        </p:sp>
-      </p:grpSp>
-      <p:grpSp>
-        <p:nvGrpSpPr>
-          <p:cNvPr id="4" name="Group 69"/>
-          <p:cNvGrpSpPr>
-            <a:grpSpLocks/>
-          </p:cNvGrpSpPr>
-          <p:nvPr/>
-        </p:nvGrpSpPr>
-        <p:grpSpPr bwMode="auto">
-          <a:xfrm>
-            <a:off x="685800" y="3429000"/>
-            <a:ext cx="1752600" cy="1066800"/>
-            <a:chOff x="432" y="2160"/>
-            <a:chExt cx="1104" cy="672"/>
-          </a:xfrm>
-        </p:grpSpPr>
-        <p:sp>
-          <p:nvSpPr>
-            <p:cNvPr id="777257" name="Rectangle 41"/>
-            <p:cNvSpPr>
-              <a:spLocks noChangeArrowheads="1"/>
-            </p:cNvSpPr>
-            <p:nvPr/>
-          </p:nvSpPr>
-          <p:spPr bwMode="auto">
-            <a:xfrm>
-              <a:off x="432" y="2400"/>
-              <a:ext cx="1104" cy="192"/>
-            </a:xfrm>
-            <a:prstGeom prst="rect">
-              <a:avLst/>
-            </a:prstGeom>
-            <a:solidFill>
-              <a:schemeClr val="bg1"/>
-            </a:solidFill>
-            <a:ln w="9525">
-              <a:solidFill>
-                <a:schemeClr val="tx1"/>
-              </a:solidFill>
-              <a:prstDash val="dash"/>
-              <a:miter lim="800000"/>
-              <a:headEnd/>
-              <a:tailEnd/>
-            </a:ln>
-            <a:effectLst/>
-          </p:spPr>
-          <p:txBody>
-            <a:bodyPr wrap="none" anchor="ctr">
-              <a:prstTxWarp prst="textNoShape">
-                <a:avLst/>
-              </a:prstTxWarp>
-            </a:bodyPr>
-            <a:lstStyle/>
-            <a:p>
-              <a:pPr algn="ctr"/>
-              <a:r>
-                <a:rPr lang="en-US" sz="1600" dirty="0">
-                  <a:latin typeface="Arial" charset="0"/>
-                </a:rPr>
-                <a:t>legacy python bind.</a:t>
-              </a:r>
-            </a:p>
-          </p:txBody>
-        </p:sp>
-        <p:sp>
-          <p:nvSpPr>
-            <p:cNvPr id="777258" name="Rectangle 42"/>
-            <p:cNvSpPr>
-              <a:spLocks noChangeArrowheads="1"/>
-            </p:cNvSpPr>
-            <p:nvPr/>
-          </p:nvSpPr>
-          <p:spPr bwMode="auto">
-            <a:xfrm>
-              <a:off x="432" y="2640"/>
-              <a:ext cx="1104" cy="192"/>
-            </a:xfrm>
-            <a:prstGeom prst="rect">
-              <a:avLst/>
-            </a:prstGeom>
-            <a:solidFill>
-              <a:schemeClr val="accent1"/>
-            </a:solidFill>
-            <a:ln w="9525">
-              <a:solidFill>
-                <a:schemeClr val="tx1"/>
-              </a:solidFill>
-              <a:miter lim="800000"/>
-              <a:headEnd/>
-              <a:tailEnd/>
-            </a:ln>
-            <a:effectLst/>
-          </p:spPr>
-          <p:txBody>
-            <a:bodyPr wrap="none" anchor="ctr">
-              <a:prstTxWarp prst="textNoShape">
-                <a:avLst/>
-              </a:prstTxWarp>
-            </a:bodyPr>
-            <a:lstStyle/>
-            <a:p>
-              <a:pPr algn="ctr"/>
-              <a:r>
-                <a:rPr lang="en-US" dirty="0">
-                  <a:latin typeface="Arial" charset="0"/>
-                </a:rPr>
-                <a:t>Boost wrapper</a:t>
-              </a:r>
-            </a:p>
-          </p:txBody>
-        </p:sp>
-        <p:sp>
-          <p:nvSpPr>
-            <p:cNvPr id="777266" name="Rectangle 50"/>
-            <p:cNvSpPr>
-              <a:spLocks noChangeArrowheads="1"/>
-            </p:cNvSpPr>
-            <p:nvPr/>
-          </p:nvSpPr>
-          <p:spPr bwMode="auto">
-            <a:xfrm>
-              <a:off x="432" y="2160"/>
-              <a:ext cx="1104" cy="192"/>
-            </a:xfrm>
-            <a:prstGeom prst="rect">
-              <a:avLst/>
-            </a:prstGeom>
-            <a:solidFill>
-              <a:schemeClr val="accent1"/>
-            </a:solidFill>
-            <a:ln w="9525">
-              <a:solidFill>
-                <a:schemeClr val="tx1"/>
-              </a:solidFill>
-              <a:miter lim="800000"/>
-              <a:headEnd/>
-              <a:tailEnd/>
-            </a:ln>
-            <a:effectLst/>
-          </p:spPr>
-          <p:txBody>
-            <a:bodyPr wrap="none" anchor="ctr">
-              <a:prstTxWarp prst="textNoShape">
-                <a:avLst/>
-              </a:prstTxWarp>
-            </a:bodyPr>
-            <a:lstStyle/>
-            <a:p>
-              <a:pPr algn="ctr"/>
-              <a:r>
-                <a:rPr lang="en-US" dirty="0">
-                  <a:latin typeface="Arial" charset="0"/>
-                </a:rPr>
-                <a:t>SAGA-</a:t>
-              </a:r>
-              <a:r>
-                <a:rPr lang="en-US" dirty="0" err="1">
-                  <a:latin typeface="Arial" charset="0"/>
-                </a:rPr>
-                <a:t>C++Py</a:t>
-              </a:r>
-              <a:endParaRPr lang="en-US" dirty="0">
-                <a:latin typeface="Arial" charset="0"/>
-              </a:endParaRPr>
-            </a:p>
-          </p:txBody>
-        </p:sp>
-      </p:grpSp>
-      <p:sp>
-        <p:nvSpPr>
-          <p:cNvPr id="777273" name="Line 57"/>
-          <p:cNvSpPr>
-            <a:spLocks noChangeShapeType="1"/>
-          </p:cNvSpPr>
-          <p:nvPr/>
-        </p:nvSpPr>
-        <p:spPr bwMode="auto">
-          <a:xfrm flipH="1">
-            <a:off x="1524000" y="2514600"/>
-            <a:ext cx="1143000" cy="2819400"/>
-          </a:xfrm>
-          <a:prstGeom prst="line">
-            <a:avLst/>
-          </a:prstGeom>
-          <a:noFill/>
-          <a:ln w="19050">
-            <a:solidFill>
-              <a:schemeClr val="tx1"/>
-            </a:solidFill>
-            <a:round/>
-            <a:headEnd/>
-            <a:tailEnd type="arrow" w="lg" len="lg"/>
-          </a:ln>
-          <a:effectLst/>
-        </p:spPr>
-        <p:txBody>
-          <a:bodyPr lIns="91435" tIns="45718" rIns="91435" bIns="45718">
-            <a:prstTxWarp prst="textNoShape">
-              <a:avLst/>
-            </a:prstTxWarp>
-          </a:bodyPr>
-          <a:lstStyle/>
-          <a:p>
-            <a:endParaRPr lang="en-US"/>
-          </a:p>
-        </p:txBody>
-      </p:sp>
-      <p:sp>
-        <p:nvSpPr>
-          <p:cNvPr id="777277" name="Line 61"/>
-          <p:cNvSpPr>
-            <a:spLocks noChangeShapeType="1"/>
-          </p:cNvSpPr>
-          <p:nvPr/>
-        </p:nvSpPr>
-        <p:spPr bwMode="auto">
-          <a:xfrm>
-            <a:off x="3733800" y="2514600"/>
-            <a:ext cx="914400" cy="2819400"/>
-          </a:xfrm>
-          <a:prstGeom prst="line">
-            <a:avLst/>
-          </a:prstGeom>
-          <a:noFill/>
-          <a:ln w="19050">
-            <a:solidFill>
-              <a:schemeClr val="tx1"/>
-            </a:solidFill>
-            <a:round/>
-            <a:headEnd/>
-            <a:tailEnd type="arrow" w="lg" len="lg"/>
-          </a:ln>
-          <a:effectLst/>
-        </p:spPr>
-        <p:txBody>
-          <a:bodyPr lIns="91435" tIns="45718" rIns="91435" bIns="45718">
-            <a:prstTxWarp prst="textNoShape">
-              <a:avLst/>
-            </a:prstTxWarp>
-          </a:bodyPr>
-          <a:lstStyle/>
-          <a:p>
-            <a:endParaRPr lang="en-US"/>
-          </a:p>
-        </p:txBody>
-      </p:sp>
-      <p:sp>
-        <p:nvSpPr>
-          <p:cNvPr id="777278" name="Line 62"/>
-          <p:cNvSpPr>
-            <a:spLocks noChangeShapeType="1"/>
-          </p:cNvSpPr>
-          <p:nvPr/>
-        </p:nvSpPr>
-        <p:spPr bwMode="auto">
-          <a:xfrm>
-            <a:off x="3810001" y="2514600"/>
-            <a:ext cx="3124200" cy="2819400"/>
-          </a:xfrm>
-          <a:prstGeom prst="line">
-            <a:avLst/>
-          </a:prstGeom>
-          <a:noFill/>
-          <a:ln w="19050">
-            <a:solidFill>
-              <a:schemeClr val="tx1"/>
-            </a:solidFill>
-            <a:round/>
-            <a:headEnd/>
-            <a:tailEnd type="arrow" w="lg" len="lg"/>
-          </a:ln>
-          <a:effectLst/>
-        </p:spPr>
-        <p:txBody>
-          <a:bodyPr lIns="91435" tIns="45718" rIns="91435" bIns="45718">
-            <a:prstTxWarp prst="textNoShape">
-              <a:avLst/>
-            </a:prstTxWarp>
-          </a:bodyPr>
-          <a:lstStyle/>
-          <a:p>
-            <a:endParaRPr lang="en-US"/>
-          </a:p>
-        </p:txBody>
-      </p:sp>
-      <p:sp>
-        <p:nvSpPr>
-          <p:cNvPr id="777284" name="Rectangle 68"/>
-          <p:cNvSpPr>
-            <a:spLocks noChangeArrowheads="1"/>
-          </p:cNvSpPr>
-          <p:nvPr/>
-        </p:nvSpPr>
-        <p:spPr bwMode="auto">
-          <a:xfrm>
-            <a:off x="0" y="1"/>
-            <a:ext cx="214725" cy="525142"/>
-          </a:xfrm>
-          <a:prstGeom prst="rect">
-            <a:avLst/>
-          </a:prstGeom>
-          <a:noFill/>
-          <a:ln w="9525">
-            <a:noFill/>
-            <a:miter lim="800000"/>
-            <a:headEnd/>
-            <a:tailEnd/>
-          </a:ln>
-          <a:effectLst/>
-        </p:spPr>
-        <p:txBody>
-          <a:bodyPr wrap="none" lIns="91435" tIns="45718" rIns="91435" bIns="45718" anchor="ctr">
-            <a:prstTxWarp prst="textNoShape">
-              <a:avLst/>
-            </a:prstTxWarp>
-            <a:spAutoFit/>
-          </a:bodyPr>
-          <a:lstStyle/>
-          <a:p>
-            <a:pPr marL="342882" indent="-342882"/>
-            <a:endParaRPr lang="en-US" sz="1000" dirty="0">
-              <a:latin typeface="Arial" charset="0"/>
-            </a:endParaRPr>
-          </a:p>
-          <a:p>
-            <a:pPr marL="342882" indent="-342882" eaLnBrk="0" hangingPunct="0"/>
-            <a:endParaRPr lang="en-US" dirty="0">
-              <a:latin typeface="Arial" charset="0"/>
-            </a:endParaRPr>
-          </a:p>
-        </p:txBody>
-      </p:sp>
-      <p:grpSp>
-        <p:nvGrpSpPr>
-          <p:cNvPr id="5" name="Group 64"/>
-          <p:cNvGrpSpPr>
-            <a:grpSpLocks/>
-          </p:cNvGrpSpPr>
-          <p:nvPr/>
-        </p:nvGrpSpPr>
-        <p:grpSpPr bwMode="auto">
-          <a:xfrm>
-            <a:off x="6934200" y="2209803"/>
-            <a:ext cx="2057400" cy="338138"/>
-            <a:chOff x="1392" y="1392"/>
-            <a:chExt cx="1248" cy="213"/>
-          </a:xfrm>
-        </p:grpSpPr>
-        <p:sp>
-          <p:nvSpPr>
-            <p:cNvPr id="777222" name="Oval 6"/>
-            <p:cNvSpPr>
-              <a:spLocks noChangeArrowheads="1"/>
-            </p:cNvSpPr>
-            <p:nvPr/>
-          </p:nvSpPr>
-          <p:spPr bwMode="auto">
-            <a:xfrm>
-              <a:off x="1392" y="1392"/>
-              <a:ext cx="1248" cy="192"/>
-            </a:xfrm>
-            <a:prstGeom prst="ellipse">
-              <a:avLst/>
-            </a:prstGeom>
-            <a:solidFill>
-              <a:schemeClr val="accent1"/>
-            </a:solidFill>
-            <a:ln w="9525">
-              <a:solidFill>
-                <a:schemeClr val="tx1"/>
-              </a:solidFill>
-              <a:round/>
-              <a:headEnd/>
-              <a:tailEnd/>
-            </a:ln>
-            <a:effectLst/>
-          </p:spPr>
-          <p:txBody>
-            <a:bodyPr wrap="none" anchor="ctr">
-              <a:prstTxWarp prst="textNoShape">
-                <a:avLst/>
-              </a:prstTxWarp>
-            </a:bodyPr>
-            <a:lstStyle/>
-            <a:p>
-              <a:endParaRPr lang="en-US"/>
-            </a:p>
-          </p:txBody>
-        </p:sp>
-        <p:sp>
-          <p:nvSpPr>
-            <p:cNvPr id="777263" name="Text Box 47"/>
-            <p:cNvSpPr txBox="1">
-              <a:spLocks noChangeArrowheads="1"/>
-            </p:cNvSpPr>
-            <p:nvPr/>
-          </p:nvSpPr>
-          <p:spPr bwMode="auto">
-            <a:xfrm>
-              <a:off x="1488" y="1392"/>
-              <a:ext cx="1088" cy="213"/>
-            </a:xfrm>
-            <a:prstGeom prst="rect">
-              <a:avLst/>
-            </a:prstGeom>
-            <a:noFill/>
-            <a:ln w="9525">
-              <a:noFill/>
-              <a:miter lim="800000"/>
-              <a:headEnd/>
-              <a:tailEnd/>
-            </a:ln>
-            <a:effectLst/>
-          </p:spPr>
-          <p:txBody>
-            <a:bodyPr wrap="none">
-              <a:prstTxWarp prst="textNoShape">
-                <a:avLst/>
-              </a:prstTxWarp>
-              <a:spAutoFit/>
-            </a:bodyPr>
-            <a:lstStyle/>
-            <a:p>
-              <a:r>
-                <a:rPr lang="fr-FR" sz="1600" dirty="0">
-                  <a:latin typeface="Arial" charset="0"/>
-                </a:rPr>
-                <a:t>a user application</a:t>
-              </a:r>
-            </a:p>
-          </p:txBody>
-        </p:sp>
-      </p:grpSp>
-    </p:spTree>
-  </p:cSld>
-  <p:clrMapOvr>
-    <a:masterClrMapping/>
-  </p:clrMapOvr>
-  <p:timing>
-    <p:tnLst>
-      <p:par>
-        <p:cTn id="1" dur="indefinite" restart="never" nodeType="tmRoot">
-          <p:childTnLst>
-            <p:seq concurrent="1" nextAc="seek">
-              <p:cTn id="2" dur="indefinite" nodeType="mainSeq">
-                <p:childTnLst>
-                  <p:par>
-                    <p:cTn id="3" fill="hold">
-                      <p:stCondLst>
-                        <p:cond delay="indefinite"/>
-                      </p:stCondLst>
-                      <p:childTnLst>
-                        <p:par>
-                          <p:cTn id="4" fill="hold">
-                            <p:stCondLst>
-                              <p:cond delay="0"/>
-                            </p:stCondLst>
-                            <p:childTnLst>
-                              <p:par>
-                                <p:cTn id="5" presetID="9" presetClass="entr" presetSubtype="0" fill="hold" grpId="0" nodeType="clickEffect">
-                                  <p:stCondLst>
-                                    <p:cond delay="0"/>
-                                  </p:stCondLst>
-                                  <p:childTnLst>
-                                    <p:set>
-                                      <p:cBhvr>
-                                        <p:cTn id="6" dur="1" fill="hold">
-                                          <p:stCondLst>
-                                            <p:cond delay="0"/>
-                                          </p:stCondLst>
-                                        </p:cTn>
-                                        <p:tgtEl>
-                                          <p:spTgt spid="777255"/>
-                                        </p:tgtEl>
-                                        <p:attrNameLst>
-                                          <p:attrName>style.visibility</p:attrName>
-                                        </p:attrNameLst>
-                                      </p:cBhvr>
-                                      <p:to>
-                                        <p:strVal val="visible"/>
-                                      </p:to>
-                                    </p:set>
-                                    <p:animEffect transition="in" filter="dissolve">
-                                      <p:cBhvr>
-                                        <p:cTn id="7" dur="500"/>
-                                        <p:tgtEl>
-                                          <p:spTgt spid="777255"/>
-                                        </p:tgtEl>
-                                      </p:cBhvr>
-                                    </p:animEffect>
-                                  </p:childTnLst>
-                                </p:cTn>
-                              </p:par>
-                              <p:par>
-                                <p:cTn id="8" presetID="9" presetClass="entr" presetSubtype="0" fill="hold" grpId="0" nodeType="withEffect">
-                                  <p:stCondLst>
-                                    <p:cond delay="0"/>
-                                  </p:stCondLst>
-                                  <p:childTnLst>
-                                    <p:set>
-                                      <p:cBhvr>
-                                        <p:cTn id="9" dur="1" fill="hold">
-                                          <p:stCondLst>
-                                            <p:cond delay="0"/>
-                                          </p:stCondLst>
-                                        </p:cTn>
-                                        <p:tgtEl>
-                                          <p:spTgt spid="777254"/>
-                                        </p:tgtEl>
-                                        <p:attrNameLst>
-                                          <p:attrName>style.visibility</p:attrName>
-                                        </p:attrNameLst>
-                                      </p:cBhvr>
-                                      <p:to>
-                                        <p:strVal val="visible"/>
-                                      </p:to>
-                                    </p:set>
-                                    <p:animEffect transition="in" filter="dissolve">
-                                      <p:cBhvr>
-                                        <p:cTn id="10" dur="500"/>
-                                        <p:tgtEl>
-                                          <p:spTgt spid="777254"/>
-                                        </p:tgtEl>
-                                      </p:cBhvr>
-                                    </p:animEffect>
-                                  </p:childTnLst>
-                                </p:cTn>
-                              </p:par>
-                            </p:childTnLst>
-                          </p:cTn>
-                        </p:par>
-                      </p:childTnLst>
-                    </p:cTn>
-                  </p:par>
-                  <p:par>
-                    <p:cTn id="11" fill="hold">
-                      <p:stCondLst>
-                        <p:cond delay="indefinite"/>
-                      </p:stCondLst>
-                      <p:childTnLst>
-                        <p:par>
-                          <p:cTn id="12" fill="hold">
-                            <p:stCondLst>
-                              <p:cond delay="0"/>
-                            </p:stCondLst>
-                            <p:childTnLst>
-                              <p:par>
-                                <p:cTn id="13" presetID="12" presetClass="entr" presetSubtype="4" fill="hold" nodeType="clickEffect">
-                                  <p:stCondLst>
-                                    <p:cond delay="0"/>
-                                  </p:stCondLst>
-                                  <p:childTnLst>
-                                    <p:set>
-                                      <p:cBhvr>
-                                        <p:cTn id="14" dur="1" fill="hold">
-                                          <p:stCondLst>
-                                            <p:cond delay="0"/>
-                                          </p:stCondLst>
-                                        </p:cTn>
-                                        <p:tgtEl>
-                                          <p:spTgt spid="4"/>
-                                        </p:tgtEl>
-                                        <p:attrNameLst>
-                                          <p:attrName>style.visibility</p:attrName>
-                                        </p:attrNameLst>
-                                      </p:cBhvr>
-                                      <p:to>
-                                        <p:strVal val="visible"/>
-                                      </p:to>
-                                    </p:set>
-                                    <p:animEffect transition="in" filter="slide(fromBottom)">
-                                      <p:cBhvr>
-                                        <p:cTn id="15" dur="500"/>
-                                        <p:tgtEl>
-                                          <p:spTgt spid="4"/>
-                                        </p:tgtEl>
-                                      </p:cBhvr>
-                                    </p:animEffect>
-                                  </p:childTnLst>
-                                </p:cTn>
-                              </p:par>
-                              <p:par>
-                                <p:cTn id="16" presetID="12" presetClass="entr" presetSubtype="4" fill="hold" grpId="0" nodeType="withEffect">
-                                  <p:stCondLst>
-                                    <p:cond delay="0"/>
-                                  </p:stCondLst>
-                                  <p:childTnLst>
-                                    <p:set>
-                                      <p:cBhvr>
-                                        <p:cTn id="17" dur="1" fill="hold">
-                                          <p:stCondLst>
-                                            <p:cond delay="0"/>
-                                          </p:stCondLst>
-                                        </p:cTn>
-                                        <p:tgtEl>
-                                          <p:spTgt spid="777256"/>
-                                        </p:tgtEl>
-                                        <p:attrNameLst>
-                                          <p:attrName>style.visibility</p:attrName>
-                                        </p:attrNameLst>
-                                      </p:cBhvr>
-                                      <p:to>
-                                        <p:strVal val="visible"/>
-                                      </p:to>
-                                    </p:set>
-                                    <p:animEffect transition="in" filter="slide(fromBottom)">
-                                      <p:cBhvr>
-                                        <p:cTn id="18" dur="500"/>
-                                        <p:tgtEl>
-                                          <p:spTgt spid="777256"/>
-                                        </p:tgtEl>
-                                      </p:cBhvr>
-                                    </p:animEffect>
-                                  </p:childTnLst>
-                                </p:cTn>
-                              </p:par>
-                            </p:childTnLst>
-                          </p:cTn>
-                        </p:par>
-                      </p:childTnLst>
-                    </p:cTn>
-                  </p:par>
-                  <p:par>
-                    <p:cTn id="19" fill="hold">
-                      <p:stCondLst>
-                        <p:cond delay="indefinite"/>
-                      </p:stCondLst>
-                      <p:childTnLst>
-                        <p:par>
-                          <p:cTn id="20" fill="hold">
-                            <p:stCondLst>
-                              <p:cond delay="0"/>
-                            </p:stCondLst>
-                            <p:childTnLst>
-                              <p:par>
-                                <p:cTn id="21" presetID="9" presetClass="entr" presetSubtype="0" fill="hold" grpId="0" nodeType="clickEffect">
-                                  <p:stCondLst>
-                                    <p:cond delay="0"/>
-                                  </p:stCondLst>
-                                  <p:childTnLst>
-                                    <p:set>
-                                      <p:cBhvr>
-                                        <p:cTn id="22" dur="1" fill="hold">
-                                          <p:stCondLst>
-                                            <p:cond delay="0"/>
-                                          </p:stCondLst>
-                                        </p:cTn>
-                                        <p:tgtEl>
-                                          <p:spTgt spid="777224"/>
-                                        </p:tgtEl>
-                                        <p:attrNameLst>
-                                          <p:attrName>style.visibility</p:attrName>
-                                        </p:attrNameLst>
-                                      </p:cBhvr>
-                                      <p:to>
-                                        <p:strVal val="visible"/>
-                                      </p:to>
-                                    </p:set>
-                                    <p:animEffect transition="in" filter="dissolve">
-                                      <p:cBhvr>
-                                        <p:cTn id="23" dur="500"/>
-                                        <p:tgtEl>
-                                          <p:spTgt spid="777224"/>
-                                        </p:tgtEl>
-                                      </p:cBhvr>
-                                    </p:animEffect>
-                                  </p:childTnLst>
-                                </p:cTn>
-                              </p:par>
-                            </p:childTnLst>
-                          </p:cTn>
-                        </p:par>
-                      </p:childTnLst>
-                    </p:cTn>
-                  </p:par>
-                  <p:par>
-                    <p:cTn id="24" fill="hold">
-                      <p:stCondLst>
-                        <p:cond delay="indefinite"/>
-                      </p:stCondLst>
-                      <p:childTnLst>
-                        <p:par>
-                          <p:cTn id="25" fill="hold">
-                            <p:stCondLst>
-                              <p:cond delay="0"/>
-                            </p:stCondLst>
-                            <p:childTnLst>
-                              <p:par>
-                                <p:cTn id="26" presetID="10" presetClass="entr" presetSubtype="0" fill="hold" nodeType="clickEffect">
-                                  <p:stCondLst>
-                                    <p:cond delay="0"/>
-                                  </p:stCondLst>
-                                  <p:childTnLst>
-                                    <p:set>
-                                      <p:cBhvr>
-                                        <p:cTn id="27" dur="1" fill="hold">
-                                          <p:stCondLst>
-                                            <p:cond delay="0"/>
-                                          </p:stCondLst>
-                                        </p:cTn>
-                                        <p:tgtEl>
-                                          <p:spTgt spid="2"/>
-                                        </p:tgtEl>
-                                        <p:attrNameLst>
-                                          <p:attrName>style.visibility</p:attrName>
-                                        </p:attrNameLst>
-                                      </p:cBhvr>
-                                      <p:to>
-                                        <p:strVal val="visible"/>
-                                      </p:to>
-                                    </p:set>
-                                    <p:animEffect transition="in" filter="fade">
-                                      <p:cBhvr>
-                                        <p:cTn id="28" dur="1000"/>
-                                        <p:tgtEl>
-                                          <p:spTgt spid="2"/>
-                                        </p:tgtEl>
-                                      </p:cBhvr>
-                                    </p:animEffect>
-                                  </p:childTnLst>
-                                </p:cTn>
-                              </p:par>
-                            </p:childTnLst>
-                          </p:cTn>
-                        </p:par>
-                      </p:childTnLst>
-                    </p:cTn>
-                  </p:par>
-                  <p:par>
-                    <p:cTn id="29" fill="hold">
-                      <p:stCondLst>
-                        <p:cond delay="indefinite"/>
-                      </p:stCondLst>
-                      <p:childTnLst>
-                        <p:par>
-                          <p:cTn id="30" fill="hold">
-                            <p:stCondLst>
-                              <p:cond delay="0"/>
-                            </p:stCondLst>
-                            <p:childTnLst>
-                              <p:par>
-                                <p:cTn id="31" presetID="17" presetClass="entr" presetSubtype="10" fill="hold" nodeType="clickEffect">
-                                  <p:stCondLst>
-                                    <p:cond delay="0"/>
-                                  </p:stCondLst>
-                                  <p:childTnLst>
-                                    <p:set>
-                                      <p:cBhvr>
-                                        <p:cTn id="32" dur="1" fill="hold">
-                                          <p:stCondLst>
-                                            <p:cond delay="0"/>
-                                          </p:stCondLst>
-                                        </p:cTn>
-                                        <p:tgtEl>
-                                          <p:spTgt spid="3"/>
-                                        </p:tgtEl>
-                                        <p:attrNameLst>
-                                          <p:attrName>style.visibility</p:attrName>
-                                        </p:attrNameLst>
-                                      </p:cBhvr>
-                                      <p:to>
-                                        <p:strVal val="visible"/>
-                                      </p:to>
-                                    </p:set>
-                                    <p:anim calcmode="lin" valueType="num">
-                                      <p:cBhvr>
-                                        <p:cTn id="33" dur="500" fill="hold"/>
-                                        <p:tgtEl>
-                                          <p:spTgt spid="3"/>
-                                        </p:tgtEl>
-                                        <p:attrNameLst>
-                                          <p:attrName>ppt_w</p:attrName>
-                                        </p:attrNameLst>
-                                      </p:cBhvr>
-                                      <p:tavLst>
-                                        <p:tav tm="0">
-                                          <p:val>
-                                            <p:fltVal val="0"/>
-                                          </p:val>
-                                        </p:tav>
-                                        <p:tav tm="100000">
-                                          <p:val>
-                                            <p:strVal val="#ppt_w"/>
-                                          </p:val>
-                                        </p:tav>
-                                      </p:tavLst>
-                                    </p:anim>
-                                    <p:anim calcmode="lin" valueType="num">
-                                      <p:cBhvr>
-                                        <p:cTn id="34" dur="500" fill="hold"/>
-                                        <p:tgtEl>
-                                          <p:spTgt spid="3"/>
-                                        </p:tgtEl>
-                                        <p:attrNameLst>
-                                          <p:attrName>ppt_h</p:attrName>
-                                        </p:attrNameLst>
-                                      </p:cBhvr>
-                                      <p:tavLst>
-                                        <p:tav tm="0">
-                                          <p:val>
-                                            <p:strVal val="#ppt_h"/>
-                                          </p:val>
-                                        </p:tav>
-                                        <p:tav tm="100000">
-                                          <p:val>
-                                            <p:strVal val="#ppt_h"/>
-                                          </p:val>
-                                        </p:tav>
-                                      </p:tavLst>
-                                    </p:anim>
-                                  </p:childTnLst>
-                                </p:cTn>
-                              </p:par>
-                            </p:childTnLst>
-                          </p:cTn>
-                        </p:par>
-                        <p:par>
-                          <p:cTn id="35" fill="hold">
-                            <p:stCondLst>
-                              <p:cond delay="500"/>
-                            </p:stCondLst>
-                            <p:childTnLst>
-                              <p:par>
-                                <p:cTn id="36" presetID="22" presetClass="entr" presetSubtype="1" fill="hold" grpId="0" nodeType="afterEffect">
-                                  <p:stCondLst>
-                                    <p:cond delay="0"/>
-                                  </p:stCondLst>
-                                  <p:childTnLst>
-                                    <p:set>
-                                      <p:cBhvr>
-                                        <p:cTn id="37" dur="1" fill="hold">
-                                          <p:stCondLst>
-                                            <p:cond delay="0"/>
-                                          </p:stCondLst>
-                                        </p:cTn>
-                                        <p:tgtEl>
-                                          <p:spTgt spid="777261"/>
-                                        </p:tgtEl>
-                                        <p:attrNameLst>
-                                          <p:attrName>style.visibility</p:attrName>
-                                        </p:attrNameLst>
-                                      </p:cBhvr>
-                                      <p:to>
-                                        <p:strVal val="visible"/>
-                                      </p:to>
-                                    </p:set>
-                                    <p:animEffect transition="in" filter="wipe(up)">
-                                      <p:cBhvr>
-                                        <p:cTn id="38" dur="500"/>
-                                        <p:tgtEl>
-                                          <p:spTgt spid="777261"/>
-                                        </p:tgtEl>
-                                      </p:cBhvr>
-                                    </p:animEffect>
-                                  </p:childTnLst>
-                                </p:cTn>
-                              </p:par>
-                              <p:par>
-                                <p:cTn id="39" presetID="22" presetClass="entr" presetSubtype="1" fill="hold" grpId="0" nodeType="withEffect">
-                                  <p:stCondLst>
-                                    <p:cond delay="0"/>
-                                  </p:stCondLst>
-                                  <p:childTnLst>
-                                    <p:set>
-                                      <p:cBhvr>
-                                        <p:cTn id="40" dur="1" fill="hold">
-                                          <p:stCondLst>
-                                            <p:cond delay="0"/>
-                                          </p:stCondLst>
-                                        </p:cTn>
-                                        <p:tgtEl>
-                                          <p:spTgt spid="777262"/>
-                                        </p:tgtEl>
-                                        <p:attrNameLst>
-                                          <p:attrName>style.visibility</p:attrName>
-                                        </p:attrNameLst>
-                                      </p:cBhvr>
-                                      <p:to>
-                                        <p:strVal val="visible"/>
-                                      </p:to>
-                                    </p:set>
-                                    <p:animEffect transition="in" filter="wipe(up)">
-                                      <p:cBhvr>
-                                        <p:cTn id="41" dur="500"/>
-                                        <p:tgtEl>
-                                          <p:spTgt spid="777262"/>
-                                        </p:tgtEl>
-                                      </p:cBhvr>
-                                    </p:animEffect>
-                                  </p:childTnLst>
-                                </p:cTn>
-                              </p:par>
-                            </p:childTnLst>
-                          </p:cTn>
-                        </p:par>
-                      </p:childTnLst>
-                    </p:cTn>
-                  </p:par>
-                  <p:par>
-                    <p:cTn id="42" fill="hold">
-                      <p:stCondLst>
-                        <p:cond delay="indefinite"/>
-                      </p:stCondLst>
-                      <p:childTnLst>
-                        <p:par>
-                          <p:cTn id="43" fill="hold">
-                            <p:stCondLst>
-                              <p:cond delay="0"/>
-                            </p:stCondLst>
-                            <p:childTnLst>
-                              <p:par>
-                                <p:cTn id="44" presetID="1" presetClass="entr" presetSubtype="0" fill="hold" nodeType="clickEffect">
-                                  <p:stCondLst>
-                                    <p:cond delay="0"/>
-                                  </p:stCondLst>
-                                  <p:childTnLst>
-                                    <p:set>
-                                      <p:cBhvr>
-                                        <p:cTn id="45" dur="1" fill="hold">
-                                          <p:stCondLst>
-                                            <p:cond delay="0"/>
-                                          </p:stCondLst>
-                                        </p:cTn>
-                                        <p:tgtEl>
-                                          <p:spTgt spid="5"/>
-                                        </p:tgtEl>
-                                        <p:attrNameLst>
-                                          <p:attrName>style.visibility</p:attrName>
-                                        </p:attrNameLst>
-                                      </p:cBhvr>
-                                      <p:to>
-                                        <p:strVal val="visible"/>
-                                      </p:to>
-                                    </p:set>
-                                  </p:childTnLst>
-                                </p:cTn>
-                              </p:par>
-                            </p:childTnLst>
-                          </p:cTn>
-                        </p:par>
-                        <p:par>
-                          <p:cTn id="46" fill="hold">
-                            <p:stCondLst>
-                              <p:cond delay="0"/>
-                            </p:stCondLst>
-                            <p:childTnLst>
-                              <p:par>
-                                <p:cTn id="47" presetID="63" presetClass="path" presetSubtype="0" accel="50000" decel="50000" fill="hold" nodeType="afterEffect">
-                                  <p:stCondLst>
-                                    <p:cond delay="0"/>
-                                  </p:stCondLst>
-                                  <p:childTnLst>
-                                    <p:animMotion origin="layout" path="M 3.33333E-6 1.51711E-6 L -0.51667 -0.00231 " pathEditMode="relative" rAng="0" ptsTypes="AA">
-                                      <p:cBhvr>
-                                        <p:cTn id="48" dur="2000" fill="hold"/>
-                                        <p:tgtEl>
-                                          <p:spTgt spid="5"/>
-                                        </p:tgtEl>
-                                        <p:attrNameLst>
-                                          <p:attrName>ppt_x</p:attrName>
-                                          <p:attrName>ppt_y</p:attrName>
-                                        </p:attrNameLst>
-                                      </p:cBhvr>
-                                      <p:rCtr x="-258" y="-1"/>
-                                    </p:animMotion>
-                                  </p:childTnLst>
-                                </p:cTn>
-                              </p:par>
-                            </p:childTnLst>
-                          </p:cTn>
-                        </p:par>
-                        <p:par>
-                          <p:cTn id="49" fill="hold">
-                            <p:stCondLst>
-                              <p:cond delay="2000"/>
-                            </p:stCondLst>
-                            <p:childTnLst>
-                              <p:par>
-                                <p:cTn id="50" presetID="22" presetClass="entr" presetSubtype="1" fill="hold" grpId="0" nodeType="afterEffect">
-                                  <p:stCondLst>
-                                    <p:cond delay="0"/>
-                                  </p:stCondLst>
-                                  <p:childTnLst>
-                                    <p:set>
-                                      <p:cBhvr>
-                                        <p:cTn id="51" dur="1" fill="hold">
-                                          <p:stCondLst>
-                                            <p:cond delay="0"/>
-                                          </p:stCondLst>
-                                        </p:cTn>
-                                        <p:tgtEl>
-                                          <p:spTgt spid="777273"/>
-                                        </p:tgtEl>
-                                        <p:attrNameLst>
-                                          <p:attrName>style.visibility</p:attrName>
-                                        </p:attrNameLst>
-                                      </p:cBhvr>
-                                      <p:to>
-                                        <p:strVal val="visible"/>
-                                      </p:to>
-                                    </p:set>
-                                    <p:animEffect transition="in" filter="wipe(up)">
-                                      <p:cBhvr>
-                                        <p:cTn id="52" dur="500"/>
-                                        <p:tgtEl>
-                                          <p:spTgt spid="777273"/>
-                                        </p:tgtEl>
-                                      </p:cBhvr>
-                                    </p:animEffect>
-                                  </p:childTnLst>
-                                </p:cTn>
-                              </p:par>
-                            </p:childTnLst>
-                          </p:cTn>
-                        </p:par>
-                      </p:childTnLst>
-                    </p:cTn>
-                  </p:par>
-                  <p:par>
-                    <p:cTn id="53" fill="hold">
-                      <p:stCondLst>
-                        <p:cond delay="indefinite"/>
-                      </p:stCondLst>
-                      <p:childTnLst>
-                        <p:par>
-                          <p:cTn id="54" fill="hold">
-                            <p:stCondLst>
-                              <p:cond delay="0"/>
-                            </p:stCondLst>
-                            <p:childTnLst>
-                              <p:par>
-                                <p:cTn id="55" presetID="53" presetClass="entr" presetSubtype="0" fill="hold" grpId="0" nodeType="clickEffect">
-                                  <p:stCondLst>
-                                    <p:cond delay="0"/>
-                                  </p:stCondLst>
-                                  <p:childTnLst>
-                                    <p:set>
-                                      <p:cBhvr>
-                                        <p:cTn id="56" dur="1" fill="hold">
-                                          <p:stCondLst>
-                                            <p:cond delay="0"/>
-                                          </p:stCondLst>
-                                        </p:cTn>
-                                        <p:tgtEl>
-                                          <p:spTgt spid="777274"/>
-                                        </p:tgtEl>
-                                        <p:attrNameLst>
-                                          <p:attrName>style.visibility</p:attrName>
-                                        </p:attrNameLst>
-                                      </p:cBhvr>
-                                      <p:to>
-                                        <p:strVal val="visible"/>
-                                      </p:to>
-                                    </p:set>
-                                    <p:anim calcmode="lin" valueType="num">
-                                      <p:cBhvr>
-                                        <p:cTn id="57" dur="500" fill="hold"/>
-                                        <p:tgtEl>
-                                          <p:spTgt spid="777274"/>
-                                        </p:tgtEl>
-                                        <p:attrNameLst>
-                                          <p:attrName>ppt_w</p:attrName>
-                                        </p:attrNameLst>
-                                      </p:cBhvr>
-                                      <p:tavLst>
-                                        <p:tav tm="0">
-                                          <p:val>
-                                            <p:fltVal val="0"/>
-                                          </p:val>
-                                        </p:tav>
-                                        <p:tav tm="100000">
-                                          <p:val>
-                                            <p:strVal val="#ppt_w"/>
-                                          </p:val>
-                                        </p:tav>
-                                      </p:tavLst>
-                                    </p:anim>
-                                    <p:anim calcmode="lin" valueType="num">
-                                      <p:cBhvr>
-                                        <p:cTn id="58" dur="500" fill="hold"/>
-                                        <p:tgtEl>
-                                          <p:spTgt spid="777274"/>
-                                        </p:tgtEl>
-                                        <p:attrNameLst>
-                                          <p:attrName>ppt_h</p:attrName>
-                                        </p:attrNameLst>
-                                      </p:cBhvr>
-                                      <p:tavLst>
-                                        <p:tav tm="0">
-                                          <p:val>
-                                            <p:fltVal val="0"/>
-                                          </p:val>
-                                        </p:tav>
-                                        <p:tav tm="100000">
-                                          <p:val>
-                                            <p:strVal val="#ppt_h"/>
-                                          </p:val>
-                                        </p:tav>
-                                      </p:tavLst>
-                                    </p:anim>
-                                    <p:animEffect transition="in" filter="fade">
-                                      <p:cBhvr>
-                                        <p:cTn id="59" dur="500"/>
-                                        <p:tgtEl>
-                                          <p:spTgt spid="777274"/>
-                                        </p:tgtEl>
-                                      </p:cBhvr>
-                                    </p:animEffect>
-                                  </p:childTnLst>
-                                </p:cTn>
-                              </p:par>
-                            </p:childTnLst>
-                          </p:cTn>
-                        </p:par>
-                        <p:par>
-                          <p:cTn id="60" fill="hold">
-                            <p:stCondLst>
-                              <p:cond delay="500"/>
-                            </p:stCondLst>
-                            <p:childTnLst>
-                              <p:par>
-                                <p:cTn id="61" presetID="22" presetClass="entr" presetSubtype="1" fill="hold" grpId="0" nodeType="afterEffect">
-                                  <p:stCondLst>
-                                    <p:cond delay="0"/>
-                                  </p:stCondLst>
-                                  <p:childTnLst>
-                                    <p:set>
-                                      <p:cBhvr>
-                                        <p:cTn id="62" dur="1" fill="hold">
-                                          <p:stCondLst>
-                                            <p:cond delay="0"/>
-                                          </p:stCondLst>
-                                        </p:cTn>
-                                        <p:tgtEl>
-                                          <p:spTgt spid="777276"/>
-                                        </p:tgtEl>
-                                        <p:attrNameLst>
-                                          <p:attrName>style.visibility</p:attrName>
-                                        </p:attrNameLst>
-                                      </p:cBhvr>
-                                      <p:to>
-                                        <p:strVal val="visible"/>
-                                      </p:to>
-                                    </p:set>
-                                    <p:animEffect transition="in" filter="wipe(up)">
-                                      <p:cBhvr>
-                                        <p:cTn id="63" dur="500"/>
-                                        <p:tgtEl>
-                                          <p:spTgt spid="777276"/>
-                                        </p:tgtEl>
-                                      </p:cBhvr>
-                                    </p:animEffect>
-                                  </p:childTnLst>
-                                </p:cTn>
-                              </p:par>
-                              <p:par>
-                                <p:cTn id="64" presetID="22" presetClass="entr" presetSubtype="1" fill="hold" grpId="0" nodeType="withEffect">
-                                  <p:stCondLst>
-                                    <p:cond delay="0"/>
-                                  </p:stCondLst>
-                                  <p:childTnLst>
-                                    <p:set>
-                                      <p:cBhvr>
-                                        <p:cTn id="65" dur="1" fill="hold">
-                                          <p:stCondLst>
-                                            <p:cond delay="0"/>
-                                          </p:stCondLst>
-                                        </p:cTn>
-                                        <p:tgtEl>
-                                          <p:spTgt spid="777275"/>
-                                        </p:tgtEl>
-                                        <p:attrNameLst>
-                                          <p:attrName>style.visibility</p:attrName>
-                                        </p:attrNameLst>
-                                      </p:cBhvr>
-                                      <p:to>
-                                        <p:strVal val="visible"/>
-                                      </p:to>
-                                    </p:set>
-                                    <p:animEffect transition="in" filter="wipe(up)">
-                                      <p:cBhvr>
-                                        <p:cTn id="66" dur="500"/>
-                                        <p:tgtEl>
-                                          <p:spTgt spid="777275"/>
-                                        </p:tgtEl>
-                                      </p:cBhvr>
-                                    </p:animEffect>
-                                  </p:childTnLst>
-                                </p:cTn>
-                              </p:par>
-                            </p:childTnLst>
-                          </p:cTn>
-                        </p:par>
-                      </p:childTnLst>
-                    </p:cTn>
-                  </p:par>
-                  <p:par>
-                    <p:cTn id="67" fill="hold">
-                      <p:stCondLst>
-                        <p:cond delay="indefinite"/>
-                      </p:stCondLst>
-                      <p:childTnLst>
-                        <p:par>
-                          <p:cTn id="68" fill="hold">
-                            <p:stCondLst>
-                              <p:cond delay="0"/>
-                            </p:stCondLst>
-                            <p:childTnLst>
-                              <p:par>
-                                <p:cTn id="69" presetID="12" presetClass="entr" presetSubtype="4" fill="hold" grpId="0" nodeType="clickEffect">
-                                  <p:stCondLst>
-                                    <p:cond delay="0"/>
-                                  </p:stCondLst>
-                                  <p:childTnLst>
-                                    <p:set>
-                                      <p:cBhvr>
-                                        <p:cTn id="70" dur="1" fill="hold">
-                                          <p:stCondLst>
-                                            <p:cond delay="0"/>
-                                          </p:stCondLst>
-                                        </p:cTn>
-                                        <p:tgtEl>
-                                          <p:spTgt spid="777225"/>
-                                        </p:tgtEl>
-                                        <p:attrNameLst>
-                                          <p:attrName>style.visibility</p:attrName>
-                                        </p:attrNameLst>
-                                      </p:cBhvr>
-                                      <p:to>
-                                        <p:strVal val="visible"/>
-                                      </p:to>
-                                    </p:set>
-                                    <p:animEffect transition="in" filter="slide(fromBottom)">
-                                      <p:cBhvr>
-                                        <p:cTn id="71" dur="500"/>
-                                        <p:tgtEl>
-                                          <p:spTgt spid="777225"/>
-                                        </p:tgtEl>
-                                      </p:cBhvr>
-                                    </p:animEffect>
-                                  </p:childTnLst>
-                                </p:cTn>
-                              </p:par>
-                              <p:par>
-                                <p:cTn id="72" presetID="22" presetClass="entr" presetSubtype="1" fill="hold" grpId="0" nodeType="withEffect">
-                                  <p:stCondLst>
-                                    <p:cond delay="0"/>
-                                  </p:stCondLst>
-                                  <p:childTnLst>
-                                    <p:set>
-                                      <p:cBhvr>
-                                        <p:cTn id="73" dur="1" fill="hold">
-                                          <p:stCondLst>
-                                            <p:cond delay="0"/>
-                                          </p:stCondLst>
-                                        </p:cTn>
-                                        <p:tgtEl>
-                                          <p:spTgt spid="777277"/>
-                                        </p:tgtEl>
-                                        <p:attrNameLst>
-                                          <p:attrName>style.visibility</p:attrName>
-                                        </p:attrNameLst>
-                                      </p:cBhvr>
-                                      <p:to>
-                                        <p:strVal val="visible"/>
-                                      </p:to>
-                                    </p:set>
-                                    <p:animEffect transition="in" filter="wipe(up)">
-                                      <p:cBhvr>
-                                        <p:cTn id="74" dur="2000"/>
-                                        <p:tgtEl>
-                                          <p:spTgt spid="777277"/>
-                                        </p:tgtEl>
-                                      </p:cBhvr>
-                                    </p:animEffect>
-                                  </p:childTnLst>
-                                </p:cTn>
-                              </p:par>
-                              <p:par>
-                                <p:cTn id="75" presetID="22" presetClass="entr" presetSubtype="1" fill="hold" grpId="0" nodeType="withEffect">
-                                  <p:stCondLst>
-                                    <p:cond delay="0"/>
-                                  </p:stCondLst>
-                                  <p:childTnLst>
-                                    <p:set>
-                                      <p:cBhvr>
-                                        <p:cTn id="76" dur="1" fill="hold">
-                                          <p:stCondLst>
-                                            <p:cond delay="0"/>
-                                          </p:stCondLst>
-                                        </p:cTn>
-                                        <p:tgtEl>
-                                          <p:spTgt spid="777278"/>
-                                        </p:tgtEl>
-                                        <p:attrNameLst>
-                                          <p:attrName>style.visibility</p:attrName>
-                                        </p:attrNameLst>
-                                      </p:cBhvr>
-                                      <p:to>
-                                        <p:strVal val="visible"/>
-                                      </p:to>
-                                    </p:set>
-                                    <p:animEffect transition="in" filter="wipe(up)">
-                                      <p:cBhvr>
-                                        <p:cTn id="77" dur="2000"/>
-                                        <p:tgtEl>
-                                          <p:spTgt spid="777278"/>
-                                        </p:tgtEl>
-                                      </p:cBhvr>
-                                    </p:animEffect>
-                                  </p:childTnLst>
-                                </p:cTn>
-                              </p:par>
-                            </p:childTnLst>
-                          </p:cTn>
-                        </p:par>
-                      </p:childTnLst>
-                    </p:cTn>
-                  </p:par>
-                </p:childTnLst>
-              </p:cTn>
-              <p:prevCondLst>
-                <p:cond evt="onPrev" delay="0">
-                  <p:tgtEl>
-                    <p:sldTgt/>
-                  </p:tgtEl>
-                </p:cond>
-              </p:prevCondLst>
-              <p:nextCondLst>
-                <p:cond evt="onNext" delay="0">
-                  <p:tgtEl>
-                    <p:sldTgt/>
-                  </p:tgtEl>
-                </p:cond>
-              </p:nextCondLst>
-            </p:seq>
-          </p:childTnLst>
-        </p:cTn>
-      </p:par>
-    </p:tnLst>
-    <p:bldLst>
-      <p:bldP spid="777274" grpId="0"/>
-      <p:bldP spid="777225" grpId="0" animBg="1"/>
-      <p:bldP spid="777224" grpId="0" animBg="1"/>
-      <p:bldP spid="777254" grpId="0" animBg="1"/>
-      <p:bldP spid="777275" grpId="0" animBg="1"/>
-      <p:bldP spid="777276" grpId="0" animBg="1"/>
-      <p:bldP spid="777255" grpId="0" animBg="1"/>
-      <p:bldP spid="777256" grpId="0" animBg="1"/>
-      <p:bldP spid="777261" grpId="0" animBg="1"/>
-      <p:bldP spid="777262" grpId="0" animBg="1"/>
-      <p:bldP spid="777273" grpId="0" animBg="1"/>
-      <p:bldP spid="777277" grpId="0" animBg="1"/>
-      <p:bldP spid="777278" grpId="0" animBg="1"/>
-    </p:bldLst>
-  </p:timing>
-</p:sld>
-</file>
-
-<file path=ppt/slides/slide17.xml><?xml version="1.0" encoding="utf-8"?>
-<p:sld xmlns:a="http://schemas.openxmlformats.org/drawingml/2006/main" xmlns:r="http://schemas.openxmlformats.org/officeDocument/2006/relationships" xmlns:mc="http://schemas.openxmlformats.org/markup-compatibility/2006" xmlns:mv="urn:schemas-microsoft-com:mac:vml" xmlns:p="http://schemas.openxmlformats.org/presentationml/2006/main" mc:Ignorable="mv" mc:PreserveAttributes="mv:*">
-  <p:cSld>
-    <p:spTree>
-      <p:nvGrpSpPr>
-        <p:cNvPr id="1" name=""/>
-        <p:cNvGrpSpPr/>
-        <p:nvPr/>
-      </p:nvGrpSpPr>
-      <p:grpSpPr>
-        <a:xfrm>
-          <a:off x="0" y="0"/>
-          <a:ext cx="0" cy="0"/>
-          <a:chOff x="0" y="0"/>
-          <a:chExt cx="0" cy="0"/>
-        </a:xfrm>
-      </p:grpSpPr>
-      <p:sp>
-        <p:nvSpPr>
-          <p:cNvPr id="4" name="Title 3"/>
-          <p:cNvSpPr>
-            <a:spLocks noGrp="1"/>
-          </p:cNvSpPr>
-          <p:nvPr>
-            <p:ph type="title" idx="4294967295"/>
-          </p:nvPr>
-        </p:nvSpPr>
-        <p:spPr>
-          <a:xfrm>
-            <a:off x="1114426" y="263525"/>
-            <a:ext cx="8029575" cy="914400"/>
-          </a:xfrm>
-        </p:spPr>
-        <p:txBody>
-          <a:bodyPr>
-            <a:normAutofit fontScale="90000"/>
-          </a:bodyPr>
-          <a:lstStyle/>
-          <a:p>
-            <a:r>
-              <a:rPr lang="en-US" dirty="0" smtClean="0"/>
-              <a:t>DARE – Gateway for RNA-folding  </a:t>
+              <a:t>material from this tutorial can be found at:</a:t>
             </a:r>
             <a:br>
               <a:rPr lang="en-US" dirty="0" smtClean="0"/>
             </a:br>
             <a:r>
-              <a:rPr lang="en-US" sz="2700" dirty="0" smtClean="0"/>
-              <a:t>(</a:t>
-            </a:r>
-            <a:r>
-              <a:rPr lang="en-US" sz="2700" dirty="0" err="1" smtClean="0"/>
-              <a:t>Joohyun</a:t>
-            </a:r>
-            <a:r>
-              <a:rPr lang="en-US" sz="2700" dirty="0" smtClean="0"/>
-              <a:t> Kim, </a:t>
-            </a:r>
-            <a:r>
-              <a:rPr lang="en-US" sz="2700" dirty="0" err="1" smtClean="0"/>
-              <a:t>CyD</a:t>
-            </a:r>
-            <a:r>
-              <a:rPr lang="en-US" sz="2700" dirty="0" smtClean="0"/>
-              <a:t>)</a:t>
-            </a:r>
-            <a:endParaRPr lang="en-US" sz="2700" dirty="0"/>
-          </a:p>
-        </p:txBody>
-      </p:sp>
-      <p:pic>
-        <p:nvPicPr>
-          <p:cNvPr id="5" name="Picture 4" descr="dare-rfold-snapshot.png"/>
-          <p:cNvPicPr>
-            <a:picLocks noChangeAspect="1"/>
-          </p:cNvPicPr>
-          <p:nvPr/>
-        </p:nvPicPr>
-        <p:blipFill>
-          <a:blip r:embed="rId2"/>
-          <a:stretch>
-            <a:fillRect/>
-          </a:stretch>
-        </p:blipFill>
-        <p:spPr>
-          <a:xfrm>
-            <a:off x="0" y="1292075"/>
-            <a:ext cx="9144000" cy="2193925"/>
-          </a:xfrm>
-          <a:prstGeom prst="rect">
-            <a:avLst/>
-          </a:prstGeom>
-        </p:spPr>
-      </p:pic>
-      <p:sp>
-        <p:nvSpPr>
-          <p:cNvPr id="6" name="Rectangle 5"/>
-          <p:cNvSpPr/>
-          <p:nvPr/>
-        </p:nvSpPr>
-        <p:spPr>
-          <a:xfrm>
-            <a:off x="1" y="3627444"/>
-            <a:ext cx="4168024" cy="3416316"/>
-          </a:xfrm>
-          <a:prstGeom prst="rect">
-            <a:avLst/>
-          </a:prstGeom>
-        </p:spPr>
-        <p:txBody>
-          <a:bodyPr wrap="square" lIns="91435" tIns="45718" rIns="91435" bIns="45718">
-            <a:spAutoFit/>
-          </a:bodyPr>
-          <a:lstStyle/>
-          <a:p>
-            <a:pPr>
-              <a:buFont typeface="Arial"/>
-              <a:buChar char="•"/>
-            </a:pPr>
-            <a:r>
-              <a:rPr lang="en-US" sz="2400" dirty="0" smtClean="0"/>
-              <a:t> DARE-Gateway:</a:t>
-            </a:r>
-          </a:p>
-          <a:p>
-            <a:pPr lvl="1">
-              <a:buFont typeface="Arial"/>
-              <a:buChar char="•"/>
-            </a:pPr>
-            <a:r>
-              <a:rPr lang="en-US" sz="2400" dirty="0" smtClean="0"/>
-              <a:t> Integrated, Extensible</a:t>
-            </a:r>
-          </a:p>
-          <a:p>
-            <a:pPr lvl="1">
-              <a:buFont typeface="Arial"/>
-              <a:buChar char="•"/>
-            </a:pPr>
-            <a:r>
-              <a:rPr lang="en-US" sz="2400" dirty="0" smtClean="0"/>
-              <a:t> Balanced: Scale-Up and Scale-out to</a:t>
-            </a:r>
-          </a:p>
-          <a:p>
-            <a:pPr>
-              <a:buFont typeface="Arial"/>
-              <a:buChar char="•"/>
-            </a:pPr>
-            <a:r>
-              <a:rPr lang="en-US" sz="2400" dirty="0" smtClean="0"/>
-              <a:t>DARE-RFOLD, DOCK, Bioscope (NG Sequence Data), STMD (Molecular Dynamics)</a:t>
-            </a:r>
-          </a:p>
-          <a:p>
-            <a:pPr>
-              <a:buFont typeface="Arial"/>
-              <a:buChar char="•"/>
-            </a:pPr>
-            <a:endParaRPr lang="en-US" sz="2400" dirty="0" smtClean="0"/>
-          </a:p>
-        </p:txBody>
-      </p:sp>
-      <p:pic>
-        <p:nvPicPr>
-          <p:cNvPr id="7" name="Picture 6" descr="pipeline.jpg"/>
-          <p:cNvPicPr>
-            <a:picLocks noChangeAspect="1"/>
-          </p:cNvPicPr>
-          <p:nvPr/>
-        </p:nvPicPr>
-        <p:blipFill>
-          <a:blip r:embed="rId3"/>
-          <a:stretch>
-            <a:fillRect/>
-          </a:stretch>
-        </p:blipFill>
-        <p:spPr>
-          <a:xfrm>
-            <a:off x="4461084" y="3327805"/>
-            <a:ext cx="4669939" cy="3337061"/>
-          </a:xfrm>
-          <a:prstGeom prst="rect">
-            <a:avLst/>
-          </a:prstGeom>
-        </p:spPr>
-      </p:pic>
-    </p:spTree>
-  </p:cSld>
-  <p:clrMapOvr>
-    <a:masterClrMapping/>
-  </p:clrMapOvr>
-  <p:timing>
-    <p:tnLst>
-      <p:par>
-        <p:cTn id="1" dur="indefinite" restart="never" nodeType="tmRoot"/>
-      </p:par>
-    </p:tnLst>
-  </p:timing>
-</p:sld>
-</file>
-
-<file path=ppt/slides/slide2.xml><?xml version="1.0" encoding="utf-8"?>
-<p:sld xmlns:a="http://schemas.openxmlformats.org/drawingml/2006/main" xmlns:r="http://schemas.openxmlformats.org/officeDocument/2006/relationships" xmlns:mc="http://schemas.openxmlformats.org/markup-compatibility/2006" xmlns:mv="urn:schemas-microsoft-com:mac:vml" xmlns:p="http://schemas.openxmlformats.org/presentationml/2006/main" mc:Ignorable="mv" mc:PreserveAttributes="mv:*">
-  <p:cSld>
-    <p:spTree>
-      <p:nvGrpSpPr>
-        <p:cNvPr id="1" name=""/>
-        <p:cNvGrpSpPr/>
-        <p:nvPr/>
-      </p:nvGrpSpPr>
-      <p:grpSpPr>
-        <a:xfrm>
-          <a:off x="0" y="0"/>
-          <a:ext cx="0" cy="0"/>
-          <a:chOff x="0" y="0"/>
-          <a:chExt cx="0" cy="0"/>
-        </a:xfrm>
-      </p:grpSpPr>
-      <p:sp>
-        <p:nvSpPr>
-          <p:cNvPr id="4" name="Title 3"/>
-          <p:cNvSpPr>
-            <a:spLocks noGrp="1"/>
-          </p:cNvSpPr>
-          <p:nvPr>
-            <p:ph type="title"/>
-          </p:nvPr>
-        </p:nvSpPr>
-        <p:spPr/>
-        <p:txBody>
-          <a:bodyPr/>
-          <a:lstStyle/>
-          <a:p>
-            <a:r>
-              <a:rPr lang="en-US" dirty="0" smtClean="0"/>
-              <a:t>All material from this tutorial can be found at:</a:t>
-            </a:r>
-            <a:br>
-              <a:rPr lang="en-US" dirty="0" smtClean="0"/>
-            </a:br>
-            <a:r>
-              <a:rPr lang="en-US" dirty="0" smtClean="0"/>
+              <a:rPr lang="en-US" sz="1400" b="1" dirty="0" smtClean="0"/>
               <a:t/>
-            </a:r>
-            <a:br>
-              <a:rPr lang="en-US" dirty="0" smtClean="0"/>
-            </a:br>
-            <a:r>
-              <a:rPr lang="en-US" sz="1400" b="1" dirty="0" smtClean="0"/>
-              <a:t>http://saga.cct.lsu.edu/software/cpp/documentation/tutorials/loni-training-2010</a:t>
             </a:r>
             <a:br>
               <a:rPr lang="en-US" sz="1400" b="1" dirty="0" smtClean="0"/>
@@ -14736,26 +7536,12 @@
               <a:rPr lang="en-US" sz="1400" b="1" dirty="0" smtClean="0"/>
             </a:br>
             <a:r>
-              <a:rPr lang="en-US" dirty="0" smtClean="0"/>
-              <a:t>And at:</a:t>
-            </a:r>
-            <a:r>
               <a:rPr lang="en-US" sz="1400" b="1" dirty="0" smtClean="0"/>
-              <a:t/>
-            </a:r>
-            <a:br>
+              <a:t>https://</a:t>
+            </a:r>
+            <a:r>
               <a:rPr lang="en-US" sz="1400" b="1" dirty="0" smtClean="0"/>
-            </a:br>
-            <a:r>
-              <a:rPr lang="en-US" sz="1400" b="1" dirty="0" smtClean="0"/>
-              <a:t/>
-            </a:r>
-            <a:br>
-              <a:rPr lang="en-US" sz="1400" b="1" dirty="0" smtClean="0"/>
-            </a:br>
-            <a:r>
-              <a:rPr lang="en-US" sz="1400" b="1" dirty="0" err="1" smtClean="0"/>
-              <a:t>https://svn.cct.lsu.edu/repos/saga-projects/tutorial/general_tutorial</a:t>
+              <a:t>svn.cct.lsu.edu/repos/saga-projects/tutorial/EGI-2011</a:t>
             </a:r>
             <a:endParaRPr lang="en-US" sz="1400" b="1" dirty="0"/>
           </a:p>
@@ -14777,7 +7563,7 @@
 </file>
 
 <file path=ppt/slides/slide3.xml><?xml version="1.0" encoding="utf-8"?>
-<p:sld xmlns:a="http://schemas.openxmlformats.org/drawingml/2006/main" xmlns:r="http://schemas.openxmlformats.org/officeDocument/2006/relationships" xmlns:mc="http://schemas.openxmlformats.org/markup-compatibility/2006" xmlns:mv="urn:schemas-microsoft-com:mac:vml" xmlns:p="http://schemas.openxmlformats.org/presentationml/2006/main" mc:Ignorable="mv" mc:PreserveAttributes="mv:*">
+<p:sld xmlns:a="http://schemas.openxmlformats.org/drawingml/2006/main" xmlns:r="http://schemas.openxmlformats.org/officeDocument/2006/relationships" xmlns:p="http://schemas.openxmlformats.org/presentationml/2006/main">
   <p:cSld>
     <p:spTree>
       <p:nvGrpSpPr>
@@ -14865,54 +7651,35 @@
           <a:p>
             <a:pPr lvl="1"/>
             <a:r>
-              <a:rPr lang="en-US" dirty="0" smtClean="0"/>
-              <a:t>http://</a:t>
-            </a:r>
-            <a:r>
-              <a:rPr lang="en-US" dirty="0" err="1" smtClean="0"/>
-              <a:t>saga.cct.lsu.edu/software/cpp/documentation</a:t>
-            </a:r>
-            <a:endParaRPr lang="en-US" dirty="0" smtClean="0"/>
-          </a:p>
-          <a:p>
-            <a:r>
-              <a:rPr lang="en-US" dirty="0" smtClean="0"/>
-              <a:t>API </a:t>
-            </a:r>
-            <a:r>
-              <a:rPr lang="en-US" dirty="0"/>
-              <a:t>documentation </a:t>
-            </a:r>
-            <a:endParaRPr lang="en-US" dirty="0" smtClean="0"/>
-          </a:p>
-          <a:p>
-            <a:pPr lvl="1"/>
-            <a:r>
-              <a:rPr lang="en-US" dirty="0" smtClean="0"/>
-              <a:t>Python</a:t>
-            </a:r>
-          </a:p>
-          <a:p>
-            <a:pPr lvl="2"/>
-            <a:r>
-              <a:rPr lang="en-US" dirty="0">
-                <a:hlinkClick r:id="rId4"/>
-              </a:rPr>
-              <a:t>http://static.saga.cct.lsu.edu/apidoc/python/latest</a:t>
-            </a:r>
-            <a:r>
               <a:rPr lang="en-US" dirty="0" smtClean="0">
                 <a:hlinkClick r:id="rId4"/>
               </a:rPr>
-              <a:t>/</a:t>
-            </a:r>
-            <a:endParaRPr lang="en-US" dirty="0"/>
+              <a:t>http://</a:t>
+            </a:r>
+            <a:r>
+              <a:rPr lang="en-US" dirty="0" err="1" smtClean="0">
+                <a:hlinkClick r:id="rId4"/>
+              </a:rPr>
+              <a:t>saga.cct.lsu.edu/software/cpp/documentation</a:t>
+            </a:r>
+            <a:endParaRPr lang="en-US" dirty="0" smtClean="0"/>
+          </a:p>
+          <a:p>
+            <a:r>
+              <a:rPr lang="en-US" dirty="0" smtClean="0"/>
+              <a:t>API </a:t>
+            </a:r>
+            <a:r>
+              <a:rPr lang="en-US" dirty="0"/>
+              <a:t>documentation </a:t>
+            </a:r>
+            <a:endParaRPr lang="en-US" dirty="0" smtClean="0"/>
           </a:p>
           <a:p>
             <a:pPr lvl="1"/>
             <a:r>
               <a:rPr lang="en-US" dirty="0" smtClean="0"/>
-              <a:t>C++</a:t>
+              <a:t>Python</a:t>
             </a:r>
           </a:p>
           <a:p>
@@ -14921,7 +7688,7 @@
               <a:rPr lang="en-US" dirty="0">
                 <a:hlinkClick r:id="rId5"/>
               </a:rPr>
-              <a:t>http://static.saga.cct.lsu.edu/apidoc/cpp/latest</a:t>
+              <a:t>http://static.saga.cct.lsu.edu/apidoc/python/latest</a:t>
             </a:r>
             <a:r>
               <a:rPr lang="en-US" dirty="0" smtClean="0">
@@ -14929,6 +7696,29 @@
               </a:rPr>
               <a:t>/</a:t>
             </a:r>
+            <a:endParaRPr lang="en-US" dirty="0"/>
+          </a:p>
+          <a:p>
+            <a:pPr lvl="1"/>
+            <a:r>
+              <a:rPr lang="en-US" dirty="0" smtClean="0"/>
+              <a:t>C++</a:t>
+            </a:r>
+          </a:p>
+          <a:p>
+            <a:pPr lvl="2"/>
+            <a:r>
+              <a:rPr lang="en-US" dirty="0">
+                <a:hlinkClick r:id="rId6"/>
+              </a:rPr>
+              <a:t>http://static.saga.cct.lsu.edu/apidoc/cpp/latest</a:t>
+            </a:r>
+            <a:r>
+              <a:rPr lang="en-US" dirty="0" smtClean="0">
+                <a:hlinkClick r:id="rId6"/>
+              </a:rPr>
+              <a:t>/</a:t>
+            </a:r>
             <a:endParaRPr lang="en-US" dirty="0" smtClean="0"/>
           </a:p>
           <a:p>
@@ -14941,7 +7731,9 @@
           <a:p>
             <a:pPr marL="550763" lvl="1"/>
             <a:r>
-              <a:rPr lang="en-US" dirty="0" err="1" smtClean="0"/>
+              <a:rPr lang="en-US" dirty="0" smtClean="0">
+                <a:hlinkClick r:id="rId7"/>
+              </a:rPr>
               <a:t>https://svn.cct.lsu.edu/repos/saga/core/trunk/docs/manuals/programming_guide/tex/saga-programming-guide.pdf</a:t>
             </a:r>
             <a:endParaRPr lang="en-US" dirty="0" smtClean="0"/>
@@ -14960,7 +7752,7 @@
               <a:solidFill>
                 <a:srgbClr val="B70000"/>
               </a:solidFill>
-              <a:hlinkClick r:id="rId6"/>
+              <a:hlinkClick r:id="rId8"/>
             </a:endParaRPr>
           </a:p>
           <a:p>
@@ -15064,7 +7856,7 @@
 </file>
 
 <file path=ppt/slides/slide4.xml><?xml version="1.0" encoding="utf-8"?>
-<p:sld xmlns:a="http://schemas.openxmlformats.org/drawingml/2006/main" xmlns:r="http://schemas.openxmlformats.org/officeDocument/2006/relationships" xmlns:mc="http://schemas.openxmlformats.org/markup-compatibility/2006" xmlns:mv="urn:schemas-microsoft-com:mac:vml" xmlns:p="http://schemas.openxmlformats.org/presentationml/2006/main" mc:Ignorable="mv" mc:PreserveAttributes="mv:*">
+<p:sld xmlns:a="http://schemas.openxmlformats.org/drawingml/2006/main" xmlns:r="http://schemas.openxmlformats.org/officeDocument/2006/relationships" xmlns:p="http://schemas.openxmlformats.org/presentationml/2006/main">
   <p:cSld>
     <p:spTree>
       <p:nvGrpSpPr>
@@ -15201,11 +7993,7 @@
           <a:p>
             <a:r>
               <a:rPr lang="en-US" dirty="0" smtClean="0"/>
-              <a:t>Developing </a:t>
-            </a:r>
-            <a:r>
-              <a:rPr lang="en-US" dirty="0" smtClean="0"/>
-              <a:t>Distributed Applications is fundamentally hard:</a:t>
+              <a:t>Developing Distributed Applications is fundamentally hard:</a:t>
             </a:r>
           </a:p>
           <a:p>
@@ -15249,17 +8037,12 @@
               <a:rPr lang="en-US" dirty="0" smtClean="0"/>
               <a:t>(Complex) Underlying infrastructure &amp; its provisioning</a:t>
             </a:r>
-            <a:endParaRPr lang="en-US" dirty="0" smtClean="0"/>
           </a:p>
           <a:p>
             <a:pPr lvl="2"/>
             <a:r>
               <a:rPr lang="en-US" dirty="0" smtClean="0"/>
-              <a:t>Large </a:t>
-            </a:r>
-            <a:r>
-              <a:rPr lang="en-US" dirty="0" smtClean="0"/>
-              <a:t>number Programming systems, tools and environments</a:t>
+              <a:t>Large number Programming systems, tools and environments</a:t>
             </a:r>
           </a:p>
           <a:p>
@@ -15273,11 +8056,7 @@
             <a:pPr lvl="3"/>
             <a:r>
               <a:rPr lang="en-US" dirty="0" smtClean="0"/>
-              <a:t>Interoperability and extensibility become </a:t>
-            </a:r>
-            <a:r>
-              <a:rPr lang="en-US" dirty="0" smtClean="0"/>
-              <a:t>difficult</a:t>
+              <a:t>Interoperability and extensibility become difficult</a:t>
             </a:r>
           </a:p>
           <a:p>
@@ -15285,50 +8064,15 @@
               <a:rPr lang="en-US" dirty="0" smtClean="0">
                 <a:sym typeface="Arial" pitchFamily="-110" charset="0"/>
               </a:rPr>
-              <a:t>Number of “effective” distributed </a:t>
-            </a:r>
-            <a:r>
-              <a:rPr lang="en-US" dirty="0" smtClean="0">
-                <a:sym typeface="Arial" pitchFamily="-110" charset="0"/>
-              </a:rPr>
-              <a:t>applications</a:t>
-            </a:r>
-            <a:r>
-              <a:rPr lang="en-US" dirty="0" smtClean="0">
-                <a:sym typeface="Arial" pitchFamily="-110" charset="0"/>
-              </a:rPr>
-              <a:t>  </a:t>
-            </a:r>
-            <a:r>
-              <a:rPr lang="en-US" smtClean="0">
-                <a:sym typeface="Arial" pitchFamily="-110" charset="0"/>
-              </a:rPr>
-              <a:t>that utilize resources </a:t>
-            </a:r>
-            <a:r>
-              <a:rPr lang="en-US" dirty="0" smtClean="0">
-                <a:sym typeface="Arial" pitchFamily="-110" charset="0"/>
-              </a:rPr>
-              <a:t>sequentially, concurrently or asynchronously is low</a:t>
-            </a:r>
-            <a:r>
-              <a:rPr lang="en-US" dirty="0" smtClean="0">
-                <a:sym typeface="Arial" pitchFamily="-110" charset="0"/>
-              </a:rPr>
-              <a:t> </a:t>
+              <a:t>Number of “effective” distributed applications  that utilize resources sequentially, concurrently or asynchronously is low </a:t>
             </a:r>
           </a:p>
           <a:p>
             <a:pPr lvl="1"/>
             <a:r>
               <a:rPr lang="en-US" dirty="0" smtClean="0"/>
-              <a:t>Distributed CI: Is the whole &gt;  than the sum of the parts</a:t>
-            </a:r>
-            <a:r>
-              <a:rPr lang="en-US" dirty="0" smtClean="0"/>
-              <a:t>?</a:t>
-            </a:r>
-            <a:endParaRPr lang="en-US" dirty="0" smtClean="0"/>
+              <a:t>Distributed CI: Is the whole &gt;  than the sum of the parts?</a:t>
+            </a:r>
           </a:p>
           <a:p>
             <a:r>
@@ -15341,8 +8085,9 @@
           <a:p>
             <a:pPr lvl="1"/>
             <a:r>
-              <a:rPr lang="en-US" dirty="0" err="1" smtClean="0">
+              <a:rPr lang="en-US" dirty="0" smtClean="0">
                 <a:sym typeface="Arial" pitchFamily="-110" charset="0"/>
+                <a:hlinkClick r:id="rId2"/>
               </a:rPr>
               <a:t>http://www.cct.lsu.edu/~sjha/dpa_publications/dpa_surveypaper.pdf</a:t>
             </a:r>
@@ -15372,7 +8117,7 @@
 </file>
 
 <file path=ppt/slides/slide5.xml><?xml version="1.0" encoding="utf-8"?>
-<p:sld xmlns:a="http://schemas.openxmlformats.org/drawingml/2006/main" xmlns:r="http://schemas.openxmlformats.org/officeDocument/2006/relationships" xmlns:mc="http://schemas.openxmlformats.org/markup-compatibility/2006" xmlns:mv="urn:schemas-microsoft-com:mac:vml" xmlns:p="http://schemas.openxmlformats.org/presentationml/2006/main" mc:Ignorable="mv" mc:PreserveAttributes="mv:*">
+<p:sld xmlns:a="http://schemas.openxmlformats.org/drawingml/2006/main" xmlns:r="http://schemas.openxmlformats.org/officeDocument/2006/relationships" xmlns:p="http://schemas.openxmlformats.org/presentationml/2006/main">
   <p:cSld>
     <p:spTree>
       <p:nvGrpSpPr>
@@ -15739,7 +8484,7 @@
 </file>
 
 <file path=ppt/slides/slide6.xml><?xml version="1.0" encoding="utf-8"?>
-<p:sld xmlns:a="http://schemas.openxmlformats.org/drawingml/2006/main" xmlns:r="http://schemas.openxmlformats.org/officeDocument/2006/relationships" xmlns:mc="http://schemas.openxmlformats.org/markup-compatibility/2006" xmlns:mv="urn:schemas-microsoft-com:mac:vml" xmlns:p="http://schemas.openxmlformats.org/presentationml/2006/main" mc:Ignorable="mv" mc:PreserveAttributes="mv:*">
+<p:sld xmlns:a="http://schemas.openxmlformats.org/drawingml/2006/main" xmlns:r="http://schemas.openxmlformats.org/officeDocument/2006/relationships" xmlns:p="http://schemas.openxmlformats.org/presentationml/2006/main">
   <p:cSld>
     <p:spTree>
       <p:nvGrpSpPr>
@@ -15832,7 +8577,7 @@
 </file>
 
 <file path=ppt/slides/slide7.xml><?xml version="1.0" encoding="utf-8"?>
-<p:sld xmlns:a="http://schemas.openxmlformats.org/drawingml/2006/main" xmlns:r="http://schemas.openxmlformats.org/officeDocument/2006/relationships" xmlns:mc="http://schemas.openxmlformats.org/markup-compatibility/2006" xmlns:mv="urn:schemas-microsoft-com:mac:vml" xmlns:p="http://schemas.openxmlformats.org/presentationml/2006/main" mc:Ignorable="mv" mc:PreserveAttributes="mv:*">
+<p:sld xmlns:a="http://schemas.openxmlformats.org/drawingml/2006/main" xmlns:r="http://schemas.openxmlformats.org/officeDocument/2006/relationships" xmlns:p="http://schemas.openxmlformats.org/presentationml/2006/main">
   <p:cSld>
     <p:spTree>
       <p:nvGrpSpPr>
@@ -15907,7 +8652,7 @@
 </file>
 
 <file path=ppt/slides/slide8.xml><?xml version="1.0" encoding="utf-8"?>
-<p:sld xmlns:a="http://schemas.openxmlformats.org/drawingml/2006/main" xmlns:r="http://schemas.openxmlformats.org/officeDocument/2006/relationships" xmlns:mc="http://schemas.openxmlformats.org/markup-compatibility/2006" xmlns:mv="urn:schemas-microsoft-com:mac:vml" xmlns:p="http://schemas.openxmlformats.org/presentationml/2006/main" mc:Ignorable="mv" mc:PreserveAttributes="mv:*">
+<p:sld xmlns:a="http://schemas.openxmlformats.org/drawingml/2006/main" xmlns:r="http://schemas.openxmlformats.org/officeDocument/2006/relationships" xmlns:p="http://schemas.openxmlformats.org/presentationml/2006/main">
   <p:cSld>
     <p:spTree>
       <p:nvGrpSpPr>
@@ -15964,7 +8709,7 @@
         </p:spPr>
         <p:txBody>
           <a:bodyPr>
-            <a:normAutofit/>
+            <a:normAutofit lnSpcReduction="10000"/>
           </a:bodyPr>
           <a:lstStyle/>
           <a:p>
@@ -16102,7 +8847,7 @@
 </file>
 
 <file path=ppt/slides/slide9.xml><?xml version="1.0" encoding="utf-8"?>
-<p:sld xmlns:a="http://schemas.openxmlformats.org/drawingml/2006/main" xmlns:r="http://schemas.openxmlformats.org/officeDocument/2006/relationships" xmlns:mc="http://schemas.openxmlformats.org/markup-compatibility/2006" xmlns:mv="urn:schemas-microsoft-com:mac:vml" xmlns:p="http://schemas.openxmlformats.org/presentationml/2006/main" mc:Ignorable="mv" mc:PreserveAttributes="mv:*">
+<p:sld xmlns:a="http://schemas.openxmlformats.org/drawingml/2006/main" xmlns:r="http://schemas.openxmlformats.org/officeDocument/2006/relationships" xmlns:p="http://schemas.openxmlformats.org/presentationml/2006/main">
   <p:cSld>
     <p:spTree>
       <p:nvGrpSpPr>
@@ -16372,611 +9117,6 @@
 </file>
 
 <file path=ppt/theme/theme2.xml><?xml version="1.0" encoding="utf-8"?>
-<a:theme xmlns:a="http://schemas.openxmlformats.org/drawingml/2006/main" name="Nouvelle présentation">
-  <a:themeElements>
-    <a:clrScheme name="Nouvelle présentation 2">
-      <a:dk1>
-        <a:srgbClr val="000000"/>
-      </a:dk1>
-      <a:lt1>
-        <a:srgbClr val="FFFFFF"/>
-      </a:lt1>
-      <a:dk2>
-        <a:srgbClr val="003366"/>
-      </a:dk2>
-      <a:lt2>
-        <a:srgbClr val="5490A8"/>
-      </a:lt2>
-      <a:accent1>
-        <a:srgbClr val="0099CC"/>
-      </a:accent1>
-      <a:accent2>
-        <a:srgbClr val="3366CC"/>
-      </a:accent2>
-      <a:accent3>
-        <a:srgbClr val="FFFFFF"/>
-      </a:accent3>
-      <a:accent4>
-        <a:srgbClr val="000000"/>
-      </a:accent4>
-      <a:accent5>
-        <a:srgbClr val="AACAE2"/>
-      </a:accent5>
-      <a:accent6>
-        <a:srgbClr val="2D5CB9"/>
-      </a:accent6>
-      <a:hlink>
-        <a:srgbClr val="99CCFF"/>
-      </a:hlink>
-      <a:folHlink>
-        <a:srgbClr val="E1E1B7"/>
-      </a:folHlink>
-    </a:clrScheme>
-    <a:fontScheme name="Nouvelle présentation">
-      <a:majorFont>
-        <a:latin typeface="Arial"/>
-        <a:ea typeface=""/>
-        <a:cs typeface=""/>
-      </a:majorFont>
-      <a:minorFont>
-        <a:latin typeface="Arial"/>
-        <a:ea typeface=""/>
-        <a:cs typeface=""/>
-      </a:minorFont>
-    </a:fontScheme>
-    <a:fmtScheme name="Office">
-      <a:fillStyleLst>
-        <a:solidFill>
-          <a:schemeClr val="phClr"/>
-        </a:solidFill>
-        <a:gradFill rotWithShape="1">
-          <a:gsLst>
-            <a:gs pos="0">
-              <a:schemeClr val="phClr">
-                <a:tint val="50000"/>
-                <a:satMod val="300000"/>
-              </a:schemeClr>
-            </a:gs>
-            <a:gs pos="35000">
-              <a:schemeClr val="phClr">
-                <a:tint val="37000"/>
-                <a:satMod val="300000"/>
-              </a:schemeClr>
-            </a:gs>
-            <a:gs pos="100000">
-              <a:schemeClr val="phClr">
-                <a:tint val="15000"/>
-                <a:satMod val="350000"/>
-              </a:schemeClr>
-            </a:gs>
-          </a:gsLst>
-          <a:lin ang="16200000" scaled="1"/>
-        </a:gradFill>
-        <a:gradFill rotWithShape="1">
-          <a:gsLst>
-            <a:gs pos="0">
-              <a:schemeClr val="phClr">
-                <a:tint val="100000"/>
-                <a:shade val="100000"/>
-                <a:satMod val="130000"/>
-              </a:schemeClr>
-            </a:gs>
-            <a:gs pos="100000">
-              <a:schemeClr val="phClr">
-                <a:tint val="50000"/>
-                <a:shade val="100000"/>
-                <a:satMod val="350000"/>
-              </a:schemeClr>
-            </a:gs>
-          </a:gsLst>
-          <a:lin ang="16200000" scaled="0"/>
-        </a:gradFill>
-      </a:fillStyleLst>
-      <a:lnStyleLst>
-        <a:ln w="9525" cap="flat" cmpd="sng" algn="ctr">
-          <a:solidFill>
-            <a:schemeClr val="phClr">
-              <a:shade val="95000"/>
-              <a:satMod val="105000"/>
-            </a:schemeClr>
-          </a:solidFill>
-          <a:prstDash val="solid"/>
-        </a:ln>
-        <a:ln w="25400" cap="flat" cmpd="sng" algn="ctr">
-          <a:solidFill>
-            <a:schemeClr val="phClr"/>
-          </a:solidFill>
-          <a:prstDash val="solid"/>
-        </a:ln>
-        <a:ln w="38100" cap="flat" cmpd="sng" algn="ctr">
-          <a:solidFill>
-            <a:schemeClr val="phClr"/>
-          </a:solidFill>
-          <a:prstDash val="solid"/>
-        </a:ln>
-      </a:lnStyleLst>
-      <a:effectStyleLst>
-        <a:effectStyle>
-          <a:effectLst>
-            <a:outerShdw blurRad="40000" dist="20000" dir="5400000" rotWithShape="0">
-              <a:srgbClr val="000000">
-                <a:alpha val="38000"/>
-              </a:srgbClr>
-            </a:outerShdw>
-          </a:effectLst>
-        </a:effectStyle>
-        <a:effectStyle>
-          <a:effectLst>
-            <a:outerShdw blurRad="40000" dist="23000" dir="5400000" rotWithShape="0">
-              <a:srgbClr val="000000">
-                <a:alpha val="35000"/>
-              </a:srgbClr>
-            </a:outerShdw>
-          </a:effectLst>
-        </a:effectStyle>
-        <a:effectStyle>
-          <a:effectLst>
-            <a:outerShdw blurRad="40000" dist="23000" dir="5400000" rotWithShape="0">
-              <a:srgbClr val="000000">
-                <a:alpha val="35000"/>
-              </a:srgbClr>
-            </a:outerShdw>
-          </a:effectLst>
-          <a:scene3d>
-            <a:camera prst="orthographicFront">
-              <a:rot lat="0" lon="0" rev="0"/>
-            </a:camera>
-            <a:lightRig rig="threePt" dir="t">
-              <a:rot lat="0" lon="0" rev="1200000"/>
-            </a:lightRig>
-          </a:scene3d>
-          <a:sp3d>
-            <a:bevelT w="63500" h="25400"/>
-          </a:sp3d>
-        </a:effectStyle>
-      </a:effectStyleLst>
-      <a:bgFillStyleLst>
-        <a:solidFill>
-          <a:schemeClr val="phClr"/>
-        </a:solidFill>
-        <a:gradFill rotWithShape="1">
-          <a:gsLst>
-            <a:gs pos="0">
-              <a:schemeClr val="phClr">
-                <a:tint val="40000"/>
-                <a:satMod val="350000"/>
-              </a:schemeClr>
-            </a:gs>
-            <a:gs pos="40000">
-              <a:schemeClr val="phClr">
-                <a:tint val="45000"/>
-                <a:shade val="99000"/>
-                <a:satMod val="350000"/>
-              </a:schemeClr>
-            </a:gs>
-            <a:gs pos="100000">
-              <a:schemeClr val="phClr">
-                <a:shade val="20000"/>
-                <a:satMod val="255000"/>
-              </a:schemeClr>
-            </a:gs>
-          </a:gsLst>
-          <a:path path="circle">
-            <a:fillToRect l="50000" t="-80000" r="50000" b="180000"/>
-          </a:path>
-        </a:gradFill>
-        <a:gradFill rotWithShape="1">
-          <a:gsLst>
-            <a:gs pos="0">
-              <a:schemeClr val="phClr">
-                <a:tint val="80000"/>
-                <a:satMod val="300000"/>
-              </a:schemeClr>
-            </a:gs>
-            <a:gs pos="100000">
-              <a:schemeClr val="phClr">
-                <a:shade val="30000"/>
-                <a:satMod val="200000"/>
-              </a:schemeClr>
-            </a:gs>
-          </a:gsLst>
-          <a:path path="circle">
-            <a:fillToRect l="50000" t="50000" r="50000" b="50000"/>
-          </a:path>
-        </a:gradFill>
-      </a:bgFillStyleLst>
-    </a:fmtScheme>
-  </a:themeElements>
-  <a:objectDefaults>
-    <a:spDef>
-      <a:spPr bwMode="auto">
-        <a:xfrm>
-          <a:off x="0" y="0"/>
-          <a:ext cx="1" cy="1"/>
-        </a:xfrm>
-        <a:custGeom>
-          <a:avLst/>
-          <a:gdLst/>
-          <a:ahLst/>
-          <a:cxnLst/>
-          <a:rect l="0" t="0" r="0" b="0"/>
-          <a:pathLst/>
-        </a:custGeom>
-        <a:solidFill>
-          <a:schemeClr val="accent1"/>
-        </a:solidFill>
-        <a:ln w="9525" cap="flat" cmpd="sng" algn="ctr">
-          <a:solidFill>
-            <a:schemeClr val="tx1"/>
-          </a:solidFill>
-          <a:prstDash val="solid"/>
-          <a:round/>
-          <a:headEnd type="none" w="med" len="med"/>
-          <a:tailEnd type="none" w="med" len="med"/>
-        </a:ln>
-        <a:effectLst/>
-      </a:spPr>
-      <a:bodyPr vert="horz" wrap="square" lIns="91440" tIns="45720" rIns="91440" bIns="45720" numCol="1" anchor="t" anchorCtr="0" compatLnSpc="1">
-        <a:prstTxWarp prst="textNoShape">
-          <a:avLst/>
-        </a:prstTxWarp>
-      </a:bodyPr>
-      <a:lstStyle>
-        <a:defPPr marL="0" marR="0" indent="0" algn="l" defTabSz="914400" rtl="0" eaLnBrk="1" fontAlgn="base" latinLnBrk="0" hangingPunct="1">
-          <a:lnSpc>
-            <a:spcPct val="100000"/>
-          </a:lnSpc>
-          <a:spcBef>
-            <a:spcPct val="0"/>
-          </a:spcBef>
-          <a:spcAft>
-            <a:spcPct val="0"/>
-          </a:spcAft>
-          <a:buClrTx/>
-          <a:buSzTx/>
-          <a:buFontTx/>
-          <a:buNone/>
-          <a:tabLst/>
-          <a:defRPr kumimoji="0" lang="fr-FR" sz="1200" b="1" i="0" u="none" strike="noStrike" cap="none" normalizeH="0" baseline="0">
-            <a:ln>
-              <a:noFill/>
-            </a:ln>
-            <a:solidFill>
-              <a:srgbClr val="800000"/>
-            </a:solidFill>
-            <a:effectLst>
-              <a:outerShdw blurRad="38100" dist="38100" dir="2700000" algn="tl">
-                <a:srgbClr val="000000">
-                  <a:alpha val="43137"/>
-                </a:srgbClr>
-              </a:outerShdw>
-            </a:effectLst>
-            <a:latin typeface="Arial Narrow" charset="0"/>
-          </a:defRPr>
-        </a:defPPr>
-      </a:lstStyle>
-    </a:spDef>
-    <a:lnDef>
-      <a:spPr bwMode="auto">
-        <a:xfrm>
-          <a:off x="0" y="0"/>
-          <a:ext cx="1" cy="1"/>
-        </a:xfrm>
-        <a:custGeom>
-          <a:avLst/>
-          <a:gdLst/>
-          <a:ahLst/>
-          <a:cxnLst/>
-          <a:rect l="0" t="0" r="0" b="0"/>
-          <a:pathLst/>
-        </a:custGeom>
-        <a:solidFill>
-          <a:schemeClr val="accent1"/>
-        </a:solidFill>
-        <a:ln w="9525" cap="flat" cmpd="sng" algn="ctr">
-          <a:solidFill>
-            <a:schemeClr val="tx1"/>
-          </a:solidFill>
-          <a:prstDash val="solid"/>
-          <a:round/>
-          <a:headEnd type="none" w="med" len="med"/>
-          <a:tailEnd type="none" w="med" len="med"/>
-        </a:ln>
-        <a:effectLst/>
-      </a:spPr>
-      <a:bodyPr vert="horz" wrap="square" lIns="91440" tIns="45720" rIns="91440" bIns="45720" numCol="1" anchor="t" anchorCtr="0" compatLnSpc="1">
-        <a:prstTxWarp prst="textNoShape">
-          <a:avLst/>
-        </a:prstTxWarp>
-      </a:bodyPr>
-      <a:lstStyle>
-        <a:defPPr marL="0" marR="0" indent="0" algn="l" defTabSz="914400" rtl="0" eaLnBrk="1" fontAlgn="base" latinLnBrk="0" hangingPunct="1">
-          <a:lnSpc>
-            <a:spcPct val="100000"/>
-          </a:lnSpc>
-          <a:spcBef>
-            <a:spcPct val="0"/>
-          </a:spcBef>
-          <a:spcAft>
-            <a:spcPct val="0"/>
-          </a:spcAft>
-          <a:buClrTx/>
-          <a:buSzTx/>
-          <a:buFontTx/>
-          <a:buNone/>
-          <a:tabLst/>
-          <a:defRPr kumimoji="0" lang="fr-FR" sz="1200" b="1" i="0" u="none" strike="noStrike" cap="none" normalizeH="0" baseline="0">
-            <a:ln>
-              <a:noFill/>
-            </a:ln>
-            <a:solidFill>
-              <a:srgbClr val="800000"/>
-            </a:solidFill>
-            <a:effectLst>
-              <a:outerShdw blurRad="38100" dist="38100" dir="2700000" algn="tl">
-                <a:srgbClr val="000000">
-                  <a:alpha val="43137"/>
-                </a:srgbClr>
-              </a:outerShdw>
-            </a:effectLst>
-            <a:latin typeface="Arial Narrow" charset="0"/>
-          </a:defRPr>
-        </a:defPPr>
-      </a:lstStyle>
-    </a:lnDef>
-  </a:objectDefaults>
-  <a:extraClrSchemeLst>
-    <a:extraClrScheme>
-      <a:clrScheme name="Nouvelle présentation 1">
-        <a:dk1>
-          <a:srgbClr val="5490A8"/>
-        </a:dk1>
-        <a:lt1>
-          <a:srgbClr val="DDDDDD"/>
-        </a:lt1>
-        <a:dk2>
-          <a:srgbClr val="00172E"/>
-        </a:dk2>
-        <a:lt2>
-          <a:srgbClr val="CCECFF"/>
-        </a:lt2>
-        <a:accent1>
-          <a:srgbClr val="0099CC"/>
-        </a:accent1>
-        <a:accent2>
-          <a:srgbClr val="3366CC"/>
-        </a:accent2>
-        <a:accent3>
-          <a:srgbClr val="AAABAD"/>
-        </a:accent3>
-        <a:accent4>
-          <a:srgbClr val="BDBDBD"/>
-        </a:accent4>
-        <a:accent5>
-          <a:srgbClr val="AACAE2"/>
-        </a:accent5>
-        <a:accent6>
-          <a:srgbClr val="2D5CB9"/>
-        </a:accent6>
-        <a:hlink>
-          <a:srgbClr val="99CCFF"/>
-        </a:hlink>
-        <a:folHlink>
-          <a:srgbClr val="E1E1B7"/>
-        </a:folHlink>
-      </a:clrScheme>
-      <a:clrMap bg1="dk2" tx1="lt1" bg2="dk1" tx2="lt2" accent1="accent1" accent2="accent2" accent3="accent3" accent4="accent4" accent5="accent5" accent6="accent6" hlink="hlink" folHlink="folHlink"/>
-    </a:extraClrScheme>
-    <a:extraClrScheme>
-      <a:clrScheme name="Nouvelle présentation 2">
-        <a:dk1>
-          <a:srgbClr val="000000"/>
-        </a:dk1>
-        <a:lt1>
-          <a:srgbClr val="FFFFFF"/>
-        </a:lt1>
-        <a:dk2>
-          <a:srgbClr val="003366"/>
-        </a:dk2>
-        <a:lt2>
-          <a:srgbClr val="5490A8"/>
-        </a:lt2>
-        <a:accent1>
-          <a:srgbClr val="0099CC"/>
-        </a:accent1>
-        <a:accent2>
-          <a:srgbClr val="3366CC"/>
-        </a:accent2>
-        <a:accent3>
-          <a:srgbClr val="FFFFFF"/>
-        </a:accent3>
-        <a:accent4>
-          <a:srgbClr val="000000"/>
-        </a:accent4>
-        <a:accent5>
-          <a:srgbClr val="AACAE2"/>
-        </a:accent5>
-        <a:accent6>
-          <a:srgbClr val="2D5CB9"/>
-        </a:accent6>
-        <a:hlink>
-          <a:srgbClr val="99CCFF"/>
-        </a:hlink>
-        <a:folHlink>
-          <a:srgbClr val="E1E1B7"/>
-        </a:folHlink>
-      </a:clrScheme>
-      <a:clrMap bg1="lt1" tx1="dk1" bg2="lt2" tx2="dk2" accent1="accent1" accent2="accent2" accent3="accent3" accent4="accent4" accent5="accent5" accent6="accent6" hlink="hlink" folHlink="folHlink"/>
-    </a:extraClrScheme>
-    <a:extraClrScheme>
-      <a:clrScheme name="Nouvelle présentation 3">
-        <a:dk1>
-          <a:srgbClr val="000000"/>
-        </a:dk1>
-        <a:lt1>
-          <a:srgbClr val="FFFFFF"/>
-        </a:lt1>
-        <a:dk2>
-          <a:srgbClr val="000000"/>
-        </a:dk2>
-        <a:lt2>
-          <a:srgbClr val="393939"/>
-        </a:lt2>
-        <a:accent1>
-          <a:srgbClr val="CBCBCB"/>
-        </a:accent1>
-        <a:accent2>
-          <a:srgbClr val="868686"/>
-        </a:accent2>
-        <a:accent3>
-          <a:srgbClr val="FFFFFF"/>
-        </a:accent3>
-        <a:accent4>
-          <a:srgbClr val="000000"/>
-        </a:accent4>
-        <a:accent5>
-          <a:srgbClr val="E2E2E2"/>
-        </a:accent5>
-        <a:accent6>
-          <a:srgbClr val="797979"/>
-        </a:accent6>
-        <a:hlink>
-          <a:srgbClr val="4D4D4D"/>
-        </a:hlink>
-        <a:folHlink>
-          <a:srgbClr val="EAEAEA"/>
-        </a:folHlink>
-      </a:clrScheme>
-      <a:clrMap bg1="lt1" tx1="dk1" bg2="lt2" tx2="dk2" accent1="accent1" accent2="accent2" accent3="accent3" accent4="accent4" accent5="accent5" accent6="accent6" hlink="hlink" folHlink="folHlink"/>
-    </a:extraClrScheme>
-    <a:extraClrScheme>
-      <a:clrScheme name="Nouvelle présentation 4">
-        <a:dk1>
-          <a:srgbClr val="000000"/>
-        </a:dk1>
-        <a:lt1>
-          <a:srgbClr val="FFFFFF"/>
-        </a:lt1>
-        <a:dk2>
-          <a:srgbClr val="666633"/>
-        </a:dk2>
-        <a:lt2>
-          <a:srgbClr val="908A6C"/>
-        </a:lt2>
-        <a:accent1>
-          <a:srgbClr val="808000"/>
-        </a:accent1>
-        <a:accent2>
-          <a:srgbClr val="996633"/>
-        </a:accent2>
-        <a:accent3>
-          <a:srgbClr val="FFFFFF"/>
-        </a:accent3>
-        <a:accent4>
-          <a:srgbClr val="000000"/>
-        </a:accent4>
-        <a:accent5>
-          <a:srgbClr val="C0C0AA"/>
-        </a:accent5>
-        <a:accent6>
-          <a:srgbClr val="8A5C2D"/>
-        </a:accent6>
-        <a:hlink>
-          <a:srgbClr val="CCCC00"/>
-        </a:hlink>
-        <a:folHlink>
-          <a:srgbClr val="D6DEB2"/>
-        </a:folHlink>
-      </a:clrScheme>
-      <a:clrMap bg1="lt1" tx1="dk1" bg2="lt2" tx2="dk2" accent1="accent1" accent2="accent2" accent3="accent3" accent4="accent4" accent5="accent5" accent6="accent6" hlink="hlink" folHlink="folHlink"/>
-    </a:extraClrScheme>
-    <a:extraClrScheme>
-      <a:clrScheme name="Nouvelle présentation 5">
-        <a:dk1>
-          <a:srgbClr val="000000"/>
-        </a:dk1>
-        <a:lt1>
-          <a:srgbClr val="FFFFFF"/>
-        </a:lt1>
-        <a:dk2>
-          <a:srgbClr val="181848"/>
-        </a:dk2>
-        <a:lt2>
-          <a:srgbClr val="656F97"/>
-        </a:lt2>
-        <a:accent1>
-          <a:srgbClr val="6666FF"/>
-        </a:accent1>
-        <a:accent2>
-          <a:srgbClr val="333399"/>
-        </a:accent2>
-        <a:accent3>
-          <a:srgbClr val="FFFFFF"/>
-        </a:accent3>
-        <a:accent4>
-          <a:srgbClr val="000000"/>
-        </a:accent4>
-        <a:accent5>
-          <a:srgbClr val="B8B8FF"/>
-        </a:accent5>
-        <a:accent6>
-          <a:srgbClr val="2D2D8A"/>
-        </a:accent6>
-        <a:hlink>
-          <a:srgbClr val="9A9ABC"/>
-        </a:hlink>
-        <a:folHlink>
-          <a:srgbClr val="D2B6CE"/>
-        </a:folHlink>
-      </a:clrScheme>
-      <a:clrMap bg1="lt1" tx1="dk1" bg2="lt2" tx2="dk2" accent1="accent1" accent2="accent2" accent3="accent3" accent4="accent4" accent5="accent5" accent6="accent6" hlink="hlink" folHlink="folHlink"/>
-    </a:extraClrScheme>
-    <a:extraClrScheme>
-      <a:clrScheme name="Nouvelle présentation 6">
-        <a:dk1>
-          <a:srgbClr val="CC0066"/>
-        </a:dk1>
-        <a:lt1>
-          <a:srgbClr val="FFFFFF"/>
-        </a:lt1>
-        <a:dk2>
-          <a:srgbClr val="000000"/>
-        </a:dk2>
-        <a:lt2>
-          <a:srgbClr val="CC0099"/>
-        </a:lt2>
-        <a:accent1>
-          <a:srgbClr val="FF9900"/>
-        </a:accent1>
-        <a:accent2>
-          <a:srgbClr val="CC6600"/>
-        </a:accent2>
-        <a:accent3>
-          <a:srgbClr val="AAAAAA"/>
-        </a:accent3>
-        <a:accent4>
-          <a:srgbClr val="DADADA"/>
-        </a:accent4>
-        <a:accent5>
-          <a:srgbClr val="FFCAAA"/>
-        </a:accent5>
-        <a:accent6>
-          <a:srgbClr val="B95C00"/>
-        </a:accent6>
-        <a:hlink>
-          <a:srgbClr val="009900"/>
-        </a:hlink>
-        <a:folHlink>
-          <a:srgbClr val="A50021"/>
-        </a:folHlink>
-      </a:clrScheme>
-      <a:clrMap bg1="dk2" tx1="lt1" bg2="dk1" tx2="lt2" accent1="accent1" accent2="accent2" accent3="accent3" accent4="accent4" accent5="accent5" accent6="accent6" hlink="hlink" folHlink="folHlink"/>
-    </a:extraClrScheme>
-  </a:extraClrSchemeLst>
-</a:theme>
-</file>
-
-<file path=ppt/theme/theme3.xml><?xml version="1.0" encoding="utf-8"?>
 <a:theme xmlns:a="http://schemas.openxmlformats.org/drawingml/2006/main" name="1_Perspective">
   <a:themeElements>
     <a:clrScheme name="Perspective">
@@ -17165,7 +9305,7 @@
 </a:theme>
 </file>
 
-<file path=ppt/theme/theme4.xml><?xml version="1.0" encoding="utf-8"?>
+<file path=ppt/theme/theme3.xml><?xml version="1.0" encoding="utf-8"?>
 <a:theme xmlns:a="http://schemas.openxmlformats.org/drawingml/2006/main" name="2_Perspective">
   <a:themeElements>
     <a:clrScheme name="Perspective">
@@ -17354,385 +9494,7 @@
 </a:theme>
 </file>
 
-<file path=ppt/theme/theme5.xml><?xml version="1.0" encoding="utf-8"?>
-<a:theme xmlns:a="http://schemas.openxmlformats.org/drawingml/2006/main" name="3_Perspective">
-  <a:themeElements>
-    <a:clrScheme name="Perspective">
-      <a:dk1>
-        <a:sysClr val="windowText" lastClr="000000"/>
-      </a:dk1>
-      <a:lt1>
-        <a:sysClr val="window" lastClr="FFFFFF"/>
-      </a:lt1>
-      <a:dk2>
-        <a:srgbClr val="333333"/>
-      </a:dk2>
-      <a:lt2>
-        <a:srgbClr val="BBC0AC"/>
-      </a:lt2>
-      <a:accent1>
-        <a:srgbClr val="A2C816"/>
-      </a:accent1>
-      <a:accent2>
-        <a:srgbClr val="E07602"/>
-      </a:accent2>
-      <a:accent3>
-        <a:srgbClr val="E4C402"/>
-      </a:accent3>
-      <a:accent4>
-        <a:srgbClr val="7DC1EF"/>
-      </a:accent4>
-      <a:accent5>
-        <a:srgbClr val="21449B"/>
-      </a:accent5>
-      <a:accent6>
-        <a:srgbClr val="A2B170"/>
-      </a:accent6>
-      <a:hlink>
-        <a:srgbClr val="8DA440"/>
-      </a:hlink>
-      <a:folHlink>
-        <a:srgbClr val="4C4F3F"/>
-      </a:folHlink>
-    </a:clrScheme>
-    <a:fontScheme name="Perspective">
-      <a:majorFont>
-        <a:latin typeface="Century Gothic"/>
-        <a:ea typeface=""/>
-        <a:cs typeface=""/>
-        <a:font script="Jpan" typeface="メイリオ"/>
-      </a:majorFont>
-      <a:minorFont>
-        <a:latin typeface="Century Gothic"/>
-        <a:ea typeface=""/>
-        <a:cs typeface=""/>
-        <a:font script="Jpan" typeface="メイリオ"/>
-      </a:minorFont>
-    </a:fontScheme>
-    <a:fmtScheme name="Perspective">
-      <a:fillStyleLst>
-        <a:solidFill>
-          <a:schemeClr val="phClr"/>
-        </a:solidFill>
-        <a:solidFill>
-          <a:schemeClr val="phClr">
-            <a:shade val="90000"/>
-          </a:schemeClr>
-        </a:solidFill>
-        <a:solidFill>
-          <a:schemeClr val="phClr">
-            <a:shade val="80000"/>
-          </a:schemeClr>
-        </a:solidFill>
-      </a:fillStyleLst>
-      <a:lnStyleLst>
-        <a:ln w="12700" cap="flat" cmpd="sng" algn="ctr">
-          <a:solidFill>
-            <a:schemeClr val="phClr">
-              <a:satMod val="105000"/>
-            </a:schemeClr>
-          </a:solidFill>
-          <a:prstDash val="solid"/>
-        </a:ln>
-        <a:ln w="25400" cap="flat" cmpd="sng" algn="ctr">
-          <a:solidFill>
-            <a:schemeClr val="phClr"/>
-          </a:solidFill>
-          <a:prstDash val="solid"/>
-        </a:ln>
-        <a:ln w="25400" cap="flat" cmpd="sng" algn="ctr">
-          <a:solidFill>
-            <a:schemeClr val="phClr">
-              <a:alpha val="80000"/>
-            </a:schemeClr>
-          </a:solidFill>
-          <a:prstDash val="solid"/>
-        </a:ln>
-      </a:lnStyleLst>
-      <a:effectStyleLst>
-        <a:effectStyle>
-          <a:effectLst/>
-        </a:effectStyle>
-        <a:effectStyle>
-          <a:effectLst/>
-          <a:scene3d>
-            <a:camera prst="obliqueTopRight"/>
-            <a:lightRig rig="threePt" dir="tl"/>
-          </a:scene3d>
-          <a:sp3d>
-            <a:bevelT w="25400" h="25400"/>
-          </a:sp3d>
-        </a:effectStyle>
-        <a:effectStyle>
-          <a:effectLst/>
-          <a:scene3d>
-            <a:camera prst="perspectiveFront" fov="4200000"/>
-            <a:lightRig rig="balanced" dir="tl">
-              <a:rot lat="0" lon="0" rev="18600000"/>
-            </a:lightRig>
-          </a:scene3d>
-          <a:sp3d prstMaterial="metal">
-            <a:bevelT w="63500" h="50800" prst="angle"/>
-          </a:sp3d>
-        </a:effectStyle>
-      </a:effectStyleLst>
-      <a:bgFillStyleLst>
-        <a:solidFill>
-          <a:schemeClr val="phClr">
-            <a:tint val="90000"/>
-          </a:schemeClr>
-        </a:solidFill>
-        <a:solidFill>
-          <a:schemeClr val="phClr">
-            <a:tint val="50000"/>
-          </a:schemeClr>
-        </a:solidFill>
-        <a:solidFill>
-          <a:schemeClr val="phClr">
-            <a:shade val="60000"/>
-          </a:schemeClr>
-        </a:solidFill>
-      </a:bgFillStyleLst>
-    </a:fmtScheme>
-  </a:themeElements>
-  <a:objectDefaults>
-    <a:spDef>
-      <a:spPr/>
-      <a:bodyPr rtlCol="0" anchor="ctr"/>
-      <a:lstStyle>
-        <a:defPPr algn="ctr">
-          <a:defRPr/>
-        </a:defPPr>
-      </a:lstStyle>
-      <a:style>
-        <a:lnRef idx="1">
-          <a:schemeClr val="accent1"/>
-        </a:lnRef>
-        <a:fillRef idx="3">
-          <a:schemeClr val="accent1"/>
-        </a:fillRef>
-        <a:effectRef idx="2">
-          <a:schemeClr val="accent1"/>
-        </a:effectRef>
-        <a:fontRef idx="minor">
-          <a:schemeClr val="lt1"/>
-        </a:fontRef>
-      </a:style>
-    </a:spDef>
-    <a:lnDef>
-      <a:spPr/>
-      <a:bodyPr/>
-      <a:lstStyle/>
-      <a:style>
-        <a:lnRef idx="2">
-          <a:schemeClr val="accent1"/>
-        </a:lnRef>
-        <a:fillRef idx="0">
-          <a:schemeClr val="accent1"/>
-        </a:fillRef>
-        <a:effectRef idx="1">
-          <a:schemeClr val="accent1"/>
-        </a:effectRef>
-        <a:fontRef idx="minor">
-          <a:schemeClr val="tx1"/>
-        </a:fontRef>
-      </a:style>
-    </a:lnDef>
-  </a:objectDefaults>
-  <a:extraClrSchemeLst/>
-</a:theme>
-</file>
-
-<file path=ppt/theme/theme6.xml><?xml version="1.0" encoding="utf-8"?>
-<a:theme xmlns:a="http://schemas.openxmlformats.org/drawingml/2006/main" name="4_Perspective">
-  <a:themeElements>
-    <a:clrScheme name="Perspective">
-      <a:dk1>
-        <a:sysClr val="windowText" lastClr="000000"/>
-      </a:dk1>
-      <a:lt1>
-        <a:sysClr val="window" lastClr="FFFFFF"/>
-      </a:lt1>
-      <a:dk2>
-        <a:srgbClr val="333333"/>
-      </a:dk2>
-      <a:lt2>
-        <a:srgbClr val="BBC0AC"/>
-      </a:lt2>
-      <a:accent1>
-        <a:srgbClr val="A2C816"/>
-      </a:accent1>
-      <a:accent2>
-        <a:srgbClr val="E07602"/>
-      </a:accent2>
-      <a:accent3>
-        <a:srgbClr val="E4C402"/>
-      </a:accent3>
-      <a:accent4>
-        <a:srgbClr val="7DC1EF"/>
-      </a:accent4>
-      <a:accent5>
-        <a:srgbClr val="21449B"/>
-      </a:accent5>
-      <a:accent6>
-        <a:srgbClr val="A2B170"/>
-      </a:accent6>
-      <a:hlink>
-        <a:srgbClr val="8DA440"/>
-      </a:hlink>
-      <a:folHlink>
-        <a:srgbClr val="4C4F3F"/>
-      </a:folHlink>
-    </a:clrScheme>
-    <a:fontScheme name="Perspective">
-      <a:majorFont>
-        <a:latin typeface="Century Gothic"/>
-        <a:ea typeface=""/>
-        <a:cs typeface=""/>
-        <a:font script="Jpan" typeface="メイリオ"/>
-      </a:majorFont>
-      <a:minorFont>
-        <a:latin typeface="Century Gothic"/>
-        <a:ea typeface=""/>
-        <a:cs typeface=""/>
-        <a:font script="Jpan" typeface="メイリオ"/>
-      </a:minorFont>
-    </a:fontScheme>
-    <a:fmtScheme name="Perspective">
-      <a:fillStyleLst>
-        <a:solidFill>
-          <a:schemeClr val="phClr"/>
-        </a:solidFill>
-        <a:solidFill>
-          <a:schemeClr val="phClr">
-            <a:shade val="90000"/>
-          </a:schemeClr>
-        </a:solidFill>
-        <a:solidFill>
-          <a:schemeClr val="phClr">
-            <a:shade val="80000"/>
-          </a:schemeClr>
-        </a:solidFill>
-      </a:fillStyleLst>
-      <a:lnStyleLst>
-        <a:ln w="12700" cap="flat" cmpd="sng" algn="ctr">
-          <a:solidFill>
-            <a:schemeClr val="phClr">
-              <a:satMod val="105000"/>
-            </a:schemeClr>
-          </a:solidFill>
-          <a:prstDash val="solid"/>
-        </a:ln>
-        <a:ln w="25400" cap="flat" cmpd="sng" algn="ctr">
-          <a:solidFill>
-            <a:schemeClr val="phClr"/>
-          </a:solidFill>
-          <a:prstDash val="solid"/>
-        </a:ln>
-        <a:ln w="25400" cap="flat" cmpd="sng" algn="ctr">
-          <a:solidFill>
-            <a:schemeClr val="phClr">
-              <a:alpha val="80000"/>
-            </a:schemeClr>
-          </a:solidFill>
-          <a:prstDash val="solid"/>
-        </a:ln>
-      </a:lnStyleLst>
-      <a:effectStyleLst>
-        <a:effectStyle>
-          <a:effectLst/>
-        </a:effectStyle>
-        <a:effectStyle>
-          <a:effectLst/>
-          <a:scene3d>
-            <a:camera prst="obliqueTopRight"/>
-            <a:lightRig rig="threePt" dir="tl"/>
-          </a:scene3d>
-          <a:sp3d>
-            <a:bevelT w="25400" h="25400"/>
-          </a:sp3d>
-        </a:effectStyle>
-        <a:effectStyle>
-          <a:effectLst/>
-          <a:scene3d>
-            <a:camera prst="perspectiveFront" fov="4200000"/>
-            <a:lightRig rig="balanced" dir="tl">
-              <a:rot lat="0" lon="0" rev="18600000"/>
-            </a:lightRig>
-          </a:scene3d>
-          <a:sp3d prstMaterial="metal">
-            <a:bevelT w="63500" h="50800" prst="angle"/>
-          </a:sp3d>
-        </a:effectStyle>
-      </a:effectStyleLst>
-      <a:bgFillStyleLst>
-        <a:solidFill>
-          <a:schemeClr val="phClr">
-            <a:tint val="90000"/>
-          </a:schemeClr>
-        </a:solidFill>
-        <a:solidFill>
-          <a:schemeClr val="phClr">
-            <a:tint val="50000"/>
-          </a:schemeClr>
-        </a:solidFill>
-        <a:solidFill>
-          <a:schemeClr val="phClr">
-            <a:shade val="60000"/>
-          </a:schemeClr>
-        </a:solidFill>
-      </a:bgFillStyleLst>
-    </a:fmtScheme>
-  </a:themeElements>
-  <a:objectDefaults>
-    <a:spDef>
-      <a:spPr/>
-      <a:bodyPr rtlCol="0" anchor="ctr"/>
-      <a:lstStyle>
-        <a:defPPr algn="ctr">
-          <a:defRPr/>
-        </a:defPPr>
-      </a:lstStyle>
-      <a:style>
-        <a:lnRef idx="1">
-          <a:schemeClr val="accent1"/>
-        </a:lnRef>
-        <a:fillRef idx="3">
-          <a:schemeClr val="accent1"/>
-        </a:fillRef>
-        <a:effectRef idx="2">
-          <a:schemeClr val="accent1"/>
-        </a:effectRef>
-        <a:fontRef idx="minor">
-          <a:schemeClr val="lt1"/>
-        </a:fontRef>
-      </a:style>
-    </a:spDef>
-    <a:lnDef>
-      <a:spPr/>
-      <a:bodyPr/>
-      <a:lstStyle/>
-      <a:style>
-        <a:lnRef idx="2">
-          <a:schemeClr val="accent1"/>
-        </a:lnRef>
-        <a:fillRef idx="0">
-          <a:schemeClr val="accent1"/>
-        </a:fillRef>
-        <a:effectRef idx="1">
-          <a:schemeClr val="accent1"/>
-        </a:effectRef>
-        <a:fontRef idx="minor">
-          <a:schemeClr val="tx1"/>
-        </a:fontRef>
-      </a:style>
-    </a:lnDef>
-  </a:objectDefaults>
-  <a:extraClrSchemeLst/>
-</a:theme>
-</file>
-
-<file path=ppt/theme/theme7.xml><?xml version="1.0" encoding="utf-8"?>
+<file path=ppt/theme/theme4.xml><?xml version="1.0" encoding="utf-8"?>
 <a:theme xmlns:a="http://schemas.openxmlformats.org/drawingml/2006/main" name="Office Theme">
   <a:themeElements>
     <a:clrScheme name="Office">
@@ -18050,7 +9812,7 @@
 </a:theme>
 </file>
 
-<file path=ppt/theme/theme8.xml><?xml version="1.0" encoding="utf-8"?>
+<file path=ppt/theme/theme5.xml><?xml version="1.0" encoding="utf-8"?>
 <a:theme xmlns:a="http://schemas.openxmlformats.org/drawingml/2006/main" name="Office Theme">
   <a:themeElements>
     <a:clrScheme name="Office">

--- a/tutorial/EGI-2011/01_introduction.pptx
+++ b/tutorial/EGI-2011/01_introduction.pptx
@@ -206,7 +206,7 @@
             <a:fld id="{9A6AC4B2-6F12-454D-8DA7-7B9C78843B81}" type="datetimeFigureOut">
               <a:rPr lang="en-US" smtClean="0"/>
               <a:pPr/>
-              <a:t>4/6/2011</a:t>
+              <a:t>4/9/2011</a:t>
             </a:fld>
             <a:endParaRPr lang="en-US"/>
           </a:p>
@@ -374,7 +374,7 @@
             <a:fld id="{19F24AD4-A78B-B645-8B43-825B1EB2901C}" type="datetimeFigureOut">
               <a:rPr lang="en-US" smtClean="0"/>
               <a:pPr/>
-              <a:t>4/6/2011</a:t>
+              <a:t>4/9/2011</a:t>
             </a:fld>
             <a:endParaRPr lang="en-US"/>
           </a:p>
@@ -965,7 +965,7 @@
             <a:fld id="{ADB8239A-D789-5443-937F-338E3AE3D41C}" type="datetime1">
               <a:rPr lang="en-US" smtClean="0"/>
               <a:pPr/>
-              <a:t>4/6/2011</a:t>
+              <a:t>4/9/2011</a:t>
             </a:fld>
             <a:endParaRPr lang="en-US"/>
           </a:p>
@@ -1269,7 +1269,7 @@
             <a:fld id="{459EC1CE-E98D-704D-AD6F-6E3323A36483}" type="datetime1">
               <a:rPr lang="en-US" smtClean="0"/>
               <a:pPr/>
-              <a:t>4/6/2011</a:t>
+              <a:t>4/9/2011</a:t>
             </a:fld>
             <a:endParaRPr lang="en-US"/>
           </a:p>
@@ -1545,7 +1545,7 @@
             <a:fld id="{23E692A5-8B3E-1949-B0CC-6F0593ACFA8E}" type="datetime1">
               <a:rPr lang="en-US" smtClean="0"/>
               <a:pPr/>
-              <a:t>4/6/2011</a:t>
+              <a:t>4/9/2011</a:t>
             </a:fld>
             <a:endParaRPr lang="en-US"/>
           </a:p>
@@ -1837,7 +1837,7 @@
             <a:fld id="{C381DA14-A3C0-9C42-96F2-BEE3D5DE963D}" type="datetime1">
               <a:rPr lang="en-US" smtClean="0"/>
               <a:pPr/>
-              <a:t>4/6/2011</a:t>
+              <a:t>4/9/2011</a:t>
             </a:fld>
             <a:endParaRPr lang="en-US"/>
           </a:p>
@@ -2164,7 +2164,7 @@
             <a:fld id="{33319320-9A5F-694B-B7B5-C734EC93AAA2}" type="datetime1">
               <a:rPr lang="en-US" smtClean="0"/>
               <a:pPr/>
-              <a:t>4/6/2011</a:t>
+              <a:t>4/9/2011</a:t>
             </a:fld>
             <a:endParaRPr lang="en-US"/>
           </a:p>
@@ -2412,7 +2412,7 @@
             <a:fld id="{CF6CE397-A6E6-7547-B24A-92BB5049E0F2}" type="datetime1">
               <a:rPr lang="en-US" smtClean="0"/>
               <a:pPr/>
-              <a:t>4/6/2011</a:t>
+              <a:t>4/9/2011</a:t>
             </a:fld>
             <a:endParaRPr lang="en-US"/>
           </a:p>
@@ -2589,7 +2589,7 @@
             <a:fld id="{27AB7D46-BD5E-E641-9118-DCE28F3B83FA}" type="datetime1">
               <a:rPr lang="en-US" smtClean="0"/>
               <a:pPr/>
-              <a:t>4/6/2011</a:t>
+              <a:t>4/9/2011</a:t>
             </a:fld>
             <a:endParaRPr lang="en-US"/>
           </a:p>
@@ -2804,7 +2804,7 @@
             <a:fld id="{4C4AD4EB-88D0-C141-9474-CCD86A78CB94}" type="datetimeFigureOut">
               <a:rPr lang="en-US" smtClean="0"/>
               <a:pPr/>
-              <a:t>4/6/2011</a:t>
+              <a:t>4/9/2011</a:t>
             </a:fld>
             <a:endParaRPr lang="en-US"/>
           </a:p>
@@ -2928,7 +2928,7 @@
             <a:fld id="{4C4AD4EB-88D0-C141-9474-CCD86A78CB94}" type="datetimeFigureOut">
               <a:rPr lang="en-US" smtClean="0"/>
               <a:pPr/>
-              <a:t>4/6/2011</a:t>
+              <a:t>4/9/2011</a:t>
             </a:fld>
             <a:endParaRPr lang="en-US"/>
           </a:p>
@@ -3180,7 +3180,7 @@
             <a:fld id="{BC26097E-015C-3B4D-86C1-CD2AD30F0B81}" type="datetime1">
               <a:rPr lang="en-US" smtClean="0"/>
               <a:pPr/>
-              <a:t>4/6/2011</a:t>
+              <a:t>4/9/2011</a:t>
             </a:fld>
             <a:endParaRPr lang="en-US"/>
           </a:p>
@@ -3456,7 +3456,7 @@
             <a:fld id="{ED6649F4-2545-3040-B7BD-803CA59D50C7}" type="datetime1">
               <a:rPr lang="en-US" smtClean="0"/>
               <a:pPr/>
-              <a:t>4/6/2011</a:t>
+              <a:t>4/9/2011</a:t>
             </a:fld>
             <a:endParaRPr lang="en-US"/>
           </a:p>
@@ -3764,7 +3764,7 @@
             <a:fld id="{833A9088-CEDD-2F48-A9A0-611A3CC03FE9}" type="datetime1">
               <a:rPr lang="en-US" smtClean="0"/>
               <a:pPr/>
-              <a:t>4/6/2011</a:t>
+              <a:t>4/9/2011</a:t>
             </a:fld>
             <a:endParaRPr lang="en-US"/>
           </a:p>
@@ -4058,7 +4058,7 @@
             <a:fld id="{AED87ACF-EB3C-EA42-8610-542FB50388EB}" type="datetime1">
               <a:rPr lang="en-US" smtClean="0"/>
               <a:pPr/>
-              <a:t>4/6/2011</a:t>
+              <a:t>4/9/2011</a:t>
             </a:fld>
             <a:endParaRPr lang="en-US"/>
           </a:p>
@@ -4490,7 +4490,7 @@
             <a:fld id="{0E0DC31B-692F-774E-A937-DA560DE61DA8}" type="datetime1">
               <a:rPr lang="en-US" smtClean="0"/>
               <a:pPr/>
-              <a:t>4/6/2011</a:t>
+              <a:t>4/9/2011</a:t>
             </a:fld>
             <a:endParaRPr lang="en-US"/>
           </a:p>
@@ -4838,7 +4838,7 @@
             <a:fld id="{95DEFDAE-5BDC-1B4F-BC4C-23C867CEBC21}" type="datetime1">
               <a:rPr lang="en-US" smtClean="0"/>
               <a:pPr/>
-              <a:t>4/6/2011</a:t>
+              <a:t>4/9/2011</a:t>
             </a:fld>
             <a:endParaRPr lang="en-US"/>
           </a:p>
@@ -4930,7 +4930,7 @@
             <a:fld id="{9F53C516-787B-9A45-AFCF-5D75DD78DEBE}" type="datetime1">
               <a:rPr lang="en-US" smtClean="0"/>
               <a:pPr/>
-              <a:t>4/6/2011</a:t>
+              <a:t>4/9/2011</a:t>
             </a:fld>
             <a:endParaRPr lang="en-US"/>
           </a:p>
@@ -5269,7 +5269,7 @@
             <a:fld id="{F19CAA94-9393-BB4A-8CB6-008B1351A132}" type="datetime1">
               <a:rPr lang="en-US" smtClean="0"/>
               <a:pPr/>
-              <a:t>4/6/2011</a:t>
+              <a:t>4/9/2011</a:t>
             </a:fld>
             <a:endParaRPr lang="en-US"/>
           </a:p>
@@ -5483,7 +5483,7 @@
             <a:fld id="{A3476A5E-2ED6-7749-A8C1-D0B1EEEB97E0}" type="datetime1">
               <a:rPr lang="en-US" smtClean="0"/>
               <a:pPr/>
-              <a:t>4/6/2011</a:t>
+              <a:t>4/9/2011</a:t>
             </a:fld>
             <a:endParaRPr lang="en-US"/>
           </a:p>
@@ -6133,7 +6133,7 @@
             <a:fld id="{4C4AD4EB-88D0-C141-9474-CCD86A78CB94}" type="datetimeFigureOut">
               <a:rPr lang="en-US" smtClean="0"/>
               <a:pPr/>
-              <a:t>4/6/2011</a:t>
+              <a:t>4/9/2011</a:t>
             </a:fld>
             <a:endParaRPr lang="en-US"/>
           </a:p>
@@ -6808,7 +6808,7 @@
             <a:fld id="{4C4AD4EB-88D0-C141-9474-CCD86A78CB94}" type="datetimeFigureOut">
               <a:rPr lang="en-US" smtClean="0"/>
               <a:pPr/>
-              <a:t>4/6/2011</a:t>
+              <a:t>4/9/2011</a:t>
             </a:fld>
             <a:endParaRPr lang="en-US"/>
           </a:p>
@@ -7512,11 +7512,7 @@
             </a:br>
             <a:r>
               <a:rPr lang="en-US" dirty="0" smtClean="0"/>
-              <a:t>All </a:t>
-            </a:r>
-            <a:r>
-              <a:rPr lang="en-US" dirty="0" smtClean="0"/>
-              <a:t>material from this tutorial can be found at:</a:t>
+              <a:t>All material from this tutorial can be found at:</a:t>
             </a:r>
             <a:br>
               <a:rPr lang="en-US" dirty="0" smtClean="0"/>
@@ -7537,11 +7533,7 @@
             </a:br>
             <a:r>
               <a:rPr lang="en-US" sz="1400" b="1" dirty="0" smtClean="0"/>
-              <a:t>https://</a:t>
-            </a:r>
-            <a:r>
-              <a:rPr lang="en-US" sz="1400" b="1" dirty="0" smtClean="0"/>
-              <a:t>svn.cct.lsu.edu/repos/saga-projects/tutorial/EGI-2011</a:t>
+              <a:t>https://svn.cct.lsu.edu/repos/saga-projects/tutorial/EGI-2011</a:t>
             </a:r>
             <a:endParaRPr lang="en-US" sz="1400" b="1" dirty="0"/>
           </a:p>
